--- a/DraftSlides/Lecture6.pptx
+++ b/DraftSlides/Lecture6.pptx
@@ -5,7 +5,7 @@
     <p:sldMasterId id="2147483648" r:id="rId1"/>
   </p:sldMasterIdLst>
   <p:notesMasterIdLst>
-    <p:notesMasterId r:id="rId18"/>
+    <p:notesMasterId r:id="rId9"/>
   </p:notesMasterIdLst>
   <p:sldIdLst>
     <p:sldId id="454" r:id="rId2"/>
@@ -15,15 +15,6 @@
     <p:sldId id="545" r:id="rId6"/>
     <p:sldId id="544" r:id="rId7"/>
     <p:sldId id="506" r:id="rId8"/>
-    <p:sldId id="369" r:id="rId9"/>
-    <p:sldId id="534" r:id="rId10"/>
-    <p:sldId id="535" r:id="rId11"/>
-    <p:sldId id="370" r:id="rId12"/>
-    <p:sldId id="372" r:id="rId13"/>
-    <p:sldId id="373" r:id="rId14"/>
-    <p:sldId id="497" r:id="rId15"/>
-    <p:sldId id="377" r:id="rId16"/>
-    <p:sldId id="536" r:id="rId17"/>
   </p:sldIdLst>
   <p:sldSz cx="10080625" cy="7559675"/>
   <p:notesSz cx="7772400" cy="10058400"/>
@@ -225,14 +216,6 @@
 </p:presentation>
 </file>
 
-<file path=ppt/revisionInfo.xml><?xml version="1.0" encoding="utf-8"?>
-<p1510:revInfo xmlns:a="http://schemas.openxmlformats.org/drawingml/2006/main" xmlns:r="http://schemas.openxmlformats.org/officeDocument/2006/relationships" xmlns:p1510="http://schemas.microsoft.com/office/powerpoint/2015/10/main">
-  <p1510:revLst>
-    <p1510:client id="{7EDB42F0-1DAD-4F64-ABA6-3DAC32F02F2D}" v="182" dt="2021-09-21T16:31:37.027"/>
-  </p1510:revLst>
-</p1510:revInfo>
-</file>
-
 <file path=ppt/changesInfos/changesInfo1.xml><?xml version="1.0" encoding="utf-8"?>
 <pc:chgInfo xmlns:a="http://schemas.openxmlformats.org/drawingml/2006/main" xmlns:r="http://schemas.openxmlformats.org/officeDocument/2006/relationships" xmlns:ac="http://schemas.microsoft.com/office/drawing/2013/main/command" xmlns:pc="http://schemas.microsoft.com/office/powerpoint/2013/main/command">
   <pc:docChgLst>
@@ -7558,6 +7541,78 @@
     </pc:docChg>
   </pc:docChgLst>
   <pc:docChgLst>
+    <pc:chgData name="Khattab, Sherif" userId="c83b1e15-36f3-4f46-aceb-05aac24c545e" providerId="ADAL" clId="{37E5DEFA-0DA7-44D4-8A37-9B0FCAAD6EEF}"/>
+    <pc:docChg chg="delSld">
+      <pc:chgData name="Khattab, Sherif" userId="c83b1e15-36f3-4f46-aceb-05aac24c545e" providerId="ADAL" clId="{37E5DEFA-0DA7-44D4-8A37-9B0FCAAD6EEF}" dt="2022-01-18T05:32:41.549" v="0" actId="2696"/>
+      <pc:docMkLst>
+        <pc:docMk/>
+      </pc:docMkLst>
+      <pc:sldChg chg="del">
+        <pc:chgData name="Khattab, Sherif" userId="c83b1e15-36f3-4f46-aceb-05aac24c545e" providerId="ADAL" clId="{37E5DEFA-0DA7-44D4-8A37-9B0FCAAD6EEF}" dt="2022-01-18T05:32:41.549" v="0" actId="2696"/>
+        <pc:sldMkLst>
+          <pc:docMk/>
+          <pc:sldMk cId="3210992163" sldId="369"/>
+        </pc:sldMkLst>
+      </pc:sldChg>
+      <pc:sldChg chg="del">
+        <pc:chgData name="Khattab, Sherif" userId="c83b1e15-36f3-4f46-aceb-05aac24c545e" providerId="ADAL" clId="{37E5DEFA-0DA7-44D4-8A37-9B0FCAAD6EEF}" dt="2022-01-18T05:32:41.549" v="0" actId="2696"/>
+        <pc:sldMkLst>
+          <pc:docMk/>
+          <pc:sldMk cId="4013065491" sldId="370"/>
+        </pc:sldMkLst>
+      </pc:sldChg>
+      <pc:sldChg chg="del">
+        <pc:chgData name="Khattab, Sherif" userId="c83b1e15-36f3-4f46-aceb-05aac24c545e" providerId="ADAL" clId="{37E5DEFA-0DA7-44D4-8A37-9B0FCAAD6EEF}" dt="2022-01-18T05:32:41.549" v="0" actId="2696"/>
+        <pc:sldMkLst>
+          <pc:docMk/>
+          <pc:sldMk cId="3848335379" sldId="372"/>
+        </pc:sldMkLst>
+      </pc:sldChg>
+      <pc:sldChg chg="del">
+        <pc:chgData name="Khattab, Sherif" userId="c83b1e15-36f3-4f46-aceb-05aac24c545e" providerId="ADAL" clId="{37E5DEFA-0DA7-44D4-8A37-9B0FCAAD6EEF}" dt="2022-01-18T05:32:41.549" v="0" actId="2696"/>
+        <pc:sldMkLst>
+          <pc:docMk/>
+          <pc:sldMk cId="3161117264" sldId="373"/>
+        </pc:sldMkLst>
+      </pc:sldChg>
+      <pc:sldChg chg="del">
+        <pc:chgData name="Khattab, Sherif" userId="c83b1e15-36f3-4f46-aceb-05aac24c545e" providerId="ADAL" clId="{37E5DEFA-0DA7-44D4-8A37-9B0FCAAD6EEF}" dt="2022-01-18T05:32:41.549" v="0" actId="2696"/>
+        <pc:sldMkLst>
+          <pc:docMk/>
+          <pc:sldMk cId="583513582" sldId="377"/>
+        </pc:sldMkLst>
+      </pc:sldChg>
+      <pc:sldChg chg="del">
+        <pc:chgData name="Khattab, Sherif" userId="c83b1e15-36f3-4f46-aceb-05aac24c545e" providerId="ADAL" clId="{37E5DEFA-0DA7-44D4-8A37-9B0FCAAD6EEF}" dt="2022-01-18T05:32:41.549" v="0" actId="2696"/>
+        <pc:sldMkLst>
+          <pc:docMk/>
+          <pc:sldMk cId="2782489002" sldId="497"/>
+        </pc:sldMkLst>
+      </pc:sldChg>
+      <pc:sldChg chg="del">
+        <pc:chgData name="Khattab, Sherif" userId="c83b1e15-36f3-4f46-aceb-05aac24c545e" providerId="ADAL" clId="{37E5DEFA-0DA7-44D4-8A37-9B0FCAAD6EEF}" dt="2022-01-18T05:32:41.549" v="0" actId="2696"/>
+        <pc:sldMkLst>
+          <pc:docMk/>
+          <pc:sldMk cId="2414223724" sldId="534"/>
+        </pc:sldMkLst>
+      </pc:sldChg>
+      <pc:sldChg chg="del">
+        <pc:chgData name="Khattab, Sherif" userId="c83b1e15-36f3-4f46-aceb-05aac24c545e" providerId="ADAL" clId="{37E5DEFA-0DA7-44D4-8A37-9B0FCAAD6EEF}" dt="2022-01-18T05:32:41.549" v="0" actId="2696"/>
+        <pc:sldMkLst>
+          <pc:docMk/>
+          <pc:sldMk cId="3177405103" sldId="535"/>
+        </pc:sldMkLst>
+      </pc:sldChg>
+      <pc:sldChg chg="del">
+        <pc:chgData name="Khattab, Sherif" userId="c83b1e15-36f3-4f46-aceb-05aac24c545e" providerId="ADAL" clId="{37E5DEFA-0DA7-44D4-8A37-9B0FCAAD6EEF}" dt="2022-01-18T05:32:41.549" v="0" actId="2696"/>
+        <pc:sldMkLst>
+          <pc:docMk/>
+          <pc:sldMk cId="3742099282" sldId="536"/>
+        </pc:sldMkLst>
+      </pc:sldChg>
+    </pc:docChg>
+  </pc:docChgLst>
+  <pc:docChgLst>
     <pc:chgData name="Khattab, Sherif" userId="c83b1e15-36f3-4f46-aceb-05aac24c545e" providerId="ADAL" clId="{FD5AE8AC-1844-6342-9A28-590C7FAFB8A2}"/>
     <pc:docChg chg="delSld modSld">
       <pc:chgData name="Khattab, Sherif" userId="c83b1e15-36f3-4f46-aceb-05aac24c545e" providerId="ADAL" clId="{FD5AE8AC-1844-6342-9A28-590C7FAFB8A2}" dt="2021-02-09T19:03:42.899" v="1" actId="2696"/>
@@ -8496,68 +8551,6 @@
     </pc:docChg>
   </pc:docChgLst>
 </pc:chgInfo>
-</file>
-
-<file path=ppt/ink/ink1.xml><?xml version="1.0" encoding="utf-8"?>
-<inkml:ink xmlns:inkml="http://www.w3.org/2003/InkML">
-  <inkml:definitions>
-    <inkml:context xml:id="ctx0">
-      <inkml:inkSource xml:id="inkSrc0">
-        <inkml:traceFormat>
-          <inkml:channel name="X" type="integer" min="-2.14748E9" max="2.14748E9" units="cm"/>
-          <inkml:channel name="Y" type="integer" min="-2.14748E9" max="2.14748E9" units="cm"/>
-          <inkml:channel name="F" type="integer" max="32767" units="dev"/>
-          <inkml:channel name="OA" type="integer" max="360" units="deg"/>
-          <inkml:channel name="OE" type="integer" max="90" units="deg"/>
-        </inkml:traceFormat>
-        <inkml:channelProperties>
-          <inkml:channelProperty channel="X" name="resolution" value="1000" units="1/cm"/>
-          <inkml:channelProperty channel="Y" name="resolution" value="1000" units="1/cm"/>
-          <inkml:channelProperty channel="F" name="resolution" value="0" units="1/dev"/>
-          <inkml:channelProperty channel="OA" name="resolution" value="1000" units="1/deg"/>
-          <inkml:channelProperty channel="OE" name="resolution" value="1000" units="1/deg"/>
-        </inkml:channelProperties>
-      </inkml:inkSource>
-      <inkml:timestamp xml:id="ts0" timeString="2021-02-03T02:08:22.077"/>
-    </inkml:context>
-    <inkml:brush xml:id="br0">
-      <inkml:brushProperty name="width" value="0.05" units="cm"/>
-      <inkml:brushProperty name="height" value="0.05" units="cm"/>
-    </inkml:brush>
-  </inkml:definitions>
-  <inkml:trace contextRef="#ctx0" brushRef="#br0">0 1108 4144 0 0,'0'0'191'0'0,"2"-1"-11"0"0,24-8 3536 0 0,35-7 1 0 0,-31 9-3105 0 0,49-20-337 0 0,-54 18-177 0 0,40-11 1 0 0,-44 14 79 0 0,1-1 1 0 0,-1-2-1 0 0,0 0 1 0 0,-1-1 0 0 0,33-21-1 0 0,18-9 213 0 0,-20 13-207 0 0,-16 9 104 0 0,67-27-1 0 0,-74 34-128 0 0,-1-1 0 0 0,0-2 0 0 0,0 0 0 0 0,39-30 0 0 0,-30 20 86 0 0,-15 10 20 0 0,23-20 0 0 0,0 0 146 0 0,-34 25-356 0 0,0 2 0 0 0,21-13-1 0 0,-6 6-29 0 0,3-6 42 0 0,-13 10-55 0 0,22-12 0 0 0,17-6 43 0 0,45-21-57 0 0,-74 37 77 0 0,-1-2 0 0 0,39-27-1 0 0,-44 29-81 0 0,0 1-1 0 0,29-14 0 0 0,0 2-131 0 0,103-69 287 0 0,-83 53 34 0 0,-43 23-329 0 0,-22 14 128 0 0,0 0 0 0 0,0 0 0 0 0,0 0 0 0 0,0 0 0 0 0,0 1 0 0 0,1-1 0 0 0,-1 1 0 0 0,4-2 0 0 0,-2 2 16 0 0,0 0 0 0 0,0-1 0 0 0,0 0 0 0 0,-1 0 1 0 0,8-4-1 0 0,15-8 2 0 0,-2-1 1 0 0,-5 2 0 0 0,-9 7 0 0 0,1 0 0 0 0,-6-3 11 0 0,-5 7 42 0 0,-3 2 13 0 0,-140 0 224 0 0,139 0-283 0 0,1 0 0 0 0,0 1-1 0 0,-1-1 1 0 0,1 1-1 0 0,0-1 1 0 0,-1 1-1 0 0,1 0 1 0 0,-3 1-1 0 0,3-1 2 0 0,-1 0-1 0 0,1 0 0 0 0,-1 0 0 0 0,1-1 1 0 0,-1 1-1 0 0,1-1 0 0 0,-1 1 0 0 0,-3-1 0 0 0,3 0-7 0 0,0-1 0 0 0,0 2 0 0 0,0-1 0 0 0,0 0 0 0 0,-1 0 0 0 0,1 1 0 0 0,-4 1 0 0 0,-3 0 0 0 0,-14-2 0 0 0,20 0 0 0 0,3 1 0 0 0,-1-1 0 0 0,1 0 0 0 0,-1 0 0 0 0,1 0 0 0 0,-1 0 0 0 0,1 0 0 0 0,-1 0 0 0 0,1 0 0 0 0,-1 0 0 0 0,1-1 0 0 0,-1 1 0 0 0,-1-1 0 0 0,-10-2 0 0 0,1 2 0 0 0,6 1 11 0 0,5 0 786 0 0,3-1-737 0 0,19-6-48 0 0,-19 6-12 0 0,-1 0 0 0 0,1 1 0 0 0,0-1 0 0 0,0 1 0 0 0,0-1 0 0 0,0 1 0 0 0,-1 0 0 0 0,1 0-1 0 0,0 0 1 0 0,4 0 0 0 0,11 0 1 0 0,27 0-1 0 0,-27 0 0 0 0,7 0 18 0 0,-22 0 66 0 0,1-1 5 0 0,7-2-10 0 0,-6 2-52 0 0,0-1 0 0 0,0 1 0 0 0,0 0 0 0 0,0 0 0 0 0,8 0 0 0 0,-10 1-23 0 0,0 0 3 0 0,0 0 0 0 0,0 0 0 0 0,0 0 0 0 0,0 0 1 0 0,0-1-1 0 0,0 1 0 0 0,0 0 0 0 0,0-1 0 0 0,-1 1 0 0 0,1-1 0 0 0,0 0 0 0 0,3-1 0 0 0,5-8 9 0 0,-7 9-14 0 0,-1 1-2 0 0,-1 1-1 0 0,1-1 1 0 0,0 0 0 0 0,0 0 0 0 0,0 1 0 0 0,-1-1 0 0 0,1-1 0 0 0,0 1 0 0 0,0 0 0 0 0,0 0 0 0 0,3-1-1 0 0,-4 0 1 0 0,-1 1 0 0 0,1 0-1 0 0,0 0 1 0 0,0 0 0 0 0,0-1-1 0 0,-1 1 1 0 0,1 0-1 0 0,0-1 1 0 0,0 1 0 0 0,0-1-1 0 0,-1 1 1 0 0,2-2 0 0 0,8-4 58 0 0,-1 1-37 0 0,-2-4 34 0 0,-6 7 14 0 0,-2 5-14 0 0,-7 29-44 0 0,7-24-11 0 0,-1 0 0 0 0,-5 14-1 0 0,-8 11 1 0 0,9-20 0 0 0,0 0 0 0 0,-4 14 0 0 0,-34 96 70 0 0,24-69-76 0 0,17-46 13 0 0,-1-1-1 0 0,1 0 1 0 0,-2 0-1 0 0,-4 7 0 0 0,-10 18-1007 0 0,5-6-3612 0 0,-4-4-1556 0 0</inkml:trace>
-</inkml:ink>
-</file>
-
-<file path=ppt/ink/ink2.xml><?xml version="1.0" encoding="utf-8"?>
-<inkml:ink xmlns:inkml="http://www.w3.org/2003/InkML">
-  <inkml:definitions>
-    <inkml:context xml:id="ctx0">
-      <inkml:inkSource xml:id="inkSrc0">
-        <inkml:traceFormat>
-          <inkml:channel name="X" type="integer" min="-2.14748E9" max="2.14748E9" units="cm"/>
-          <inkml:channel name="Y" type="integer" min="-2.14748E9" max="2.14748E9" units="cm"/>
-          <inkml:channel name="F" type="integer" max="32767" units="dev"/>
-          <inkml:channel name="OA" type="integer" max="360" units="deg"/>
-          <inkml:channel name="OE" type="integer" max="90" units="deg"/>
-        </inkml:traceFormat>
-        <inkml:channelProperties>
-          <inkml:channelProperty channel="X" name="resolution" value="1000" units="1/cm"/>
-          <inkml:channelProperty channel="Y" name="resolution" value="1000" units="1/cm"/>
-          <inkml:channelProperty channel="F" name="resolution" value="0" units="1/dev"/>
-          <inkml:channelProperty channel="OA" name="resolution" value="1000" units="1/deg"/>
-          <inkml:channelProperty channel="OE" name="resolution" value="1000" units="1/deg"/>
-        </inkml:channelProperties>
-      </inkml:inkSource>
-      <inkml:timestamp xml:id="ts0" timeString="2021-02-03T02:08:25.434"/>
-    </inkml:context>
-    <inkml:brush xml:id="br0">
-      <inkml:brushProperty name="width" value="0.05" units="cm"/>
-      <inkml:brushProperty name="height" value="0.05" units="cm"/>
-    </inkml:brush>
-  </inkml:definitions>
-  <inkml:trace contextRef="#ctx0" brushRef="#br0">1 1 4608 0 0,'0'0'1792'0'0,"3"1"-322"0"0,2 0-978 0 0,1-1 0 0 0,-1 1-1 0 0,1-1 1 0 0,0 0-1 0 0,-1 0 1 0 0,11-2 0 0 0,-8 2-455 0 0,1 0 1 0 0,-1 0 0 0 0,1 2-1 0 0,-1-1 1 0 0,0 1 0 0 0,0 0-1 0 0,0 0 1 0 0,0 1 0 0 0,9 4-1 0 0,2 0-37 0 0,78 24 113 0 0,-80-27-99 0 0,-1 0-1 0 0,2-1 0 0 0,29 0 0 0 0,52 5 743 0 0,-26-1-126 0 0,-58-6-482 0 0,0 1 0 0 0,0 0 0 0 0,22 6 0 0 0,68 17 357 0 0,17 6-306 0 0,-24 0-203 0 0,93 34 90 0 0,89 25 18 0 0,-265-86-81 0 0,98 24 352 0 0,34 4 313 0 0,-10-3-170 0 0,-90-16-365 0 0,58 8-1 0 0,89 13 104 0 0,13 0-58 0 0,-176-28-193 0 0,40 14 0 0 0,10 3 49 0 0,213 55 192 0 0,-184-38-68 0 0,-76-26-153 0 0,-26-10-10 0 0,0-1 0 0 0,0 0 0 0 0,1 0 0 0 0,13 2 0 0 0,10 3 130 0 0,-25-5-101 0 0,0-2 1 0 0,0 1-1 0 0,0-1 0 0 0,12 1 0 0 0,-16-1-25 0 0,0-1 0 0 0,0 1 0 0 0,0 0 0 0 0,0-1-1 0 0,0 1 1 0 0,0 0 0 0 0,0 1 0 0 0,4 2 0 0 0,-5-3 20 0 0,-1 0 1 0 0,1 0-1 0 0,0 0 1 0 0,0 0-1 0 0,0-1 1 0 0,0 1-1 0 0,0 0 0 0 0,1-1 1 0 0,-1 1-1 0 0,0-1 1 0 0,0 0-1 0 0,0 0 1 0 0,0 0-1 0 0,3 0 1 0 0,-4 0-28 0 0,0 0 0 0 0,0 0 0 0 0,0 0 0 0 0,0 0 0 0 0,0 0 1 0 0,0 0-1 0 0,0 1 0 0 0,0-1 0 0 0,0 0 0 0 0,-1 0 0 0 0,1 1 0 0 0,2 0 1 0 0,-1 0 11 0 0,1 0 632 0 0,0-7-520 0 0,-3 6-130 0 0,0 0 1 0 0,1 0 0 0 0,-1 0 0 0 0,0-1 0 0 0,0 1 0 0 0,1 0 0 0 0,-1 0 0 0 0,0-1 0 0 0,0 1-1 0 0,1 0 1 0 0,-1-1 0 0 0,0 1 0 0 0,0 0 0 0 0,0-1 0 0 0,0 1 0 0 0,0 0 0 0 0,1-1 0 0 0,-1 1-1 0 0,0 0 1 0 0,0-1 0 0 0,0 1 0 0 0,0 0 0 0 0,0-1 0 0 0,0 1 0 0 0,0 0 0 0 0,0-1 0 0 0,0 0-1 0 0,2-15 156 0 0,-1 14-141 0 0,-1 0 0 0 0,1-1 0 0 0,-1 1 0 0 0,0 0 0 0 0,1 0 0 0 0,-1 0 0 0 0,0 0-1 0 0,-1-1 1 0 0,1 1 0 0 0,0 0 0 0 0,0 0 0 0 0,-1 0 0 0 0,1 0 0 0 0,-1 0 0 0 0,-1-4-1 0 0,-3-1 54 0 0,0 0 0 0 0,-1 0 0 0 0,1 1-1 0 0,-1-1 1 0 0,0 1 0 0 0,-10-7-1 0 0,1-1 31 0 0,1 2-37 0 0,0 1 0 0 0,0 0 0 0 0,-19-10 0 0 0,-6-8-67 0 0,35 27 0 0 0,0 0 0 0 0,1-1 0 0 0,-1 1 0 0 0,0 1 0 0 0,0-1 0 0 0,0 1 0 0 0,-6-2 0 0 0,-2-1 0 0 0,6-2 0 0 0,0 1-10 0 0,5 4-48 0 0,2 4-79 0 0,2 3 132 0 0,-2-2-3 0 0,1 0 0 0 0,-1-1 0 0 0,1 1 0 0 0,0 0 0 0 0,0-1 0 0 0,1 0 0 0 0,-1 1 0 0 0,4 3 0 0 0,26 18-16 0 0,65 42 0 0 0,-48-35-6 0 0,-33-22 30 0 0,24 22 0 0 0,-14-10 2 0 0,-16-15 17 0 0,-2 0-1 0 0,1 1 0 0 0,-1 0 1 0 0,0 0-1 0 0,10 15 0 0 0,-17-21 344 0 0,-2 0-312 0 0,1 0 1 0 0,-1-1-1 0 0,1 1 1 0 0,-1 0 0 0 0,0 0-1 0 0,1-1 1 0 0,-1 1-1 0 0,0 0 1 0 0,0-1 0 0 0,0 1-1 0 0,0-1 1 0 0,-1 0-1 0 0,1 1 1 0 0,-2 1 0 0 0,-20 16 332 0 0,8-8-131 0 0,-2-1 0 0 0,1 0 0 0 0,-26 10 0 0 0,-55 16 126 0 0,-13 6-246 0 0,-10 10-39 0 0,91-41-488 0 0,0-2 0 0 0,-37 7 0 0 0,55-14 135 0 0,1-1-1 0 0,-1 0 1 0 0,1-1 0 0 0,0 0 0 0 0,-1 0 0 0 0,1-1 0 0 0,-1-1 0 0 0,1 0 0 0 0,-12-4-1 0 0,5 0-411 0 0,-27-13 0 0 0</inkml:trace>
-</inkml:ink>
 </file>
 
 <file path=ppt/notesMasters/notesMaster1.xml><?xml version="1.0" encoding="utf-8"?>
@@ -11974,4833 +11967,6 @@
 </p:sld>
 </file>
 
-<file path=ppt/slides/slide10.xml><?xml version="1.0" encoding="utf-8"?>
-<p:sld xmlns:a="http://schemas.openxmlformats.org/drawingml/2006/main" xmlns:r="http://schemas.openxmlformats.org/officeDocument/2006/relationships" xmlns:p="http://schemas.openxmlformats.org/presentationml/2006/main">
-  <p:cSld>
-    <p:spTree>
-      <p:nvGrpSpPr>
-        <p:cNvPr id="1" name=""/>
-        <p:cNvGrpSpPr/>
-        <p:nvPr/>
-      </p:nvGrpSpPr>
-      <p:grpSpPr>
-        <a:xfrm>
-          <a:off x="0" y="0"/>
-          <a:ext cx="0" cy="0"/>
-          <a:chOff x="0" y="0"/>
-          <a:chExt cx="0" cy="0"/>
-        </a:xfrm>
-      </p:grpSpPr>
-      <p:sp>
-        <p:nvSpPr>
-          <p:cNvPr id="2" name="Title 1">
-            <a:extLst>
-              <a:ext uri="{FF2B5EF4-FFF2-40B4-BE49-F238E27FC236}">
-                <a16:creationId xmlns:a16="http://schemas.microsoft.com/office/drawing/2014/main" id="{0DD4D5B7-74D2-4794-B22F-E7CCC2D5366F}"/>
-              </a:ext>
-            </a:extLst>
-          </p:cNvPr>
-          <p:cNvSpPr>
-            <a:spLocks noGrp="1"/>
-          </p:cNvSpPr>
-          <p:nvPr>
-            <p:ph type="title"/>
-          </p:nvPr>
-        </p:nvSpPr>
-        <p:spPr/>
-        <p:txBody>
-          <a:bodyPr/>
-          <a:lstStyle/>
-          <a:p>
-            <a:r>
-              <a:rPr lang="en-US" dirty="0"/>
-              <a:t>Busy waiting vs. Blocking</a:t>
-            </a:r>
-          </a:p>
-        </p:txBody>
-      </p:sp>
-      <p:sp>
-        <p:nvSpPr>
-          <p:cNvPr id="4" name="Footer Placeholder 3">
-            <a:extLst>
-              <a:ext uri="{FF2B5EF4-FFF2-40B4-BE49-F238E27FC236}">
-                <a16:creationId xmlns:a16="http://schemas.microsoft.com/office/drawing/2014/main" id="{3A2AF8B2-07D4-43BD-8B79-F5608A0BCA1D}"/>
-              </a:ext>
-            </a:extLst>
-          </p:cNvPr>
-          <p:cNvSpPr>
-            <a:spLocks noGrp="1"/>
-          </p:cNvSpPr>
-          <p:nvPr>
-            <p:ph type="ftr" idx="11"/>
-          </p:nvPr>
-        </p:nvSpPr>
-        <p:spPr/>
-        <p:txBody>
-          <a:bodyPr/>
-          <a:lstStyle/>
-          <a:p>
-            <a:pPr>
-              <a:defRPr/>
-            </a:pPr>
-            <a:r>
-              <a:rPr lang="en-US">
-                <a:latin typeface="+mn-lt"/>
-              </a:rPr>
-              <a:t>CS/COE 1550 – Operating Systems – Sherif Khattab</a:t>
-            </a:r>
-            <a:endParaRPr lang="en-GB" dirty="0"/>
-          </a:p>
-        </p:txBody>
-      </p:sp>
-      <p:sp>
-        <p:nvSpPr>
-          <p:cNvPr id="5" name="Slide Number Placeholder 4">
-            <a:extLst>
-              <a:ext uri="{FF2B5EF4-FFF2-40B4-BE49-F238E27FC236}">
-                <a16:creationId xmlns:a16="http://schemas.microsoft.com/office/drawing/2014/main" id="{E176868C-A901-4404-93DC-353C26AE2D78}"/>
-              </a:ext>
-            </a:extLst>
-          </p:cNvPr>
-          <p:cNvSpPr>
-            <a:spLocks noGrp="1"/>
-          </p:cNvSpPr>
-          <p:nvPr>
-            <p:ph type="sldNum" idx="12"/>
-          </p:nvPr>
-        </p:nvSpPr>
-        <p:spPr/>
-        <p:txBody>
-          <a:bodyPr/>
-          <a:lstStyle/>
-          <a:p>
-            <a:fld id="{65E435D9-63B0-4660-8D04-E83F5E2CA2AE}" type="slidenum">
-              <a:rPr lang="en-GB" altLang="en-US" smtClean="0"/>
-              <a:pPr/>
-              <a:t>10</a:t>
-            </a:fld>
-            <a:endParaRPr lang="en-GB" altLang="en-US" dirty="0"/>
-          </a:p>
-        </p:txBody>
-      </p:sp>
-      <p:pic>
-        <p:nvPicPr>
-          <p:cNvPr id="7" name="Picture 6">
-            <a:extLst>
-              <a:ext uri="{FF2B5EF4-FFF2-40B4-BE49-F238E27FC236}">
-                <a16:creationId xmlns:a16="http://schemas.microsoft.com/office/drawing/2014/main" id="{5F5F7E71-8D48-4643-8EDE-08B6D3E65304}"/>
-              </a:ext>
-            </a:extLst>
-          </p:cNvPr>
-          <p:cNvPicPr>
-            <a:picLocks noChangeAspect="1"/>
-          </p:cNvPicPr>
-          <p:nvPr/>
-        </p:nvPicPr>
-        <p:blipFill>
-          <a:blip r:embed="rId2"/>
-          <a:stretch>
-            <a:fillRect/>
-          </a:stretch>
-        </p:blipFill>
-        <p:spPr>
-          <a:xfrm>
-            <a:off x="556592" y="866985"/>
-            <a:ext cx="9301397" cy="6202172"/>
-          </a:xfrm>
-          <a:prstGeom prst="rect">
-            <a:avLst/>
-          </a:prstGeom>
-        </p:spPr>
-      </p:pic>
-    </p:spTree>
-    <p:extLst>
-      <p:ext uri="{BB962C8B-B14F-4D97-AF65-F5344CB8AC3E}">
-        <p14:creationId xmlns:p14="http://schemas.microsoft.com/office/powerpoint/2010/main" val="3177405103"/>
-      </p:ext>
-    </p:extLst>
-  </p:cSld>
-  <p:clrMapOvr>
-    <a:masterClrMapping/>
-  </p:clrMapOvr>
-</p:sld>
-</file>
-
-<file path=ppt/slides/slide11.xml><?xml version="1.0" encoding="utf-8"?>
-<p:sld xmlns:a="http://schemas.openxmlformats.org/drawingml/2006/main" xmlns:r="http://schemas.openxmlformats.org/officeDocument/2006/relationships" xmlns:p="http://schemas.openxmlformats.org/presentationml/2006/main">
-  <p:cSld>
-    <p:spTree>
-      <p:nvGrpSpPr>
-        <p:cNvPr id="1" name=""/>
-        <p:cNvGrpSpPr/>
-        <p:nvPr/>
-      </p:nvGrpSpPr>
-      <p:grpSpPr>
-        <a:xfrm>
-          <a:off x="0" y="0"/>
-          <a:ext cx="0" cy="0"/>
-          <a:chOff x="0" y="0"/>
-          <a:chExt cx="0" cy="0"/>
-        </a:xfrm>
-      </p:grpSpPr>
-      <p:sp>
-        <p:nvSpPr>
-          <p:cNvPr id="101378" name="Rectangle 2">
-            <a:extLst>
-              <a:ext uri="{FF2B5EF4-FFF2-40B4-BE49-F238E27FC236}">
-                <a16:creationId xmlns:a16="http://schemas.microsoft.com/office/drawing/2014/main" id="{1C91B2E0-F076-D54D-8685-060CEC00A4EC}"/>
-              </a:ext>
-            </a:extLst>
-          </p:cNvPr>
-          <p:cNvSpPr>
-            <a:spLocks noGrp="1" noChangeArrowheads="1"/>
-          </p:cNvSpPr>
-          <p:nvPr>
-            <p:ph type="title"/>
-          </p:nvPr>
-        </p:nvSpPr>
-        <p:spPr/>
-        <p:txBody>
-          <a:bodyPr vert="horz" wrap="square" lIns="95343" tIns="47672" rIns="95343" bIns="47672" numCol="1" anchor="t" anchorCtr="0" compatLnSpc="1">
-            <a:prstTxWarp prst="textNoShape">
-              <a:avLst/>
-            </a:prstTxWarp>
-          </a:bodyPr>
-          <a:lstStyle/>
-          <a:p>
-            <a:r>
-              <a:rPr lang="en-US" altLang="en-US" dirty="0"/>
-              <a:t>Critical sections using semaphores</a:t>
-            </a:r>
-          </a:p>
-        </p:txBody>
-      </p:sp>
-      <p:sp>
-        <p:nvSpPr>
-          <p:cNvPr id="101381" name="Rectangle 5">
-            <a:extLst>
-              <a:ext uri="{FF2B5EF4-FFF2-40B4-BE49-F238E27FC236}">
-                <a16:creationId xmlns:a16="http://schemas.microsoft.com/office/drawing/2014/main" id="{B569C0DB-2D8E-CB4C-9A01-F234C35ECD4E}"/>
-              </a:ext>
-            </a:extLst>
-          </p:cNvPr>
-          <p:cNvSpPr>
-            <a:spLocks noGrp="1" noChangeArrowheads="1"/>
-          </p:cNvSpPr>
-          <p:nvPr>
-            <p:ph idx="1"/>
-          </p:nvPr>
-        </p:nvSpPr>
-        <p:spPr>
-          <a:xfrm>
-            <a:off x="0" y="775504"/>
-            <a:ext cx="5193364" cy="6506358"/>
-          </a:xfrm>
-        </p:spPr>
-        <p:txBody>
-          <a:bodyPr vert="horz" wrap="square" lIns="95343" tIns="47672" rIns="95343" bIns="47672" numCol="1" anchor="t" anchorCtr="0" compatLnSpc="1">
-            <a:prstTxWarp prst="textNoShape">
-              <a:avLst/>
-            </a:prstTxWarp>
-          </a:bodyPr>
-          <a:lstStyle/>
-          <a:p>
-            <a:r>
-              <a:rPr lang="en-US" altLang="en-US" sz="2646" dirty="0"/>
-              <a:t>Define a data structure called </a:t>
-            </a:r>
-            <a:r>
-              <a:rPr lang="en-US" altLang="en-US" sz="2646" dirty="0">
-                <a:latin typeface="Courier" pitchFamily="2" charset="0"/>
-              </a:rPr>
-              <a:t>Semaphore</a:t>
-            </a:r>
-            <a:endParaRPr lang="en-US" altLang="en-US" sz="2646" dirty="0"/>
-          </a:p>
-          <a:p>
-            <a:pPr lvl="1"/>
-            <a:r>
-              <a:rPr lang="en-US" altLang="en-US" sz="2205" dirty="0"/>
-              <a:t>Details hidden from processes</a:t>
-            </a:r>
-          </a:p>
-          <a:p>
-            <a:r>
-              <a:rPr lang="en-US" altLang="en-US" sz="2646" dirty="0"/>
-              <a:t>Code for individual process is simple</a:t>
-            </a:r>
-          </a:p>
-        </p:txBody>
-      </p:sp>
-      <p:sp>
-        <p:nvSpPr>
-          <p:cNvPr id="6" name="Footer Placeholder 4">
-            <a:extLst>
-              <a:ext uri="{FF2B5EF4-FFF2-40B4-BE49-F238E27FC236}">
-                <a16:creationId xmlns:a16="http://schemas.microsoft.com/office/drawing/2014/main" id="{B0B49E68-86D2-5744-ABD1-0A95627B1316}"/>
-              </a:ext>
-            </a:extLst>
-          </p:cNvPr>
-          <p:cNvSpPr>
-            <a:spLocks noGrp="1"/>
-          </p:cNvSpPr>
-          <p:nvPr>
-            <p:ph type="ftr" idx="11"/>
-          </p:nvPr>
-        </p:nvSpPr>
-        <p:spPr/>
-        <p:txBody>
-          <a:bodyPr/>
-          <a:lstStyle/>
-          <a:p>
-            <a:pPr marL="0" marR="0" lvl="0" indent="0" algn="ctr" defTabSz="1007943" rtl="0" eaLnBrk="1" fontAlgn="base" latinLnBrk="0" hangingPunct="0">
-              <a:lnSpc>
-                <a:spcPct val="100000"/>
-              </a:lnSpc>
-              <a:spcBef>
-                <a:spcPct val="0"/>
-              </a:spcBef>
-              <a:spcAft>
-                <a:spcPct val="0"/>
-              </a:spcAft>
-              <a:buClrTx/>
-              <a:buSzTx/>
-              <a:buFont typeface="Times New Roman" pitchFamily="16" charset="0"/>
-              <a:buNone/>
-              <a:tabLst>
-                <a:tab pos="0" algn="l"/>
-                <a:tab pos="457200" algn="l"/>
-                <a:tab pos="914400" algn="l"/>
-                <a:tab pos="1371600" algn="l"/>
-                <a:tab pos="1828800" algn="l"/>
-                <a:tab pos="2286000" algn="l"/>
-                <a:tab pos="2743200" algn="l"/>
-                <a:tab pos="3200400" algn="l"/>
-                <a:tab pos="3657600" algn="l"/>
-                <a:tab pos="4114800" algn="l"/>
-                <a:tab pos="4572000" algn="l"/>
-                <a:tab pos="5029200" algn="l"/>
-                <a:tab pos="5486400" algn="l"/>
-                <a:tab pos="5943600" algn="l"/>
-                <a:tab pos="6400800" algn="l"/>
-                <a:tab pos="6858000" algn="l"/>
-                <a:tab pos="7315200" algn="l"/>
-                <a:tab pos="7772400" algn="l"/>
-                <a:tab pos="8229600" algn="l"/>
-                <a:tab pos="8686800" algn="l"/>
-                <a:tab pos="9144000" algn="l"/>
-              </a:tabLst>
-              <a:defRPr/>
-            </a:pPr>
-            <a:r>
-              <a:rPr kumimoji="0" lang="en-US" altLang="en-US" sz="1400" b="0" i="0" u="none" strike="noStrike" kern="1200" cap="none" spc="0" normalizeH="0" baseline="0" noProof="0">
-                <a:ln>
-                  <a:noFill/>
-                </a:ln>
-                <a:solidFill>
-                  <a:srgbClr val="000000"/>
-                </a:solidFill>
-                <a:effectLst/>
-                <a:uLnTx/>
-                <a:uFillTx/>
-                <a:latin typeface="Arial"/>
-                <a:ea typeface="+mn-ea"/>
-                <a:cs typeface="Arial"/>
-              </a:rPr>
-              <a:t>CS/COE 1550 – Operating Systems – Sherif Khattab</a:t>
-            </a:r>
-          </a:p>
-        </p:txBody>
-      </p:sp>
-      <p:sp>
-        <p:nvSpPr>
-          <p:cNvPr id="7" name="Slide Number Placeholder 5">
-            <a:extLst>
-              <a:ext uri="{FF2B5EF4-FFF2-40B4-BE49-F238E27FC236}">
-                <a16:creationId xmlns:a16="http://schemas.microsoft.com/office/drawing/2014/main" id="{FD8B4B24-CAA8-9C41-A932-1538077BB231}"/>
-              </a:ext>
-            </a:extLst>
-          </p:cNvPr>
-          <p:cNvSpPr>
-            <a:spLocks noGrp="1"/>
-          </p:cNvSpPr>
-          <p:nvPr>
-            <p:ph type="sldNum" idx="12"/>
-          </p:nvPr>
-        </p:nvSpPr>
-        <p:spPr/>
-        <p:txBody>
-          <a:bodyPr/>
-          <a:lstStyle/>
-          <a:p>
-            <a:pPr marL="0" marR="0" lvl="0" indent="0" algn="r" defTabSz="1007943" rtl="0" eaLnBrk="1" fontAlgn="base" latinLnBrk="0" hangingPunct="0">
-              <a:lnSpc>
-                <a:spcPct val="100000"/>
-              </a:lnSpc>
-              <a:spcBef>
-                <a:spcPct val="0"/>
-              </a:spcBef>
-              <a:spcAft>
-                <a:spcPct val="0"/>
-              </a:spcAft>
-              <a:buClrTx/>
-              <a:buSzTx/>
-              <a:buFont typeface="Times New Roman" panose="02020603050405020304" pitchFamily="18" charset="0"/>
-              <a:buNone/>
-              <a:tabLst/>
-              <a:defRPr/>
-            </a:pPr>
-            <a:fld id="{14FBCABD-EB60-ED41-8FCD-3844593FA238}" type="slidenum">
-              <a:rPr kumimoji="0" lang="en-US" altLang="en-US" sz="1400" b="0" i="0" u="none" strike="noStrike" kern="1200" cap="none" spc="0" normalizeH="0" baseline="0" noProof="0">
-                <a:ln>
-                  <a:noFill/>
-                </a:ln>
-                <a:solidFill>
-                  <a:srgbClr val="000000"/>
-                </a:solidFill>
-                <a:effectLst/>
-                <a:uLnTx/>
-                <a:uFillTx/>
-                <a:latin typeface="Arial"/>
-                <a:ea typeface="+mn-ea"/>
-                <a:cs typeface="Arial"/>
-              </a:rPr>
-              <a:pPr marL="0" marR="0" lvl="0" indent="0" algn="r" defTabSz="1007943" rtl="0" eaLnBrk="1" fontAlgn="base" latinLnBrk="0" hangingPunct="0">
-                <a:lnSpc>
-                  <a:spcPct val="100000"/>
-                </a:lnSpc>
-                <a:spcBef>
-                  <a:spcPct val="0"/>
-                </a:spcBef>
-                <a:spcAft>
-                  <a:spcPct val="0"/>
-                </a:spcAft>
-                <a:buClrTx/>
-                <a:buSzTx/>
-                <a:buFont typeface="Times New Roman" panose="02020603050405020304" pitchFamily="18" charset="0"/>
-                <a:buNone/>
-                <a:tabLst/>
-                <a:defRPr/>
-              </a:pPr>
-              <a:t>11</a:t>
-            </a:fld>
-            <a:endParaRPr kumimoji="0" lang="en-US" altLang="en-US" sz="1400" b="0" i="0" u="none" strike="noStrike" kern="1200" cap="none" spc="0" normalizeH="0" baseline="0" noProof="0">
-              <a:ln>
-                <a:noFill/>
-              </a:ln>
-              <a:solidFill>
-                <a:srgbClr val="000000"/>
-              </a:solidFill>
-              <a:effectLst/>
-              <a:uLnTx/>
-              <a:uFillTx/>
-              <a:latin typeface="Arial"/>
-              <a:ea typeface="+mn-ea"/>
-              <a:cs typeface="Arial"/>
-            </a:endParaRPr>
-          </a:p>
-        </p:txBody>
-      </p:sp>
-      <p:sp>
-        <p:nvSpPr>
-          <p:cNvPr id="101379" name="Text Box 3">
-            <a:extLst>
-              <a:ext uri="{FF2B5EF4-FFF2-40B4-BE49-F238E27FC236}">
-                <a16:creationId xmlns:a16="http://schemas.microsoft.com/office/drawing/2014/main" id="{0BE74C56-0B43-2A44-A8C0-3EA8E3E44D8A}"/>
-              </a:ext>
-            </a:extLst>
-          </p:cNvPr>
-          <p:cNvSpPr txBox="1">
-            <a:spLocks noChangeArrowheads="1"/>
-          </p:cNvSpPr>
-          <p:nvPr/>
-        </p:nvSpPr>
-        <p:spPr bwMode="auto">
-          <a:xfrm>
-            <a:off x="5537467" y="2603888"/>
-            <a:ext cx="4240068" cy="2505268"/>
-          </a:xfrm>
-          <a:prstGeom prst="rect">
-            <a:avLst/>
-          </a:prstGeom>
-          <a:noFill/>
-          <a:ln w="6350">
-            <a:solidFill>
-              <a:schemeClr val="tx1"/>
-            </a:solidFill>
-            <a:miter lim="800000"/>
-            <a:headEnd/>
-            <a:tailEnd/>
-          </a:ln>
-          <a:effectLst/>
-          <a:extLst>
-            <a:ext uri="{909E8E84-426E-40DD-AFC4-6F175D3DCCD1}">
-              <a14:hiddenFill xmlns:a14="http://schemas.microsoft.com/office/drawing/2010/main">
-                <a:solidFill>
-                  <a:schemeClr val="accent1"/>
-                </a:solidFill>
-              </a14:hiddenFill>
-            </a:ext>
-            <a:ext uri="{AF507438-7753-43E0-B8FC-AC1667EBCBE1}">
-              <a14:hiddenEffects xmlns:a14="http://schemas.microsoft.com/office/drawing/2010/main">
-                <a:effectLst>
-                  <a:outerShdw dist="35921" dir="2700000" algn="ctr" rotWithShape="0">
-                    <a:schemeClr val="bg2"/>
-                  </a:outerShdw>
-                </a:effectLst>
-              </a14:hiddenEffects>
-            </a:ext>
-          </a:extLst>
-        </p:spPr>
-        <p:txBody>
-          <a:bodyPr lIns="95343" tIns="47672" rIns="95343" bIns="47672">
-            <a:spAutoFit/>
-          </a:bodyPr>
-          <a:lstStyle>
-            <a:lvl1pPr defTabSz="865188">
-              <a:defRPr sz="2400">
-                <a:solidFill>
-                  <a:schemeClr val="tx1"/>
-                </a:solidFill>
-                <a:latin typeface="Times" pitchFamily="2" charset="0"/>
-              </a:defRPr>
-            </a:lvl1pPr>
-            <a:lvl2pPr marL="431800" defTabSz="865188">
-              <a:defRPr sz="2400">
-                <a:solidFill>
-                  <a:schemeClr val="tx1"/>
-                </a:solidFill>
-                <a:latin typeface="Times" pitchFamily="2" charset="0"/>
-              </a:defRPr>
-            </a:lvl2pPr>
-            <a:lvl3pPr marL="865188" defTabSz="865188">
-              <a:defRPr sz="2400">
-                <a:solidFill>
-                  <a:schemeClr val="tx1"/>
-                </a:solidFill>
-                <a:latin typeface="Times" pitchFamily="2" charset="0"/>
-              </a:defRPr>
-            </a:lvl3pPr>
-            <a:lvl4pPr marL="1296988" defTabSz="865188">
-              <a:defRPr sz="2400">
-                <a:solidFill>
-                  <a:schemeClr val="tx1"/>
-                </a:solidFill>
-                <a:latin typeface="Times" pitchFamily="2" charset="0"/>
-              </a:defRPr>
-            </a:lvl4pPr>
-            <a:lvl5pPr marL="1730375" defTabSz="865188">
-              <a:defRPr sz="2400">
-                <a:solidFill>
-                  <a:schemeClr val="tx1"/>
-                </a:solidFill>
-                <a:latin typeface="Times" pitchFamily="2" charset="0"/>
-              </a:defRPr>
-            </a:lvl5pPr>
-            <a:lvl6pPr marL="2187575" defTabSz="865188" eaLnBrk="0" fontAlgn="base" hangingPunct="0">
-              <a:spcBef>
-                <a:spcPct val="0"/>
-              </a:spcBef>
-              <a:spcAft>
-                <a:spcPct val="0"/>
-              </a:spcAft>
-              <a:defRPr sz="2400">
-                <a:solidFill>
-                  <a:schemeClr val="tx1"/>
-                </a:solidFill>
-                <a:latin typeface="Times" pitchFamily="2" charset="0"/>
-              </a:defRPr>
-            </a:lvl6pPr>
-            <a:lvl7pPr marL="2644775" defTabSz="865188" eaLnBrk="0" fontAlgn="base" hangingPunct="0">
-              <a:spcBef>
-                <a:spcPct val="0"/>
-              </a:spcBef>
-              <a:spcAft>
-                <a:spcPct val="0"/>
-              </a:spcAft>
-              <a:defRPr sz="2400">
-                <a:solidFill>
-                  <a:schemeClr val="tx1"/>
-                </a:solidFill>
-                <a:latin typeface="Times" pitchFamily="2" charset="0"/>
-              </a:defRPr>
-            </a:lvl7pPr>
-            <a:lvl8pPr marL="3101975" defTabSz="865188" eaLnBrk="0" fontAlgn="base" hangingPunct="0">
-              <a:spcBef>
-                <a:spcPct val="0"/>
-              </a:spcBef>
-              <a:spcAft>
-                <a:spcPct val="0"/>
-              </a:spcAft>
-              <a:defRPr sz="2400">
-                <a:solidFill>
-                  <a:schemeClr val="tx1"/>
-                </a:solidFill>
-                <a:latin typeface="Times" pitchFamily="2" charset="0"/>
-              </a:defRPr>
-            </a:lvl8pPr>
-            <a:lvl9pPr marL="3559175" defTabSz="865188" eaLnBrk="0" fontAlgn="base" hangingPunct="0">
-              <a:spcBef>
-                <a:spcPct val="0"/>
-              </a:spcBef>
-              <a:spcAft>
-                <a:spcPct val="0"/>
-              </a:spcAft>
-              <a:defRPr sz="2400">
-                <a:solidFill>
-                  <a:schemeClr val="tx1"/>
-                </a:solidFill>
-                <a:latin typeface="Times" pitchFamily="2" charset="0"/>
-              </a:defRPr>
-            </a:lvl9pPr>
-          </a:lstStyle>
-          <a:p>
-            <a:pPr marL="0" marR="0" lvl="0" indent="0" algn="l" defTabSz="953697" rtl="0" eaLnBrk="0" fontAlgn="base" latinLnBrk="0" hangingPunct="0">
-              <a:lnSpc>
-                <a:spcPct val="100000"/>
-              </a:lnSpc>
-              <a:spcBef>
-                <a:spcPct val="0"/>
-              </a:spcBef>
-              <a:spcAft>
-                <a:spcPct val="0"/>
-              </a:spcAft>
-              <a:buClrTx/>
-              <a:buSzTx/>
-              <a:buFont typeface="Times New Roman" panose="02020603050405020304" pitchFamily="18" charset="0"/>
-              <a:buNone/>
-              <a:tabLst/>
-              <a:defRPr/>
-            </a:pPr>
-            <a:r>
-              <a:rPr kumimoji="0" lang="en-US" altLang="en-US" sz="2535" b="0" i="0" u="none" strike="noStrike" kern="1200" cap="none" spc="0" normalizeH="0" baseline="0" noProof="0" dirty="0">
-                <a:ln>
-                  <a:noFill/>
-                </a:ln>
-                <a:solidFill>
-                  <a:srgbClr val="000000"/>
-                </a:solidFill>
-                <a:effectLst/>
-                <a:uLnTx/>
-                <a:uFillTx/>
-                <a:latin typeface="Times" pitchFamily="2" charset="0"/>
-                <a:ea typeface="+mn-ea"/>
-                <a:cs typeface="Arial"/>
-              </a:rPr>
-              <a:t>Code for process P</a:t>
-            </a:r>
-            <a:r>
-              <a:rPr kumimoji="0" lang="en-US" altLang="en-US" sz="2535" b="0" i="0" u="none" strike="noStrike" kern="1200" cap="none" spc="0" normalizeH="0" baseline="-25000" noProof="0" dirty="0">
-                <a:ln>
-                  <a:noFill/>
-                </a:ln>
-                <a:solidFill>
-                  <a:srgbClr val="000000"/>
-                </a:solidFill>
-                <a:effectLst/>
-                <a:uLnTx/>
-                <a:uFillTx/>
-                <a:latin typeface="Times" pitchFamily="2" charset="0"/>
-                <a:ea typeface="+mn-ea"/>
-                <a:cs typeface="Arial"/>
-              </a:rPr>
-              <a:t>i</a:t>
-            </a:r>
-            <a:endParaRPr kumimoji="0" lang="en-US" altLang="en-US" sz="1874" b="0" i="0" u="none" strike="noStrike" kern="1200" cap="none" spc="0" normalizeH="0" baseline="0" noProof="0" dirty="0">
-              <a:ln>
-                <a:noFill/>
-              </a:ln>
-              <a:solidFill>
-                <a:srgbClr val="000000"/>
-              </a:solidFill>
-              <a:effectLst/>
-              <a:uLnTx/>
-              <a:uFillTx/>
-              <a:latin typeface="Courier" pitchFamily="2" charset="0"/>
-              <a:ea typeface="+mn-ea"/>
-              <a:cs typeface="Arial"/>
-            </a:endParaRPr>
-          </a:p>
-          <a:p>
-            <a:pPr marL="0" marR="0" lvl="0" indent="0" algn="l" defTabSz="953697" rtl="0" eaLnBrk="0" fontAlgn="base" latinLnBrk="0" hangingPunct="0">
-              <a:lnSpc>
-                <a:spcPct val="100000"/>
-              </a:lnSpc>
-              <a:spcBef>
-                <a:spcPct val="0"/>
-              </a:spcBef>
-              <a:spcAft>
-                <a:spcPct val="0"/>
-              </a:spcAft>
-              <a:buClrTx/>
-              <a:buSzTx/>
-              <a:buFont typeface="Times New Roman" panose="02020603050405020304" pitchFamily="18" charset="0"/>
-              <a:buNone/>
-              <a:tabLst/>
-              <a:defRPr/>
-            </a:pPr>
-            <a:r>
-              <a:rPr kumimoji="0" lang="en-US" altLang="en-US" sz="1874" b="0" i="0" u="none" strike="noStrike" kern="1200" cap="none" spc="0" normalizeH="0" baseline="0" noProof="0" dirty="0">
-                <a:ln>
-                  <a:noFill/>
-                </a:ln>
-                <a:solidFill>
-                  <a:srgbClr val="000000"/>
-                </a:solidFill>
-                <a:effectLst/>
-                <a:uLnTx/>
-                <a:uFillTx/>
-                <a:latin typeface="Courier" pitchFamily="2" charset="0"/>
-                <a:ea typeface="+mn-ea"/>
-                <a:cs typeface="Arial"/>
-              </a:rPr>
-              <a:t>while (1) {</a:t>
-            </a:r>
-          </a:p>
-          <a:p>
-            <a:pPr marL="0" marR="0" lvl="0" indent="0" algn="l" defTabSz="953697" rtl="0" eaLnBrk="0" fontAlgn="base" latinLnBrk="0" hangingPunct="0">
-              <a:lnSpc>
-                <a:spcPct val="100000"/>
-              </a:lnSpc>
-              <a:spcBef>
-                <a:spcPct val="0"/>
-              </a:spcBef>
-              <a:spcAft>
-                <a:spcPct val="0"/>
-              </a:spcAft>
-              <a:buClrTx/>
-              <a:buSzTx/>
-              <a:buFont typeface="Times New Roman" panose="02020603050405020304" pitchFamily="18" charset="0"/>
-              <a:buNone/>
-              <a:tabLst/>
-              <a:defRPr/>
-            </a:pPr>
-            <a:r>
-              <a:rPr kumimoji="0" lang="en-US" altLang="en-US" sz="1874" b="0" i="0" u="none" strike="noStrike" kern="1200" cap="none" spc="0" normalizeH="0" baseline="0" noProof="0" dirty="0">
-                <a:ln>
-                  <a:noFill/>
-                </a:ln>
-                <a:solidFill>
-                  <a:srgbClr val="000000"/>
-                </a:solidFill>
-                <a:effectLst/>
-                <a:uLnTx/>
-                <a:uFillTx/>
-                <a:latin typeface="Courier" pitchFamily="2" charset="0"/>
-                <a:ea typeface="+mn-ea"/>
-                <a:cs typeface="Arial"/>
-              </a:rPr>
-              <a:t>  // non-critical section</a:t>
-            </a:r>
-          </a:p>
-          <a:p>
-            <a:pPr marL="0" marR="0" lvl="0" indent="0" algn="l" defTabSz="953697" rtl="0" eaLnBrk="0" fontAlgn="base" latinLnBrk="0" hangingPunct="0">
-              <a:lnSpc>
-                <a:spcPct val="100000"/>
-              </a:lnSpc>
-              <a:spcBef>
-                <a:spcPct val="0"/>
-              </a:spcBef>
-              <a:spcAft>
-                <a:spcPct val="0"/>
-              </a:spcAft>
-              <a:buClrTx/>
-              <a:buSzTx/>
-              <a:buFont typeface="Times New Roman" panose="02020603050405020304" pitchFamily="18" charset="0"/>
-              <a:buNone/>
-              <a:tabLst/>
-              <a:defRPr/>
-            </a:pPr>
-            <a:r>
-              <a:rPr kumimoji="0" lang="en-US" altLang="en-US" sz="1874" b="1" i="0" u="none" strike="noStrike" kern="1200" cap="none" spc="0" normalizeH="0" baseline="0" noProof="0" dirty="0">
-                <a:ln>
-                  <a:noFill/>
-                </a:ln>
-                <a:solidFill>
-                  <a:srgbClr val="FF0000"/>
-                </a:solidFill>
-                <a:effectLst/>
-                <a:uLnTx/>
-                <a:uFillTx/>
-                <a:latin typeface="Courier" pitchFamily="2" charset="0"/>
-                <a:ea typeface="+mn-ea"/>
-                <a:cs typeface="Arial"/>
-              </a:rPr>
-              <a:t>  down(</a:t>
-            </a:r>
-            <a:r>
-              <a:rPr kumimoji="0" lang="en-US" altLang="en-US" sz="1874" b="1" i="0" u="none" strike="noStrike" kern="1200" cap="none" spc="0" normalizeH="0" baseline="0" noProof="0" dirty="0" err="1">
-                <a:ln>
-                  <a:noFill/>
-                </a:ln>
-                <a:solidFill>
-                  <a:srgbClr val="FF0000"/>
-                </a:solidFill>
-                <a:effectLst/>
-                <a:uLnTx/>
-                <a:uFillTx/>
-                <a:latin typeface="Courier" pitchFamily="2" charset="0"/>
-                <a:ea typeface="+mn-ea"/>
-                <a:cs typeface="Arial"/>
-              </a:rPr>
-              <a:t>sem</a:t>
-            </a:r>
-            <a:r>
-              <a:rPr kumimoji="0" lang="en-US" altLang="en-US" sz="1874" b="1" i="0" u="none" strike="noStrike" kern="1200" cap="none" spc="0" normalizeH="0" baseline="0" noProof="0" dirty="0">
-                <a:ln>
-                  <a:noFill/>
-                </a:ln>
-                <a:solidFill>
-                  <a:srgbClr val="FF0000"/>
-                </a:solidFill>
-                <a:effectLst/>
-                <a:uLnTx/>
-                <a:uFillTx/>
-                <a:latin typeface="Courier" pitchFamily="2" charset="0"/>
-                <a:ea typeface="+mn-ea"/>
-                <a:cs typeface="Arial"/>
-              </a:rPr>
-              <a:t>);</a:t>
-            </a:r>
-          </a:p>
-          <a:p>
-            <a:pPr marL="0" marR="0" lvl="0" indent="0" algn="l" defTabSz="953697" rtl="0" eaLnBrk="0" fontAlgn="base" latinLnBrk="0" hangingPunct="0">
-              <a:lnSpc>
-                <a:spcPct val="100000"/>
-              </a:lnSpc>
-              <a:spcBef>
-                <a:spcPct val="0"/>
-              </a:spcBef>
-              <a:spcAft>
-                <a:spcPct val="0"/>
-              </a:spcAft>
-              <a:buClrTx/>
-              <a:buSzTx/>
-              <a:buFont typeface="Times New Roman" panose="02020603050405020304" pitchFamily="18" charset="0"/>
-              <a:buNone/>
-              <a:tabLst/>
-              <a:defRPr/>
-            </a:pPr>
-            <a:r>
-              <a:rPr kumimoji="0" lang="en-US" altLang="en-US" sz="1874" b="1" i="0" u="none" strike="noStrike" kern="1200" cap="none" spc="0" normalizeH="0" baseline="0" noProof="0" dirty="0">
-                <a:ln>
-                  <a:noFill/>
-                </a:ln>
-                <a:solidFill>
-                  <a:srgbClr val="FF00FF"/>
-                </a:solidFill>
-                <a:effectLst/>
-                <a:uLnTx/>
-                <a:uFillTx/>
-                <a:latin typeface="Courier" pitchFamily="2" charset="0"/>
-                <a:ea typeface="+mn-ea"/>
-                <a:cs typeface="Arial"/>
-              </a:rPr>
-              <a:t>  // critical section</a:t>
-            </a:r>
-          </a:p>
-          <a:p>
-            <a:pPr marL="0" marR="0" lvl="0" indent="0" algn="l" defTabSz="953697" rtl="0" eaLnBrk="0" fontAlgn="base" latinLnBrk="0" hangingPunct="0">
-              <a:lnSpc>
-                <a:spcPct val="100000"/>
-              </a:lnSpc>
-              <a:spcBef>
-                <a:spcPct val="0"/>
-              </a:spcBef>
-              <a:spcAft>
-                <a:spcPct val="0"/>
-              </a:spcAft>
-              <a:buClrTx/>
-              <a:buSzTx/>
-              <a:buFont typeface="Times New Roman" panose="02020603050405020304" pitchFamily="18" charset="0"/>
-              <a:buNone/>
-              <a:tabLst/>
-              <a:defRPr/>
-            </a:pPr>
-            <a:r>
-              <a:rPr kumimoji="0" lang="en-US" altLang="en-US" sz="1874" b="1" i="0" u="none" strike="noStrike" kern="1200" cap="none" spc="0" normalizeH="0" baseline="0" noProof="0" dirty="0">
-                <a:ln>
-                  <a:noFill/>
-                </a:ln>
-                <a:solidFill>
-                  <a:srgbClr val="00B050"/>
-                </a:solidFill>
-                <a:effectLst/>
-                <a:uLnTx/>
-                <a:uFillTx/>
-                <a:latin typeface="Courier" pitchFamily="2" charset="0"/>
-                <a:ea typeface="+mn-ea"/>
-                <a:cs typeface="Arial"/>
-              </a:rPr>
-              <a:t>  up(</a:t>
-            </a:r>
-            <a:r>
-              <a:rPr kumimoji="0" lang="en-US" altLang="en-US" sz="1874" b="1" i="0" u="none" strike="noStrike" kern="1200" cap="none" spc="0" normalizeH="0" baseline="0" noProof="0" dirty="0" err="1">
-                <a:ln>
-                  <a:noFill/>
-                </a:ln>
-                <a:solidFill>
-                  <a:srgbClr val="00B050"/>
-                </a:solidFill>
-                <a:effectLst/>
-                <a:uLnTx/>
-                <a:uFillTx/>
-                <a:latin typeface="Courier" pitchFamily="2" charset="0"/>
-                <a:ea typeface="+mn-ea"/>
-                <a:cs typeface="Arial"/>
-              </a:rPr>
-              <a:t>sem</a:t>
-            </a:r>
-            <a:r>
-              <a:rPr kumimoji="0" lang="en-US" altLang="en-US" sz="1874" b="1" i="0" u="none" strike="noStrike" kern="1200" cap="none" spc="0" normalizeH="0" baseline="0" noProof="0" dirty="0">
-                <a:ln>
-                  <a:noFill/>
-                </a:ln>
-                <a:solidFill>
-                  <a:srgbClr val="00B050"/>
-                </a:solidFill>
-                <a:effectLst/>
-                <a:uLnTx/>
-                <a:uFillTx/>
-                <a:latin typeface="Courier" pitchFamily="2" charset="0"/>
-                <a:ea typeface="+mn-ea"/>
-                <a:cs typeface="Arial"/>
-              </a:rPr>
-              <a:t>);</a:t>
-            </a:r>
-          </a:p>
-          <a:p>
-            <a:pPr marL="0" marR="0" lvl="0" indent="0" algn="l" defTabSz="953697" rtl="0" eaLnBrk="0" fontAlgn="base" latinLnBrk="0" hangingPunct="0">
-              <a:lnSpc>
-                <a:spcPct val="100000"/>
-              </a:lnSpc>
-              <a:spcBef>
-                <a:spcPct val="0"/>
-              </a:spcBef>
-              <a:spcAft>
-                <a:spcPct val="0"/>
-              </a:spcAft>
-              <a:buClrTx/>
-              <a:buSzTx/>
-              <a:buFont typeface="Times New Roman" panose="02020603050405020304" pitchFamily="18" charset="0"/>
-              <a:buNone/>
-              <a:tabLst/>
-              <a:defRPr/>
-            </a:pPr>
-            <a:r>
-              <a:rPr kumimoji="0" lang="en-US" altLang="en-US" sz="1874" b="0" i="0" u="none" strike="noStrike" kern="1200" cap="none" spc="0" normalizeH="0" baseline="0" noProof="0" dirty="0">
-                <a:ln>
-                  <a:noFill/>
-                </a:ln>
-                <a:solidFill>
-                  <a:srgbClr val="000000"/>
-                </a:solidFill>
-                <a:effectLst/>
-                <a:uLnTx/>
-                <a:uFillTx/>
-                <a:latin typeface="Courier" pitchFamily="2" charset="0"/>
-                <a:ea typeface="+mn-ea"/>
-                <a:cs typeface="Arial"/>
-              </a:rPr>
-              <a:t>  // non-critical section</a:t>
-            </a:r>
-          </a:p>
-          <a:p>
-            <a:pPr marL="0" marR="0" lvl="0" indent="0" algn="l" defTabSz="953697" rtl="0" eaLnBrk="0" fontAlgn="base" latinLnBrk="0" hangingPunct="0">
-              <a:lnSpc>
-                <a:spcPct val="100000"/>
-              </a:lnSpc>
-              <a:spcBef>
-                <a:spcPct val="0"/>
-              </a:spcBef>
-              <a:spcAft>
-                <a:spcPct val="0"/>
-              </a:spcAft>
-              <a:buClrTx/>
-              <a:buSzTx/>
-              <a:buFont typeface="Times New Roman" panose="02020603050405020304" pitchFamily="18" charset="0"/>
-              <a:buNone/>
-              <a:tabLst/>
-              <a:defRPr/>
-            </a:pPr>
-            <a:r>
-              <a:rPr kumimoji="0" lang="en-US" altLang="en-US" sz="1874" b="0" i="0" u="none" strike="noStrike" kern="1200" cap="none" spc="0" normalizeH="0" baseline="0" noProof="0" dirty="0">
-                <a:ln>
-                  <a:noFill/>
-                </a:ln>
-                <a:solidFill>
-                  <a:srgbClr val="000000"/>
-                </a:solidFill>
-                <a:effectLst/>
-                <a:uLnTx/>
-                <a:uFillTx/>
-                <a:latin typeface="Courier" pitchFamily="2" charset="0"/>
-                <a:ea typeface="+mn-ea"/>
-                <a:cs typeface="Arial"/>
-              </a:rPr>
-              <a:t>}</a:t>
-            </a:r>
-          </a:p>
-        </p:txBody>
-      </p:sp>
-      <p:sp>
-        <p:nvSpPr>
-          <p:cNvPr id="101380" name="Text Box 4">
-            <a:extLst>
-              <a:ext uri="{FF2B5EF4-FFF2-40B4-BE49-F238E27FC236}">
-                <a16:creationId xmlns:a16="http://schemas.microsoft.com/office/drawing/2014/main" id="{D24E1DF0-CC9A-1E44-B5BF-29147C8DFD32}"/>
-              </a:ext>
-            </a:extLst>
-          </p:cNvPr>
-          <p:cNvSpPr txBox="1">
-            <a:spLocks noChangeArrowheads="1"/>
-          </p:cNvSpPr>
-          <p:nvPr/>
-        </p:nvSpPr>
-        <p:spPr bwMode="auto">
-          <a:xfrm>
-            <a:off x="5544291" y="1658928"/>
-            <a:ext cx="4240068" cy="774794"/>
-          </a:xfrm>
-          <a:prstGeom prst="rect">
-            <a:avLst/>
-          </a:prstGeom>
-          <a:noFill/>
-          <a:ln w="6350">
-            <a:solidFill>
-              <a:schemeClr val="tx1"/>
-            </a:solidFill>
-            <a:miter lim="800000"/>
-            <a:headEnd/>
-            <a:tailEnd/>
-          </a:ln>
-          <a:effectLst/>
-          <a:extLst>
-            <a:ext uri="{909E8E84-426E-40DD-AFC4-6F175D3DCCD1}">
-              <a14:hiddenFill xmlns:a14="http://schemas.microsoft.com/office/drawing/2010/main">
-                <a:solidFill>
-                  <a:schemeClr val="accent1"/>
-                </a:solidFill>
-              </a14:hiddenFill>
-            </a:ext>
-            <a:ext uri="{AF507438-7753-43E0-B8FC-AC1667EBCBE1}">
-              <a14:hiddenEffects xmlns:a14="http://schemas.microsoft.com/office/drawing/2010/main">
-                <a:effectLst>
-                  <a:outerShdw dist="35921" dir="2700000" algn="ctr" rotWithShape="0">
-                    <a:schemeClr val="bg2"/>
-                  </a:outerShdw>
-                </a:effectLst>
-              </a14:hiddenEffects>
-            </a:ext>
-          </a:extLst>
-        </p:spPr>
-        <p:txBody>
-          <a:bodyPr lIns="95343" tIns="47672" rIns="95343" bIns="47672">
-            <a:spAutoFit/>
-          </a:bodyPr>
-          <a:lstStyle>
-            <a:lvl1pPr defTabSz="865188">
-              <a:defRPr sz="2400">
-                <a:solidFill>
-                  <a:schemeClr val="tx1"/>
-                </a:solidFill>
-                <a:latin typeface="Times" pitchFamily="2" charset="0"/>
-              </a:defRPr>
-            </a:lvl1pPr>
-            <a:lvl2pPr marL="431800" defTabSz="865188">
-              <a:defRPr sz="2400">
-                <a:solidFill>
-                  <a:schemeClr val="tx1"/>
-                </a:solidFill>
-                <a:latin typeface="Times" pitchFamily="2" charset="0"/>
-              </a:defRPr>
-            </a:lvl2pPr>
-            <a:lvl3pPr marL="865188" defTabSz="865188">
-              <a:defRPr sz="2400">
-                <a:solidFill>
-                  <a:schemeClr val="tx1"/>
-                </a:solidFill>
-                <a:latin typeface="Times" pitchFamily="2" charset="0"/>
-              </a:defRPr>
-            </a:lvl3pPr>
-            <a:lvl4pPr marL="1296988" defTabSz="865188">
-              <a:defRPr sz="2400">
-                <a:solidFill>
-                  <a:schemeClr val="tx1"/>
-                </a:solidFill>
-                <a:latin typeface="Times" pitchFamily="2" charset="0"/>
-              </a:defRPr>
-            </a:lvl4pPr>
-            <a:lvl5pPr marL="1730375" defTabSz="865188">
-              <a:defRPr sz="2400">
-                <a:solidFill>
-                  <a:schemeClr val="tx1"/>
-                </a:solidFill>
-                <a:latin typeface="Times" pitchFamily="2" charset="0"/>
-              </a:defRPr>
-            </a:lvl5pPr>
-            <a:lvl6pPr marL="2187575" defTabSz="865188" eaLnBrk="0" fontAlgn="base" hangingPunct="0">
-              <a:spcBef>
-                <a:spcPct val="0"/>
-              </a:spcBef>
-              <a:spcAft>
-                <a:spcPct val="0"/>
-              </a:spcAft>
-              <a:defRPr sz="2400">
-                <a:solidFill>
-                  <a:schemeClr val="tx1"/>
-                </a:solidFill>
-                <a:latin typeface="Times" pitchFamily="2" charset="0"/>
-              </a:defRPr>
-            </a:lvl6pPr>
-            <a:lvl7pPr marL="2644775" defTabSz="865188" eaLnBrk="0" fontAlgn="base" hangingPunct="0">
-              <a:spcBef>
-                <a:spcPct val="0"/>
-              </a:spcBef>
-              <a:spcAft>
-                <a:spcPct val="0"/>
-              </a:spcAft>
-              <a:defRPr sz="2400">
-                <a:solidFill>
-                  <a:schemeClr val="tx1"/>
-                </a:solidFill>
-                <a:latin typeface="Times" pitchFamily="2" charset="0"/>
-              </a:defRPr>
-            </a:lvl7pPr>
-            <a:lvl8pPr marL="3101975" defTabSz="865188" eaLnBrk="0" fontAlgn="base" hangingPunct="0">
-              <a:spcBef>
-                <a:spcPct val="0"/>
-              </a:spcBef>
-              <a:spcAft>
-                <a:spcPct val="0"/>
-              </a:spcAft>
-              <a:defRPr sz="2400">
-                <a:solidFill>
-                  <a:schemeClr val="tx1"/>
-                </a:solidFill>
-                <a:latin typeface="Times" pitchFamily="2" charset="0"/>
-              </a:defRPr>
-            </a:lvl8pPr>
-            <a:lvl9pPr marL="3559175" defTabSz="865188" eaLnBrk="0" fontAlgn="base" hangingPunct="0">
-              <a:spcBef>
-                <a:spcPct val="0"/>
-              </a:spcBef>
-              <a:spcAft>
-                <a:spcPct val="0"/>
-              </a:spcAft>
-              <a:defRPr sz="2400">
-                <a:solidFill>
-                  <a:schemeClr val="tx1"/>
-                </a:solidFill>
-                <a:latin typeface="Times" pitchFamily="2" charset="0"/>
-              </a:defRPr>
-            </a:lvl9pPr>
-          </a:lstStyle>
-          <a:p>
-            <a:pPr marL="0" marR="0" lvl="0" indent="0" algn="l" defTabSz="953697" rtl="0" eaLnBrk="0" fontAlgn="base" latinLnBrk="0" hangingPunct="0">
-              <a:lnSpc>
-                <a:spcPct val="100000"/>
-              </a:lnSpc>
-              <a:spcBef>
-                <a:spcPct val="0"/>
-              </a:spcBef>
-              <a:spcAft>
-                <a:spcPct val="0"/>
-              </a:spcAft>
-              <a:buClrTx/>
-              <a:buSzTx/>
-              <a:buFont typeface="Times New Roman" panose="02020603050405020304" pitchFamily="18" charset="0"/>
-              <a:buNone/>
-              <a:tabLst/>
-              <a:defRPr/>
-            </a:pPr>
-            <a:r>
-              <a:rPr kumimoji="0" lang="en-US" altLang="en-US" sz="2535" b="0" i="0" u="none" strike="noStrike" kern="1200" cap="none" spc="0" normalizeH="0" baseline="0" noProof="0" dirty="0">
-                <a:ln>
-                  <a:noFill/>
-                </a:ln>
-                <a:solidFill>
-                  <a:srgbClr val="000000"/>
-                </a:solidFill>
-                <a:effectLst/>
-                <a:uLnTx/>
-                <a:uFillTx/>
-                <a:latin typeface="Times" pitchFamily="2" charset="0"/>
-                <a:ea typeface="+mn-ea"/>
-                <a:cs typeface="Arial"/>
-              </a:rPr>
-              <a:t>Shared variables</a:t>
-            </a:r>
-            <a:endParaRPr kumimoji="0" lang="en-US" altLang="en-US" sz="1874" b="0" i="0" u="none" strike="noStrike" kern="1200" cap="none" spc="0" normalizeH="0" baseline="0" noProof="0" dirty="0">
-              <a:ln>
-                <a:noFill/>
-              </a:ln>
-              <a:solidFill>
-                <a:srgbClr val="000000"/>
-              </a:solidFill>
-              <a:effectLst/>
-              <a:uLnTx/>
-              <a:uFillTx/>
-              <a:latin typeface="Courier" pitchFamily="2" charset="0"/>
-              <a:ea typeface="+mn-ea"/>
-              <a:cs typeface="Arial"/>
-            </a:endParaRPr>
-          </a:p>
-          <a:p>
-            <a:pPr marL="0" marR="0" lvl="0" indent="0" algn="l" defTabSz="953697" rtl="0" eaLnBrk="0" fontAlgn="base" latinLnBrk="0" hangingPunct="0">
-              <a:lnSpc>
-                <a:spcPct val="100000"/>
-              </a:lnSpc>
-              <a:spcBef>
-                <a:spcPct val="0"/>
-              </a:spcBef>
-              <a:spcAft>
-                <a:spcPct val="0"/>
-              </a:spcAft>
-              <a:buClrTx/>
-              <a:buSzTx/>
-              <a:buFont typeface="Times New Roman" panose="02020603050405020304" pitchFamily="18" charset="0"/>
-              <a:buNone/>
-              <a:tabLst/>
-              <a:defRPr/>
-            </a:pPr>
-            <a:r>
-              <a:rPr kumimoji="0" lang="en-US" altLang="en-US" sz="1874" b="0" i="0" u="none" strike="noStrike" kern="1200" cap="none" spc="0" normalizeH="0" baseline="0" noProof="0" dirty="0">
-                <a:ln>
-                  <a:noFill/>
-                </a:ln>
-                <a:solidFill>
-                  <a:srgbClr val="000000"/>
-                </a:solidFill>
-                <a:effectLst/>
-                <a:uLnTx/>
-                <a:uFillTx/>
-                <a:latin typeface="Courier" pitchFamily="2" charset="0"/>
-                <a:ea typeface="+mn-ea"/>
-                <a:cs typeface="Arial"/>
-              </a:rPr>
-              <a:t>Semaphore </a:t>
-            </a:r>
-            <a:r>
-              <a:rPr kumimoji="0" lang="en-US" altLang="en-US" sz="1874" b="0" i="0" u="none" strike="noStrike" kern="1200" cap="none" spc="0" normalizeH="0" baseline="0" noProof="0" dirty="0" err="1">
-                <a:ln>
-                  <a:noFill/>
-                </a:ln>
-                <a:solidFill>
-                  <a:srgbClr val="000000"/>
-                </a:solidFill>
-                <a:effectLst/>
-                <a:uLnTx/>
-                <a:uFillTx/>
-                <a:latin typeface="Courier" pitchFamily="2" charset="0"/>
-                <a:ea typeface="+mn-ea"/>
-                <a:cs typeface="Arial"/>
-              </a:rPr>
-              <a:t>sem</a:t>
-            </a:r>
-            <a:r>
-              <a:rPr kumimoji="0" lang="en-US" altLang="en-US" sz="1874" b="0" i="0" u="none" strike="noStrike" kern="1200" cap="none" spc="0" normalizeH="0" baseline="0" noProof="0" dirty="0">
-                <a:ln>
-                  <a:noFill/>
-                </a:ln>
-                <a:solidFill>
-                  <a:srgbClr val="000000"/>
-                </a:solidFill>
-                <a:effectLst/>
-                <a:uLnTx/>
-                <a:uFillTx/>
-                <a:latin typeface="Courier" pitchFamily="2" charset="0"/>
-                <a:ea typeface="+mn-ea"/>
-                <a:cs typeface="Arial"/>
-              </a:rPr>
-              <a:t>;</a:t>
-            </a:r>
-          </a:p>
-        </p:txBody>
-      </p:sp>
-    </p:spTree>
-    <p:extLst>
-      <p:ext uri="{BB962C8B-B14F-4D97-AF65-F5344CB8AC3E}">
-        <p14:creationId xmlns:p14="http://schemas.microsoft.com/office/powerpoint/2010/main" val="4013065491"/>
-      </p:ext>
-    </p:extLst>
-  </p:cSld>
-  <p:clrMapOvr>
-    <a:masterClrMapping/>
-  </p:clrMapOvr>
-</p:sld>
-</file>
-
-<file path=ppt/slides/slide12.xml><?xml version="1.0" encoding="utf-8"?>
-<p:sld xmlns:a="http://schemas.openxmlformats.org/drawingml/2006/main" xmlns:r="http://schemas.openxmlformats.org/officeDocument/2006/relationships" xmlns:p="http://schemas.openxmlformats.org/presentationml/2006/main">
-  <p:cSld>
-    <p:spTree>
-      <p:nvGrpSpPr>
-        <p:cNvPr id="1" name=""/>
-        <p:cNvGrpSpPr/>
-        <p:nvPr/>
-      </p:nvGrpSpPr>
-      <p:grpSpPr>
-        <a:xfrm>
-          <a:off x="0" y="0"/>
-          <a:ext cx="0" cy="0"/>
-          <a:chOff x="0" y="0"/>
-          <a:chExt cx="0" cy="0"/>
-        </a:xfrm>
-      </p:grpSpPr>
-      <p:sp>
-        <p:nvSpPr>
-          <p:cNvPr id="103429" name="Rectangle 5">
-            <a:extLst>
-              <a:ext uri="{FF2B5EF4-FFF2-40B4-BE49-F238E27FC236}">
-                <a16:creationId xmlns:a16="http://schemas.microsoft.com/office/drawing/2014/main" id="{8D930911-1A6D-B54F-B76E-66809DD1728E}"/>
-              </a:ext>
-            </a:extLst>
-          </p:cNvPr>
-          <p:cNvSpPr>
-            <a:spLocks noGrp="1" noChangeArrowheads="1"/>
-          </p:cNvSpPr>
-          <p:nvPr>
-            <p:ph type="title"/>
-          </p:nvPr>
-        </p:nvSpPr>
-        <p:spPr/>
-        <p:txBody>
-          <a:bodyPr/>
-          <a:lstStyle/>
-          <a:p>
-            <a:r>
-              <a:rPr lang="en-US" altLang="en-US" sz="3527"/>
-              <a:t>Semaphores for general synchronization</a:t>
-            </a:r>
-          </a:p>
-        </p:txBody>
-      </p:sp>
-      <p:sp>
-        <p:nvSpPr>
-          <p:cNvPr id="103430" name="Rectangle 6">
-            <a:extLst>
-              <a:ext uri="{FF2B5EF4-FFF2-40B4-BE49-F238E27FC236}">
-                <a16:creationId xmlns:a16="http://schemas.microsoft.com/office/drawing/2014/main" id="{0CA11B9E-1475-6C4F-9C95-B08141F31ADC}"/>
-              </a:ext>
-            </a:extLst>
-          </p:cNvPr>
-          <p:cNvSpPr>
-            <a:spLocks noGrp="1" noChangeArrowheads="1"/>
-          </p:cNvSpPr>
-          <p:nvPr>
-            <p:ph idx="1"/>
-          </p:nvPr>
-        </p:nvSpPr>
-        <p:spPr/>
-        <p:txBody>
-          <a:bodyPr/>
-          <a:lstStyle/>
-          <a:p>
-            <a:r>
-              <a:rPr lang="en-US" altLang="en-US" sz="2646"/>
-              <a:t>We want to execute B in P1 only after A executes in P0</a:t>
-            </a:r>
-          </a:p>
-          <a:p>
-            <a:r>
-              <a:rPr lang="en-US" altLang="en-US" sz="2646"/>
-              <a:t>Use a semaphore initialized to 0</a:t>
-            </a:r>
-          </a:p>
-          <a:p>
-            <a:r>
-              <a:rPr lang="en-US" altLang="en-US" sz="2646"/>
-              <a:t>Use up() to notify P1 at the appropriate time</a:t>
-            </a:r>
-          </a:p>
-        </p:txBody>
-      </p:sp>
-      <p:sp>
-        <p:nvSpPr>
-          <p:cNvPr id="7" name="Footer Placeholder 4">
-            <a:extLst>
-              <a:ext uri="{FF2B5EF4-FFF2-40B4-BE49-F238E27FC236}">
-                <a16:creationId xmlns:a16="http://schemas.microsoft.com/office/drawing/2014/main" id="{1C1CA73E-1E55-D244-B89B-B72382873627}"/>
-              </a:ext>
-            </a:extLst>
-          </p:cNvPr>
-          <p:cNvSpPr>
-            <a:spLocks noGrp="1"/>
-          </p:cNvSpPr>
-          <p:nvPr>
-            <p:ph type="ftr" idx="11"/>
-          </p:nvPr>
-        </p:nvSpPr>
-        <p:spPr/>
-        <p:txBody>
-          <a:bodyPr/>
-          <a:lstStyle/>
-          <a:p>
-            <a:pPr marL="0" marR="0" lvl="0" indent="0" algn="ctr" defTabSz="1007943" rtl="0" eaLnBrk="1" fontAlgn="base" latinLnBrk="0" hangingPunct="0">
-              <a:lnSpc>
-                <a:spcPct val="100000"/>
-              </a:lnSpc>
-              <a:spcBef>
-                <a:spcPct val="0"/>
-              </a:spcBef>
-              <a:spcAft>
-                <a:spcPct val="0"/>
-              </a:spcAft>
-              <a:buClrTx/>
-              <a:buSzTx/>
-              <a:buFont typeface="Times New Roman" pitchFamily="16" charset="0"/>
-              <a:buNone/>
-              <a:tabLst>
-                <a:tab pos="0" algn="l"/>
-                <a:tab pos="457200" algn="l"/>
-                <a:tab pos="914400" algn="l"/>
-                <a:tab pos="1371600" algn="l"/>
-                <a:tab pos="1828800" algn="l"/>
-                <a:tab pos="2286000" algn="l"/>
-                <a:tab pos="2743200" algn="l"/>
-                <a:tab pos="3200400" algn="l"/>
-                <a:tab pos="3657600" algn="l"/>
-                <a:tab pos="4114800" algn="l"/>
-                <a:tab pos="4572000" algn="l"/>
-                <a:tab pos="5029200" algn="l"/>
-                <a:tab pos="5486400" algn="l"/>
-                <a:tab pos="5943600" algn="l"/>
-                <a:tab pos="6400800" algn="l"/>
-                <a:tab pos="6858000" algn="l"/>
-                <a:tab pos="7315200" algn="l"/>
-                <a:tab pos="7772400" algn="l"/>
-                <a:tab pos="8229600" algn="l"/>
-                <a:tab pos="8686800" algn="l"/>
-                <a:tab pos="9144000" algn="l"/>
-              </a:tabLst>
-              <a:defRPr/>
-            </a:pPr>
-            <a:r>
-              <a:rPr kumimoji="0" lang="en-US" altLang="en-US" sz="1400" b="0" i="0" u="none" strike="noStrike" kern="1200" cap="none" spc="0" normalizeH="0" baseline="0" noProof="0">
-                <a:ln>
-                  <a:noFill/>
-                </a:ln>
-                <a:solidFill>
-                  <a:srgbClr val="000000"/>
-                </a:solidFill>
-                <a:effectLst/>
-                <a:uLnTx/>
-                <a:uFillTx/>
-                <a:latin typeface="Arial"/>
-                <a:ea typeface="+mn-ea"/>
-                <a:cs typeface="Arial"/>
-              </a:rPr>
-              <a:t>CS/COE 1550 – Operating Systems – Sherif Khattab</a:t>
-            </a:r>
-          </a:p>
-        </p:txBody>
-      </p:sp>
-      <p:sp>
-        <p:nvSpPr>
-          <p:cNvPr id="8" name="Slide Number Placeholder 5">
-            <a:extLst>
-              <a:ext uri="{FF2B5EF4-FFF2-40B4-BE49-F238E27FC236}">
-                <a16:creationId xmlns:a16="http://schemas.microsoft.com/office/drawing/2014/main" id="{79E131D4-95F6-D248-9154-AE15F551EEE7}"/>
-              </a:ext>
-            </a:extLst>
-          </p:cNvPr>
-          <p:cNvSpPr>
-            <a:spLocks noGrp="1"/>
-          </p:cNvSpPr>
-          <p:nvPr>
-            <p:ph type="sldNum" idx="12"/>
-          </p:nvPr>
-        </p:nvSpPr>
-        <p:spPr/>
-        <p:txBody>
-          <a:bodyPr/>
-          <a:lstStyle/>
-          <a:p>
-            <a:pPr marL="0" marR="0" lvl="0" indent="0" algn="r" defTabSz="1007943" rtl="0" eaLnBrk="1" fontAlgn="base" latinLnBrk="0" hangingPunct="0">
-              <a:lnSpc>
-                <a:spcPct val="100000"/>
-              </a:lnSpc>
-              <a:spcBef>
-                <a:spcPct val="0"/>
-              </a:spcBef>
-              <a:spcAft>
-                <a:spcPct val="0"/>
-              </a:spcAft>
-              <a:buClrTx/>
-              <a:buSzTx/>
-              <a:buFont typeface="Times New Roman" panose="02020603050405020304" pitchFamily="18" charset="0"/>
-              <a:buNone/>
-              <a:tabLst/>
-              <a:defRPr/>
-            </a:pPr>
-            <a:fld id="{166D23BB-7175-8C4F-A270-BA0CD4EEFE55}" type="slidenum">
-              <a:rPr kumimoji="0" lang="en-US" altLang="en-US" sz="1400" b="0" i="0" u="none" strike="noStrike" kern="1200" cap="none" spc="0" normalizeH="0" baseline="0" noProof="0">
-                <a:ln>
-                  <a:noFill/>
-                </a:ln>
-                <a:solidFill>
-                  <a:srgbClr val="000000"/>
-                </a:solidFill>
-                <a:effectLst/>
-                <a:uLnTx/>
-                <a:uFillTx/>
-                <a:latin typeface="Arial"/>
-                <a:ea typeface="+mn-ea"/>
-                <a:cs typeface="Arial"/>
-              </a:rPr>
-              <a:pPr marL="0" marR="0" lvl="0" indent="0" algn="r" defTabSz="1007943" rtl="0" eaLnBrk="1" fontAlgn="base" latinLnBrk="0" hangingPunct="0">
-                <a:lnSpc>
-                  <a:spcPct val="100000"/>
-                </a:lnSpc>
-                <a:spcBef>
-                  <a:spcPct val="0"/>
-                </a:spcBef>
-                <a:spcAft>
-                  <a:spcPct val="0"/>
-                </a:spcAft>
-                <a:buClrTx/>
-                <a:buSzTx/>
-                <a:buFont typeface="Times New Roman" panose="02020603050405020304" pitchFamily="18" charset="0"/>
-                <a:buNone/>
-                <a:tabLst/>
-                <a:defRPr/>
-              </a:pPr>
-              <a:t>12</a:t>
-            </a:fld>
-            <a:endParaRPr kumimoji="0" lang="en-US" altLang="en-US" sz="1400" b="0" i="0" u="none" strike="noStrike" kern="1200" cap="none" spc="0" normalizeH="0" baseline="0" noProof="0">
-              <a:ln>
-                <a:noFill/>
-              </a:ln>
-              <a:solidFill>
-                <a:srgbClr val="000000"/>
-              </a:solidFill>
-              <a:effectLst/>
-              <a:uLnTx/>
-              <a:uFillTx/>
-              <a:latin typeface="Arial"/>
-              <a:ea typeface="+mn-ea"/>
-              <a:cs typeface="Arial"/>
-            </a:endParaRPr>
-          </a:p>
-        </p:txBody>
-      </p:sp>
-      <p:sp>
-        <p:nvSpPr>
-          <p:cNvPr id="103426" name="Text Box 2">
-            <a:extLst>
-              <a:ext uri="{FF2B5EF4-FFF2-40B4-BE49-F238E27FC236}">
-                <a16:creationId xmlns:a16="http://schemas.microsoft.com/office/drawing/2014/main" id="{716C1A1D-15C4-9640-B5E6-336D2DEC9050}"/>
-              </a:ext>
-            </a:extLst>
-          </p:cNvPr>
-          <p:cNvSpPr txBox="1">
-            <a:spLocks noChangeArrowheads="1"/>
-          </p:cNvSpPr>
-          <p:nvPr/>
-        </p:nvSpPr>
-        <p:spPr bwMode="auto">
-          <a:xfrm>
-            <a:off x="800245" y="4567304"/>
-            <a:ext cx="4240067" cy="1928443"/>
-          </a:xfrm>
-          <a:prstGeom prst="rect">
-            <a:avLst/>
-          </a:prstGeom>
-          <a:noFill/>
-          <a:ln w="6350">
-            <a:solidFill>
-              <a:schemeClr val="tx1"/>
-            </a:solidFill>
-            <a:miter lim="800000"/>
-            <a:headEnd/>
-            <a:tailEnd/>
-          </a:ln>
-          <a:effectLst/>
-          <a:extLst>
-            <a:ext uri="{909E8E84-426E-40DD-AFC4-6F175D3DCCD1}">
-              <a14:hiddenFill xmlns:a14="http://schemas.microsoft.com/office/drawing/2010/main">
-                <a:solidFill>
-                  <a:schemeClr val="accent1"/>
-                </a:solidFill>
-              </a14:hiddenFill>
-            </a:ext>
-            <a:ext uri="{AF507438-7753-43E0-B8FC-AC1667EBCBE1}">
-              <a14:hiddenEffects xmlns:a14="http://schemas.microsoft.com/office/drawing/2010/main">
-                <a:effectLst>
-                  <a:outerShdw dist="35921" dir="2700000" algn="ctr" rotWithShape="0">
-                    <a:schemeClr val="bg2"/>
-                  </a:outerShdw>
-                </a:effectLst>
-              </a14:hiddenEffects>
-            </a:ext>
-          </a:extLst>
-        </p:spPr>
-        <p:txBody>
-          <a:bodyPr lIns="95343" tIns="47672" rIns="95343" bIns="47672">
-            <a:spAutoFit/>
-          </a:bodyPr>
-          <a:lstStyle>
-            <a:lvl1pPr defTabSz="865188">
-              <a:defRPr sz="2400">
-                <a:solidFill>
-                  <a:schemeClr val="tx1"/>
-                </a:solidFill>
-                <a:latin typeface="Times" pitchFamily="2" charset="0"/>
-              </a:defRPr>
-            </a:lvl1pPr>
-            <a:lvl2pPr marL="431800" defTabSz="865188">
-              <a:defRPr sz="2400">
-                <a:solidFill>
-                  <a:schemeClr val="tx1"/>
-                </a:solidFill>
-                <a:latin typeface="Times" pitchFamily="2" charset="0"/>
-              </a:defRPr>
-            </a:lvl2pPr>
-            <a:lvl3pPr marL="865188" defTabSz="865188">
-              <a:defRPr sz="2400">
-                <a:solidFill>
-                  <a:schemeClr val="tx1"/>
-                </a:solidFill>
-                <a:latin typeface="Times" pitchFamily="2" charset="0"/>
-              </a:defRPr>
-            </a:lvl3pPr>
-            <a:lvl4pPr marL="1296988" defTabSz="865188">
-              <a:defRPr sz="2400">
-                <a:solidFill>
-                  <a:schemeClr val="tx1"/>
-                </a:solidFill>
-                <a:latin typeface="Times" pitchFamily="2" charset="0"/>
-              </a:defRPr>
-            </a:lvl4pPr>
-            <a:lvl5pPr marL="1730375" defTabSz="865188">
-              <a:defRPr sz="2400">
-                <a:solidFill>
-                  <a:schemeClr val="tx1"/>
-                </a:solidFill>
-                <a:latin typeface="Times" pitchFamily="2" charset="0"/>
-              </a:defRPr>
-            </a:lvl5pPr>
-            <a:lvl6pPr marL="2187575" defTabSz="865188" eaLnBrk="0" fontAlgn="base" hangingPunct="0">
-              <a:spcBef>
-                <a:spcPct val="0"/>
-              </a:spcBef>
-              <a:spcAft>
-                <a:spcPct val="0"/>
-              </a:spcAft>
-              <a:defRPr sz="2400">
-                <a:solidFill>
-                  <a:schemeClr val="tx1"/>
-                </a:solidFill>
-                <a:latin typeface="Times" pitchFamily="2" charset="0"/>
-              </a:defRPr>
-            </a:lvl6pPr>
-            <a:lvl7pPr marL="2644775" defTabSz="865188" eaLnBrk="0" fontAlgn="base" hangingPunct="0">
-              <a:spcBef>
-                <a:spcPct val="0"/>
-              </a:spcBef>
-              <a:spcAft>
-                <a:spcPct val="0"/>
-              </a:spcAft>
-              <a:defRPr sz="2400">
-                <a:solidFill>
-                  <a:schemeClr val="tx1"/>
-                </a:solidFill>
-                <a:latin typeface="Times" pitchFamily="2" charset="0"/>
-              </a:defRPr>
-            </a:lvl7pPr>
-            <a:lvl8pPr marL="3101975" defTabSz="865188" eaLnBrk="0" fontAlgn="base" hangingPunct="0">
-              <a:spcBef>
-                <a:spcPct val="0"/>
-              </a:spcBef>
-              <a:spcAft>
-                <a:spcPct val="0"/>
-              </a:spcAft>
-              <a:defRPr sz="2400">
-                <a:solidFill>
-                  <a:schemeClr val="tx1"/>
-                </a:solidFill>
-                <a:latin typeface="Times" pitchFamily="2" charset="0"/>
-              </a:defRPr>
-            </a:lvl8pPr>
-            <a:lvl9pPr marL="3559175" defTabSz="865188" eaLnBrk="0" fontAlgn="base" hangingPunct="0">
-              <a:spcBef>
-                <a:spcPct val="0"/>
-              </a:spcBef>
-              <a:spcAft>
-                <a:spcPct val="0"/>
-              </a:spcAft>
-              <a:defRPr sz="2400">
-                <a:solidFill>
-                  <a:schemeClr val="tx1"/>
-                </a:solidFill>
-                <a:latin typeface="Times" pitchFamily="2" charset="0"/>
-              </a:defRPr>
-            </a:lvl9pPr>
-          </a:lstStyle>
-          <a:p>
-            <a:pPr marL="0" marR="0" lvl="0" indent="0" algn="l" defTabSz="953697" rtl="0" eaLnBrk="0" fontAlgn="base" latinLnBrk="0" hangingPunct="0">
-              <a:lnSpc>
-                <a:spcPct val="100000"/>
-              </a:lnSpc>
-              <a:spcBef>
-                <a:spcPct val="0"/>
-              </a:spcBef>
-              <a:spcAft>
-                <a:spcPct val="0"/>
-              </a:spcAft>
-              <a:buClrTx/>
-              <a:buSzTx/>
-              <a:buFont typeface="Times New Roman" panose="02020603050405020304" pitchFamily="18" charset="0"/>
-              <a:buNone/>
-              <a:tabLst/>
-              <a:defRPr/>
-            </a:pPr>
-            <a:r>
-              <a:rPr kumimoji="0" lang="en-US" altLang="en-US" sz="2535" b="0" i="0" u="none" strike="noStrike" kern="1200" cap="none" spc="0" normalizeH="0" baseline="0" noProof="0">
-                <a:ln>
-                  <a:noFill/>
-                </a:ln>
-                <a:solidFill>
-                  <a:srgbClr val="000000"/>
-                </a:solidFill>
-                <a:effectLst/>
-                <a:uLnTx/>
-                <a:uFillTx/>
-                <a:latin typeface="Times" pitchFamily="2" charset="0"/>
-                <a:ea typeface="+mn-ea"/>
-                <a:cs typeface="Arial"/>
-              </a:rPr>
-              <a:t>Process P</a:t>
-            </a:r>
-            <a:r>
-              <a:rPr kumimoji="0" lang="en-US" altLang="en-US" sz="2535" b="0" i="0" u="none" strike="noStrike" kern="1200" cap="none" spc="0" normalizeH="0" baseline="-25000" noProof="0">
-                <a:ln>
-                  <a:noFill/>
-                </a:ln>
-                <a:solidFill>
-                  <a:srgbClr val="000000"/>
-                </a:solidFill>
-                <a:effectLst/>
-                <a:uLnTx/>
-                <a:uFillTx/>
-                <a:latin typeface="Times" pitchFamily="2" charset="0"/>
-                <a:ea typeface="+mn-ea"/>
-                <a:cs typeface="Arial"/>
-              </a:rPr>
-              <a:t>0</a:t>
-            </a:r>
-            <a:endParaRPr kumimoji="0" lang="en-US" altLang="en-US" sz="1874" b="0" i="0" u="none" strike="noStrike" kern="1200" cap="none" spc="0" normalizeH="0" baseline="0" noProof="0">
-              <a:ln>
-                <a:noFill/>
-              </a:ln>
-              <a:solidFill>
-                <a:srgbClr val="000000"/>
-              </a:solidFill>
-              <a:effectLst/>
-              <a:uLnTx/>
-              <a:uFillTx/>
-              <a:latin typeface="Courier" pitchFamily="2" charset="0"/>
-              <a:ea typeface="+mn-ea"/>
-              <a:cs typeface="Arial"/>
-            </a:endParaRPr>
-          </a:p>
-          <a:p>
-            <a:pPr marL="0" marR="0" lvl="0" indent="0" algn="l" defTabSz="953697" rtl="0" eaLnBrk="0" fontAlgn="base" latinLnBrk="0" hangingPunct="0">
-              <a:lnSpc>
-                <a:spcPct val="100000"/>
-              </a:lnSpc>
-              <a:spcBef>
-                <a:spcPct val="0"/>
-              </a:spcBef>
-              <a:spcAft>
-                <a:spcPct val="0"/>
-              </a:spcAft>
-              <a:buClrTx/>
-              <a:buSzTx/>
-              <a:buFont typeface="Times New Roman" panose="02020603050405020304" pitchFamily="18" charset="0"/>
-              <a:buNone/>
-              <a:tabLst/>
-              <a:defRPr/>
-            </a:pPr>
-            <a:r>
-              <a:rPr kumimoji="0" lang="en-US" altLang="en-US" sz="1874" b="0" i="0" u="none" strike="noStrike" kern="1200" cap="none" spc="0" normalizeH="0" baseline="0" noProof="0">
-                <a:ln>
-                  <a:noFill/>
-                </a:ln>
-                <a:solidFill>
-                  <a:srgbClr val="000000"/>
-                </a:solidFill>
-                <a:effectLst/>
-                <a:uLnTx/>
-                <a:uFillTx/>
-                <a:latin typeface="Courier" pitchFamily="2" charset="0"/>
-                <a:ea typeface="+mn-ea"/>
-                <a:cs typeface="Arial"/>
-              </a:rPr>
-              <a:t>   .</a:t>
-            </a:r>
-          </a:p>
-          <a:p>
-            <a:pPr marL="0" marR="0" lvl="0" indent="0" algn="l" defTabSz="953697" rtl="0" eaLnBrk="0" fontAlgn="base" latinLnBrk="0" hangingPunct="0">
-              <a:lnSpc>
-                <a:spcPct val="100000"/>
-              </a:lnSpc>
-              <a:spcBef>
-                <a:spcPct val="0"/>
-              </a:spcBef>
-              <a:spcAft>
-                <a:spcPct val="0"/>
-              </a:spcAft>
-              <a:buClrTx/>
-              <a:buSzTx/>
-              <a:buFont typeface="Times New Roman" panose="02020603050405020304" pitchFamily="18" charset="0"/>
-              <a:buNone/>
-              <a:tabLst/>
-              <a:defRPr/>
-            </a:pPr>
-            <a:r>
-              <a:rPr kumimoji="0" lang="en-US" altLang="en-US" sz="1874" b="0" i="0" u="none" strike="noStrike" kern="1200" cap="none" spc="0" normalizeH="0" baseline="0" noProof="0">
-                <a:ln>
-                  <a:noFill/>
-                </a:ln>
-                <a:solidFill>
-                  <a:srgbClr val="000000"/>
-                </a:solidFill>
-                <a:effectLst/>
-                <a:uLnTx/>
-                <a:uFillTx/>
-                <a:latin typeface="Courier" pitchFamily="2" charset="0"/>
-                <a:ea typeface="+mn-ea"/>
-                <a:cs typeface="Arial"/>
-              </a:rPr>
-              <a:t>   .</a:t>
-            </a:r>
-          </a:p>
-          <a:p>
-            <a:pPr marL="0" marR="0" lvl="0" indent="0" algn="l" defTabSz="953697" rtl="0" eaLnBrk="0" fontAlgn="base" latinLnBrk="0" hangingPunct="0">
-              <a:lnSpc>
-                <a:spcPct val="100000"/>
-              </a:lnSpc>
-              <a:spcBef>
-                <a:spcPct val="0"/>
-              </a:spcBef>
-              <a:spcAft>
-                <a:spcPct val="0"/>
-              </a:spcAft>
-              <a:buClrTx/>
-              <a:buSzTx/>
-              <a:buFont typeface="Times New Roman" panose="02020603050405020304" pitchFamily="18" charset="0"/>
-              <a:buNone/>
-              <a:tabLst/>
-              <a:defRPr/>
-            </a:pPr>
-            <a:r>
-              <a:rPr kumimoji="0" lang="en-US" altLang="en-US" sz="1874" b="0" i="0" u="none" strike="noStrike" kern="1200" cap="none" spc="0" normalizeH="0" baseline="0" noProof="0">
-                <a:ln>
-                  <a:noFill/>
-                </a:ln>
-                <a:solidFill>
-                  <a:srgbClr val="000000"/>
-                </a:solidFill>
-                <a:effectLst/>
-                <a:uLnTx/>
-                <a:uFillTx/>
-                <a:latin typeface="Courier" pitchFamily="2" charset="0"/>
-                <a:ea typeface="+mn-ea"/>
-                <a:cs typeface="Arial"/>
-              </a:rPr>
-              <a:t>   .</a:t>
-            </a:r>
-          </a:p>
-          <a:p>
-            <a:pPr marL="0" marR="0" lvl="0" indent="0" algn="l" defTabSz="953697" rtl="0" eaLnBrk="0" fontAlgn="base" latinLnBrk="0" hangingPunct="0">
-              <a:lnSpc>
-                <a:spcPct val="100000"/>
-              </a:lnSpc>
-              <a:spcBef>
-                <a:spcPct val="0"/>
-              </a:spcBef>
-              <a:spcAft>
-                <a:spcPct val="0"/>
-              </a:spcAft>
-              <a:buClrTx/>
-              <a:buSzTx/>
-              <a:buFont typeface="Times New Roman" panose="02020603050405020304" pitchFamily="18" charset="0"/>
-              <a:buNone/>
-              <a:tabLst/>
-              <a:defRPr/>
-            </a:pPr>
-            <a:r>
-              <a:rPr kumimoji="0" lang="en-US" altLang="en-US" sz="1874" b="0" i="0" u="none" strike="noStrike" kern="1200" cap="none" spc="0" normalizeH="0" baseline="0" noProof="0">
-                <a:ln>
-                  <a:noFill/>
-                </a:ln>
-                <a:solidFill>
-                  <a:srgbClr val="000000"/>
-                </a:solidFill>
-                <a:effectLst/>
-                <a:uLnTx/>
-                <a:uFillTx/>
-                <a:latin typeface="Courier" pitchFamily="2" charset="0"/>
-                <a:ea typeface="+mn-ea"/>
-                <a:cs typeface="Arial"/>
-              </a:rPr>
-              <a:t>// Execute code for A</a:t>
-            </a:r>
-          </a:p>
-          <a:p>
-            <a:pPr marL="0" marR="0" lvl="0" indent="0" algn="l" defTabSz="953697" rtl="0" eaLnBrk="0" fontAlgn="base" latinLnBrk="0" hangingPunct="0">
-              <a:lnSpc>
-                <a:spcPct val="100000"/>
-              </a:lnSpc>
-              <a:spcBef>
-                <a:spcPct val="0"/>
-              </a:spcBef>
-              <a:spcAft>
-                <a:spcPct val="0"/>
-              </a:spcAft>
-              <a:buClrTx/>
-              <a:buSzTx/>
-              <a:buFont typeface="Times New Roman" panose="02020603050405020304" pitchFamily="18" charset="0"/>
-              <a:buNone/>
-              <a:tabLst/>
-              <a:defRPr/>
-            </a:pPr>
-            <a:r>
-              <a:rPr kumimoji="0" lang="en-US" altLang="en-US" sz="1874" b="0" i="0" u="none" strike="noStrike" kern="1200" cap="none" spc="0" normalizeH="0" baseline="0" noProof="0">
-                <a:ln>
-                  <a:noFill/>
-                </a:ln>
-                <a:solidFill>
-                  <a:srgbClr val="000000"/>
-                </a:solidFill>
-                <a:effectLst/>
-                <a:uLnTx/>
-                <a:uFillTx/>
-                <a:latin typeface="Courier" pitchFamily="2" charset="0"/>
-                <a:ea typeface="+mn-ea"/>
-                <a:cs typeface="Arial"/>
-              </a:rPr>
-              <a:t>flag.up ();</a:t>
-            </a:r>
-          </a:p>
-        </p:txBody>
-      </p:sp>
-      <p:sp>
-        <p:nvSpPr>
-          <p:cNvPr id="103427" name="Text Box 3">
-            <a:extLst>
-              <a:ext uri="{FF2B5EF4-FFF2-40B4-BE49-F238E27FC236}">
-                <a16:creationId xmlns:a16="http://schemas.microsoft.com/office/drawing/2014/main" id="{3195CB6A-75F9-E044-B429-462724B01BFC}"/>
-              </a:ext>
-            </a:extLst>
-          </p:cNvPr>
-          <p:cNvSpPr txBox="1">
-            <a:spLocks noChangeArrowheads="1"/>
-          </p:cNvSpPr>
-          <p:nvPr/>
-        </p:nvSpPr>
-        <p:spPr bwMode="auto">
-          <a:xfrm>
-            <a:off x="5199556" y="4567304"/>
-            <a:ext cx="4240067" cy="1928443"/>
-          </a:xfrm>
-          <a:prstGeom prst="rect">
-            <a:avLst/>
-          </a:prstGeom>
-          <a:noFill/>
-          <a:ln w="6350">
-            <a:solidFill>
-              <a:schemeClr val="tx1"/>
-            </a:solidFill>
-            <a:miter lim="800000"/>
-            <a:headEnd/>
-            <a:tailEnd/>
-          </a:ln>
-          <a:effectLst/>
-          <a:extLst>
-            <a:ext uri="{909E8E84-426E-40DD-AFC4-6F175D3DCCD1}">
-              <a14:hiddenFill xmlns:a14="http://schemas.microsoft.com/office/drawing/2010/main">
-                <a:solidFill>
-                  <a:schemeClr val="accent1"/>
-                </a:solidFill>
-              </a14:hiddenFill>
-            </a:ext>
-            <a:ext uri="{AF507438-7753-43E0-B8FC-AC1667EBCBE1}">
-              <a14:hiddenEffects xmlns:a14="http://schemas.microsoft.com/office/drawing/2010/main">
-                <a:effectLst>
-                  <a:outerShdw dist="35921" dir="2700000" algn="ctr" rotWithShape="0">
-                    <a:schemeClr val="bg2"/>
-                  </a:outerShdw>
-                </a:effectLst>
-              </a14:hiddenEffects>
-            </a:ext>
-          </a:extLst>
-        </p:spPr>
-        <p:txBody>
-          <a:bodyPr lIns="95343" tIns="47672" rIns="95343" bIns="47672">
-            <a:spAutoFit/>
-          </a:bodyPr>
-          <a:lstStyle>
-            <a:lvl1pPr defTabSz="865188">
-              <a:defRPr sz="2400">
-                <a:solidFill>
-                  <a:schemeClr val="tx1"/>
-                </a:solidFill>
-                <a:latin typeface="Times" pitchFamily="2" charset="0"/>
-              </a:defRPr>
-            </a:lvl1pPr>
-            <a:lvl2pPr marL="431800" defTabSz="865188">
-              <a:defRPr sz="2400">
-                <a:solidFill>
-                  <a:schemeClr val="tx1"/>
-                </a:solidFill>
-                <a:latin typeface="Times" pitchFamily="2" charset="0"/>
-              </a:defRPr>
-            </a:lvl2pPr>
-            <a:lvl3pPr marL="865188" defTabSz="865188">
-              <a:defRPr sz="2400">
-                <a:solidFill>
-                  <a:schemeClr val="tx1"/>
-                </a:solidFill>
-                <a:latin typeface="Times" pitchFamily="2" charset="0"/>
-              </a:defRPr>
-            </a:lvl3pPr>
-            <a:lvl4pPr marL="1296988" defTabSz="865188">
-              <a:defRPr sz="2400">
-                <a:solidFill>
-                  <a:schemeClr val="tx1"/>
-                </a:solidFill>
-                <a:latin typeface="Times" pitchFamily="2" charset="0"/>
-              </a:defRPr>
-            </a:lvl4pPr>
-            <a:lvl5pPr marL="1730375" defTabSz="865188">
-              <a:defRPr sz="2400">
-                <a:solidFill>
-                  <a:schemeClr val="tx1"/>
-                </a:solidFill>
-                <a:latin typeface="Times" pitchFamily="2" charset="0"/>
-              </a:defRPr>
-            </a:lvl5pPr>
-            <a:lvl6pPr marL="2187575" defTabSz="865188" eaLnBrk="0" fontAlgn="base" hangingPunct="0">
-              <a:spcBef>
-                <a:spcPct val="0"/>
-              </a:spcBef>
-              <a:spcAft>
-                <a:spcPct val="0"/>
-              </a:spcAft>
-              <a:defRPr sz="2400">
-                <a:solidFill>
-                  <a:schemeClr val="tx1"/>
-                </a:solidFill>
-                <a:latin typeface="Times" pitchFamily="2" charset="0"/>
-              </a:defRPr>
-            </a:lvl6pPr>
-            <a:lvl7pPr marL="2644775" defTabSz="865188" eaLnBrk="0" fontAlgn="base" hangingPunct="0">
-              <a:spcBef>
-                <a:spcPct val="0"/>
-              </a:spcBef>
-              <a:spcAft>
-                <a:spcPct val="0"/>
-              </a:spcAft>
-              <a:defRPr sz="2400">
-                <a:solidFill>
-                  <a:schemeClr val="tx1"/>
-                </a:solidFill>
-                <a:latin typeface="Times" pitchFamily="2" charset="0"/>
-              </a:defRPr>
-            </a:lvl7pPr>
-            <a:lvl8pPr marL="3101975" defTabSz="865188" eaLnBrk="0" fontAlgn="base" hangingPunct="0">
-              <a:spcBef>
-                <a:spcPct val="0"/>
-              </a:spcBef>
-              <a:spcAft>
-                <a:spcPct val="0"/>
-              </a:spcAft>
-              <a:defRPr sz="2400">
-                <a:solidFill>
-                  <a:schemeClr val="tx1"/>
-                </a:solidFill>
-                <a:latin typeface="Times" pitchFamily="2" charset="0"/>
-              </a:defRPr>
-            </a:lvl8pPr>
-            <a:lvl9pPr marL="3559175" defTabSz="865188" eaLnBrk="0" fontAlgn="base" hangingPunct="0">
-              <a:spcBef>
-                <a:spcPct val="0"/>
-              </a:spcBef>
-              <a:spcAft>
-                <a:spcPct val="0"/>
-              </a:spcAft>
-              <a:defRPr sz="2400">
-                <a:solidFill>
-                  <a:schemeClr val="tx1"/>
-                </a:solidFill>
-                <a:latin typeface="Times" pitchFamily="2" charset="0"/>
-              </a:defRPr>
-            </a:lvl9pPr>
-          </a:lstStyle>
-          <a:p>
-            <a:pPr marL="0" marR="0" lvl="0" indent="0" algn="l" defTabSz="953697" rtl="0" eaLnBrk="0" fontAlgn="base" latinLnBrk="0" hangingPunct="0">
-              <a:lnSpc>
-                <a:spcPct val="100000"/>
-              </a:lnSpc>
-              <a:spcBef>
-                <a:spcPct val="0"/>
-              </a:spcBef>
-              <a:spcAft>
-                <a:spcPct val="0"/>
-              </a:spcAft>
-              <a:buClrTx/>
-              <a:buSzTx/>
-              <a:buFont typeface="Times New Roman" panose="02020603050405020304" pitchFamily="18" charset="0"/>
-              <a:buNone/>
-              <a:tabLst/>
-              <a:defRPr/>
-            </a:pPr>
-            <a:r>
-              <a:rPr kumimoji="0" lang="en-US" altLang="en-US" sz="2535" b="0" i="0" u="none" strike="noStrike" kern="1200" cap="none" spc="0" normalizeH="0" baseline="0" noProof="0">
-                <a:ln>
-                  <a:noFill/>
-                </a:ln>
-                <a:solidFill>
-                  <a:srgbClr val="000000"/>
-                </a:solidFill>
-                <a:effectLst/>
-                <a:uLnTx/>
-                <a:uFillTx/>
-                <a:latin typeface="Times" pitchFamily="2" charset="0"/>
-                <a:ea typeface="+mn-ea"/>
-                <a:cs typeface="Arial"/>
-              </a:rPr>
-              <a:t>Process P</a:t>
-            </a:r>
-            <a:r>
-              <a:rPr kumimoji="0" lang="en-US" altLang="en-US" sz="2535" b="0" i="0" u="none" strike="noStrike" kern="1200" cap="none" spc="0" normalizeH="0" baseline="-25000" noProof="0">
-                <a:ln>
-                  <a:noFill/>
-                </a:ln>
-                <a:solidFill>
-                  <a:srgbClr val="000000"/>
-                </a:solidFill>
-                <a:effectLst/>
-                <a:uLnTx/>
-                <a:uFillTx/>
-                <a:latin typeface="Times" pitchFamily="2" charset="0"/>
-                <a:ea typeface="+mn-ea"/>
-                <a:cs typeface="Arial"/>
-              </a:rPr>
-              <a:t>1</a:t>
-            </a:r>
-            <a:endParaRPr kumimoji="0" lang="en-US" altLang="en-US" sz="1874" b="0" i="0" u="none" strike="noStrike" kern="1200" cap="none" spc="0" normalizeH="0" baseline="0" noProof="0">
-              <a:ln>
-                <a:noFill/>
-              </a:ln>
-              <a:solidFill>
-                <a:srgbClr val="000000"/>
-              </a:solidFill>
-              <a:effectLst/>
-              <a:uLnTx/>
-              <a:uFillTx/>
-              <a:latin typeface="Courier" pitchFamily="2" charset="0"/>
-              <a:ea typeface="+mn-ea"/>
-              <a:cs typeface="Arial"/>
-            </a:endParaRPr>
-          </a:p>
-          <a:p>
-            <a:pPr marL="0" marR="0" lvl="0" indent="0" algn="l" defTabSz="953697" rtl="0" eaLnBrk="0" fontAlgn="base" latinLnBrk="0" hangingPunct="0">
-              <a:lnSpc>
-                <a:spcPct val="100000"/>
-              </a:lnSpc>
-              <a:spcBef>
-                <a:spcPct val="0"/>
-              </a:spcBef>
-              <a:spcAft>
-                <a:spcPct val="0"/>
-              </a:spcAft>
-              <a:buClrTx/>
-              <a:buSzTx/>
-              <a:buFont typeface="Times New Roman" panose="02020603050405020304" pitchFamily="18" charset="0"/>
-              <a:buNone/>
-              <a:tabLst/>
-              <a:defRPr/>
-            </a:pPr>
-            <a:r>
-              <a:rPr kumimoji="0" lang="en-US" altLang="en-US" sz="1874" b="0" i="0" u="none" strike="noStrike" kern="1200" cap="none" spc="0" normalizeH="0" baseline="0" noProof="0">
-                <a:ln>
-                  <a:noFill/>
-                </a:ln>
-                <a:solidFill>
-                  <a:srgbClr val="000000"/>
-                </a:solidFill>
-                <a:effectLst/>
-                <a:uLnTx/>
-                <a:uFillTx/>
-                <a:latin typeface="Courier" pitchFamily="2" charset="0"/>
-                <a:ea typeface="+mn-ea"/>
-                <a:cs typeface="Arial"/>
-              </a:rPr>
-              <a:t>   .</a:t>
-            </a:r>
-          </a:p>
-          <a:p>
-            <a:pPr marL="0" marR="0" lvl="0" indent="0" algn="l" defTabSz="953697" rtl="0" eaLnBrk="0" fontAlgn="base" latinLnBrk="0" hangingPunct="0">
-              <a:lnSpc>
-                <a:spcPct val="100000"/>
-              </a:lnSpc>
-              <a:spcBef>
-                <a:spcPct val="0"/>
-              </a:spcBef>
-              <a:spcAft>
-                <a:spcPct val="0"/>
-              </a:spcAft>
-              <a:buClrTx/>
-              <a:buSzTx/>
-              <a:buFont typeface="Times New Roman" panose="02020603050405020304" pitchFamily="18" charset="0"/>
-              <a:buNone/>
-              <a:tabLst/>
-              <a:defRPr/>
-            </a:pPr>
-            <a:r>
-              <a:rPr kumimoji="0" lang="en-US" altLang="en-US" sz="1874" b="0" i="0" u="none" strike="noStrike" kern="1200" cap="none" spc="0" normalizeH="0" baseline="0" noProof="0">
-                <a:ln>
-                  <a:noFill/>
-                </a:ln>
-                <a:solidFill>
-                  <a:srgbClr val="000000"/>
-                </a:solidFill>
-                <a:effectLst/>
-                <a:uLnTx/>
-                <a:uFillTx/>
-                <a:latin typeface="Courier" pitchFamily="2" charset="0"/>
-                <a:ea typeface="+mn-ea"/>
-                <a:cs typeface="Arial"/>
-              </a:rPr>
-              <a:t>   .</a:t>
-            </a:r>
-          </a:p>
-          <a:p>
-            <a:pPr marL="0" marR="0" lvl="0" indent="0" algn="l" defTabSz="953697" rtl="0" eaLnBrk="0" fontAlgn="base" latinLnBrk="0" hangingPunct="0">
-              <a:lnSpc>
-                <a:spcPct val="100000"/>
-              </a:lnSpc>
-              <a:spcBef>
-                <a:spcPct val="0"/>
-              </a:spcBef>
-              <a:spcAft>
-                <a:spcPct val="0"/>
-              </a:spcAft>
-              <a:buClrTx/>
-              <a:buSzTx/>
-              <a:buFont typeface="Times New Roman" panose="02020603050405020304" pitchFamily="18" charset="0"/>
-              <a:buNone/>
-              <a:tabLst/>
-              <a:defRPr/>
-            </a:pPr>
-            <a:r>
-              <a:rPr kumimoji="0" lang="en-US" altLang="en-US" sz="1874" b="0" i="0" u="none" strike="noStrike" kern="1200" cap="none" spc="0" normalizeH="0" baseline="0" noProof="0">
-                <a:ln>
-                  <a:noFill/>
-                </a:ln>
-                <a:solidFill>
-                  <a:srgbClr val="000000"/>
-                </a:solidFill>
-                <a:effectLst/>
-                <a:uLnTx/>
-                <a:uFillTx/>
-                <a:latin typeface="Courier" pitchFamily="2" charset="0"/>
-                <a:ea typeface="+mn-ea"/>
-                <a:cs typeface="Arial"/>
-              </a:rPr>
-              <a:t>   .</a:t>
-            </a:r>
-          </a:p>
-          <a:p>
-            <a:pPr marL="0" marR="0" lvl="0" indent="0" algn="l" defTabSz="953697" rtl="0" eaLnBrk="0" fontAlgn="base" latinLnBrk="0" hangingPunct="0">
-              <a:lnSpc>
-                <a:spcPct val="100000"/>
-              </a:lnSpc>
-              <a:spcBef>
-                <a:spcPct val="0"/>
-              </a:spcBef>
-              <a:spcAft>
-                <a:spcPct val="0"/>
-              </a:spcAft>
-              <a:buClrTx/>
-              <a:buSzTx/>
-              <a:buFont typeface="Times New Roman" panose="02020603050405020304" pitchFamily="18" charset="0"/>
-              <a:buNone/>
-              <a:tabLst/>
-              <a:defRPr/>
-            </a:pPr>
-            <a:r>
-              <a:rPr kumimoji="0" lang="en-US" altLang="en-US" sz="1874" b="0" i="0" u="none" strike="noStrike" kern="1200" cap="none" spc="0" normalizeH="0" baseline="0" noProof="0">
-                <a:ln>
-                  <a:noFill/>
-                </a:ln>
-                <a:solidFill>
-                  <a:srgbClr val="000000"/>
-                </a:solidFill>
-                <a:effectLst/>
-                <a:uLnTx/>
-                <a:uFillTx/>
-                <a:latin typeface="Courier" pitchFamily="2" charset="0"/>
-                <a:ea typeface="+mn-ea"/>
-                <a:cs typeface="Arial"/>
-              </a:rPr>
-              <a:t>flag.down ();</a:t>
-            </a:r>
-          </a:p>
-          <a:p>
-            <a:pPr marL="0" marR="0" lvl="0" indent="0" algn="l" defTabSz="953697" rtl="0" eaLnBrk="0" fontAlgn="base" latinLnBrk="0" hangingPunct="0">
-              <a:lnSpc>
-                <a:spcPct val="100000"/>
-              </a:lnSpc>
-              <a:spcBef>
-                <a:spcPct val="0"/>
-              </a:spcBef>
-              <a:spcAft>
-                <a:spcPct val="0"/>
-              </a:spcAft>
-              <a:buClrTx/>
-              <a:buSzTx/>
-              <a:buFont typeface="Times New Roman" panose="02020603050405020304" pitchFamily="18" charset="0"/>
-              <a:buNone/>
-              <a:tabLst/>
-              <a:defRPr/>
-            </a:pPr>
-            <a:r>
-              <a:rPr kumimoji="0" lang="en-US" altLang="en-US" sz="1874" b="0" i="0" u="none" strike="noStrike" kern="1200" cap="none" spc="0" normalizeH="0" baseline="0" noProof="0">
-                <a:ln>
-                  <a:noFill/>
-                </a:ln>
-                <a:solidFill>
-                  <a:srgbClr val="000000"/>
-                </a:solidFill>
-                <a:effectLst/>
-                <a:uLnTx/>
-                <a:uFillTx/>
-                <a:latin typeface="Courier" pitchFamily="2" charset="0"/>
-                <a:ea typeface="+mn-ea"/>
-                <a:cs typeface="Arial"/>
-              </a:rPr>
-              <a:t>// Execute code for B</a:t>
-            </a:r>
-          </a:p>
-        </p:txBody>
-      </p:sp>
-      <p:sp>
-        <p:nvSpPr>
-          <p:cNvPr id="103428" name="Text Box 4">
-            <a:extLst>
-              <a:ext uri="{FF2B5EF4-FFF2-40B4-BE49-F238E27FC236}">
-                <a16:creationId xmlns:a16="http://schemas.microsoft.com/office/drawing/2014/main" id="{A91BC9E7-33A1-9347-899F-CCEFE80B5E85}"/>
-              </a:ext>
-            </a:extLst>
-          </p:cNvPr>
-          <p:cNvSpPr txBox="1">
-            <a:spLocks noChangeArrowheads="1"/>
-          </p:cNvSpPr>
-          <p:nvPr/>
-        </p:nvSpPr>
-        <p:spPr bwMode="auto">
-          <a:xfrm>
-            <a:off x="2880906" y="3149864"/>
-            <a:ext cx="4240068" cy="1063206"/>
-          </a:xfrm>
-          <a:prstGeom prst="rect">
-            <a:avLst/>
-          </a:prstGeom>
-          <a:noFill/>
-          <a:ln w="6350">
-            <a:solidFill>
-              <a:schemeClr val="tx1"/>
-            </a:solidFill>
-            <a:miter lim="800000"/>
-            <a:headEnd/>
-            <a:tailEnd/>
-          </a:ln>
-          <a:effectLst/>
-          <a:extLst>
-            <a:ext uri="{909E8E84-426E-40DD-AFC4-6F175D3DCCD1}">
-              <a14:hiddenFill xmlns:a14="http://schemas.microsoft.com/office/drawing/2010/main">
-                <a:solidFill>
-                  <a:schemeClr val="accent1"/>
-                </a:solidFill>
-              </a14:hiddenFill>
-            </a:ext>
-            <a:ext uri="{AF507438-7753-43E0-B8FC-AC1667EBCBE1}">
-              <a14:hiddenEffects xmlns:a14="http://schemas.microsoft.com/office/drawing/2010/main">
-                <a:effectLst>
-                  <a:outerShdw dist="35921" dir="2700000" algn="ctr" rotWithShape="0">
-                    <a:schemeClr val="bg2"/>
-                  </a:outerShdw>
-                </a:effectLst>
-              </a14:hiddenEffects>
-            </a:ext>
-          </a:extLst>
-        </p:spPr>
-        <p:txBody>
-          <a:bodyPr lIns="95343" tIns="47672" rIns="95343" bIns="47672">
-            <a:spAutoFit/>
-          </a:bodyPr>
-          <a:lstStyle>
-            <a:lvl1pPr defTabSz="865188">
-              <a:defRPr sz="2400">
-                <a:solidFill>
-                  <a:schemeClr val="tx1"/>
-                </a:solidFill>
-                <a:latin typeface="Times" pitchFamily="2" charset="0"/>
-              </a:defRPr>
-            </a:lvl1pPr>
-            <a:lvl2pPr marL="431800" defTabSz="865188">
-              <a:defRPr sz="2400">
-                <a:solidFill>
-                  <a:schemeClr val="tx1"/>
-                </a:solidFill>
-                <a:latin typeface="Times" pitchFamily="2" charset="0"/>
-              </a:defRPr>
-            </a:lvl2pPr>
-            <a:lvl3pPr marL="865188" defTabSz="865188">
-              <a:defRPr sz="2400">
-                <a:solidFill>
-                  <a:schemeClr val="tx1"/>
-                </a:solidFill>
-                <a:latin typeface="Times" pitchFamily="2" charset="0"/>
-              </a:defRPr>
-            </a:lvl3pPr>
-            <a:lvl4pPr marL="1296988" defTabSz="865188">
-              <a:defRPr sz="2400">
-                <a:solidFill>
-                  <a:schemeClr val="tx1"/>
-                </a:solidFill>
-                <a:latin typeface="Times" pitchFamily="2" charset="0"/>
-              </a:defRPr>
-            </a:lvl4pPr>
-            <a:lvl5pPr marL="1730375" defTabSz="865188">
-              <a:defRPr sz="2400">
-                <a:solidFill>
-                  <a:schemeClr val="tx1"/>
-                </a:solidFill>
-                <a:latin typeface="Times" pitchFamily="2" charset="0"/>
-              </a:defRPr>
-            </a:lvl5pPr>
-            <a:lvl6pPr marL="2187575" defTabSz="865188" eaLnBrk="0" fontAlgn="base" hangingPunct="0">
-              <a:spcBef>
-                <a:spcPct val="0"/>
-              </a:spcBef>
-              <a:spcAft>
-                <a:spcPct val="0"/>
-              </a:spcAft>
-              <a:defRPr sz="2400">
-                <a:solidFill>
-                  <a:schemeClr val="tx1"/>
-                </a:solidFill>
-                <a:latin typeface="Times" pitchFamily="2" charset="0"/>
-              </a:defRPr>
-            </a:lvl6pPr>
-            <a:lvl7pPr marL="2644775" defTabSz="865188" eaLnBrk="0" fontAlgn="base" hangingPunct="0">
-              <a:spcBef>
-                <a:spcPct val="0"/>
-              </a:spcBef>
-              <a:spcAft>
-                <a:spcPct val="0"/>
-              </a:spcAft>
-              <a:defRPr sz="2400">
-                <a:solidFill>
-                  <a:schemeClr val="tx1"/>
-                </a:solidFill>
-                <a:latin typeface="Times" pitchFamily="2" charset="0"/>
-              </a:defRPr>
-            </a:lvl7pPr>
-            <a:lvl8pPr marL="3101975" defTabSz="865188" eaLnBrk="0" fontAlgn="base" hangingPunct="0">
-              <a:spcBef>
-                <a:spcPct val="0"/>
-              </a:spcBef>
-              <a:spcAft>
-                <a:spcPct val="0"/>
-              </a:spcAft>
-              <a:defRPr sz="2400">
-                <a:solidFill>
-                  <a:schemeClr val="tx1"/>
-                </a:solidFill>
-                <a:latin typeface="Times" pitchFamily="2" charset="0"/>
-              </a:defRPr>
-            </a:lvl8pPr>
-            <a:lvl9pPr marL="3559175" defTabSz="865188" eaLnBrk="0" fontAlgn="base" hangingPunct="0">
-              <a:spcBef>
-                <a:spcPct val="0"/>
-              </a:spcBef>
-              <a:spcAft>
-                <a:spcPct val="0"/>
-              </a:spcAft>
-              <a:defRPr sz="2400">
-                <a:solidFill>
-                  <a:schemeClr val="tx1"/>
-                </a:solidFill>
-                <a:latin typeface="Times" pitchFamily="2" charset="0"/>
-              </a:defRPr>
-            </a:lvl9pPr>
-          </a:lstStyle>
-          <a:p>
-            <a:pPr marL="0" marR="0" lvl="0" indent="0" algn="l" defTabSz="953697" rtl="0" eaLnBrk="0" fontAlgn="base" latinLnBrk="0" hangingPunct="0">
-              <a:lnSpc>
-                <a:spcPct val="100000"/>
-              </a:lnSpc>
-              <a:spcBef>
-                <a:spcPct val="0"/>
-              </a:spcBef>
-              <a:spcAft>
-                <a:spcPct val="0"/>
-              </a:spcAft>
-              <a:buClrTx/>
-              <a:buSzTx/>
-              <a:buFont typeface="Times New Roman" panose="02020603050405020304" pitchFamily="18" charset="0"/>
-              <a:buNone/>
-              <a:tabLst/>
-              <a:defRPr/>
-            </a:pPr>
-            <a:r>
-              <a:rPr kumimoji="0" lang="en-US" altLang="en-US" sz="2535" b="0" i="0" u="none" strike="noStrike" kern="1200" cap="none" spc="0" normalizeH="0" baseline="0" noProof="0" dirty="0">
-                <a:ln>
-                  <a:noFill/>
-                </a:ln>
-                <a:solidFill>
-                  <a:srgbClr val="000000"/>
-                </a:solidFill>
-                <a:effectLst/>
-                <a:uLnTx/>
-                <a:uFillTx/>
-                <a:latin typeface="Times" pitchFamily="2" charset="0"/>
-                <a:ea typeface="+mn-ea"/>
-                <a:cs typeface="Arial"/>
-              </a:rPr>
-              <a:t>Shared variables</a:t>
-            </a:r>
-            <a:endParaRPr kumimoji="0" lang="en-US" altLang="en-US" sz="1874" b="0" i="0" u="none" strike="noStrike" kern="1200" cap="none" spc="0" normalizeH="0" baseline="0" noProof="0" dirty="0">
-              <a:ln>
-                <a:noFill/>
-              </a:ln>
-              <a:solidFill>
-                <a:srgbClr val="000000"/>
-              </a:solidFill>
-              <a:effectLst/>
-              <a:uLnTx/>
-              <a:uFillTx/>
-              <a:latin typeface="Courier" pitchFamily="2" charset="0"/>
-              <a:ea typeface="+mn-ea"/>
-              <a:cs typeface="Arial"/>
-            </a:endParaRPr>
-          </a:p>
-          <a:p>
-            <a:pPr marL="0" marR="0" lvl="0" indent="0" algn="l" defTabSz="953697" rtl="0" eaLnBrk="0" fontAlgn="base" latinLnBrk="0" hangingPunct="0">
-              <a:lnSpc>
-                <a:spcPct val="100000"/>
-              </a:lnSpc>
-              <a:spcBef>
-                <a:spcPct val="0"/>
-              </a:spcBef>
-              <a:spcAft>
-                <a:spcPct val="0"/>
-              </a:spcAft>
-              <a:buClrTx/>
-              <a:buSzTx/>
-              <a:buFont typeface="Times New Roman" panose="02020603050405020304" pitchFamily="18" charset="0"/>
-              <a:buNone/>
-              <a:tabLst/>
-              <a:defRPr/>
-            </a:pPr>
-            <a:r>
-              <a:rPr kumimoji="0" lang="en-US" altLang="en-US" sz="1874" b="0" i="0" u="none" strike="noStrike" kern="1200" cap="none" spc="0" normalizeH="0" baseline="0" noProof="0" dirty="0">
-                <a:ln>
-                  <a:noFill/>
-                </a:ln>
-                <a:solidFill>
-                  <a:srgbClr val="000000"/>
-                </a:solidFill>
-                <a:effectLst/>
-                <a:uLnTx/>
-                <a:uFillTx/>
-                <a:latin typeface="Courier" pitchFamily="2" charset="0"/>
-                <a:ea typeface="+mn-ea"/>
-                <a:cs typeface="Arial"/>
-              </a:rPr>
-              <a:t>// flag initialized to 0</a:t>
-            </a:r>
-          </a:p>
-          <a:p>
-            <a:pPr marL="0" marR="0" lvl="0" indent="0" algn="l" defTabSz="953697" rtl="0" eaLnBrk="0" fontAlgn="base" latinLnBrk="0" hangingPunct="0">
-              <a:lnSpc>
-                <a:spcPct val="100000"/>
-              </a:lnSpc>
-              <a:spcBef>
-                <a:spcPct val="0"/>
-              </a:spcBef>
-              <a:spcAft>
-                <a:spcPct val="0"/>
-              </a:spcAft>
-              <a:buClrTx/>
-              <a:buSzTx/>
-              <a:buFont typeface="Times New Roman" panose="02020603050405020304" pitchFamily="18" charset="0"/>
-              <a:buNone/>
-              <a:tabLst/>
-              <a:defRPr/>
-            </a:pPr>
-            <a:r>
-              <a:rPr kumimoji="0" lang="en-US" altLang="en-US" sz="1874" b="0" i="0" u="none" strike="noStrike" kern="1200" cap="none" spc="0" normalizeH="0" baseline="0" noProof="0" dirty="0">
-                <a:ln>
-                  <a:noFill/>
-                </a:ln>
-                <a:solidFill>
-                  <a:srgbClr val="000000"/>
-                </a:solidFill>
-                <a:effectLst/>
-                <a:uLnTx/>
-                <a:uFillTx/>
-                <a:latin typeface="Courier" pitchFamily="2" charset="0"/>
-                <a:ea typeface="+mn-ea"/>
-                <a:cs typeface="Arial"/>
-              </a:rPr>
-              <a:t>Semaphore flag(0);</a:t>
-            </a:r>
-          </a:p>
-        </p:txBody>
-      </p:sp>
-    </p:spTree>
-    <p:extLst>
-      <p:ext uri="{BB962C8B-B14F-4D97-AF65-F5344CB8AC3E}">
-        <p14:creationId xmlns:p14="http://schemas.microsoft.com/office/powerpoint/2010/main" val="3848335379"/>
-      </p:ext>
-    </p:extLst>
-  </p:cSld>
-  <p:clrMapOvr>
-    <a:masterClrMapping/>
-  </p:clrMapOvr>
-</p:sld>
-</file>
-
-<file path=ppt/slides/slide13.xml><?xml version="1.0" encoding="utf-8"?>
-<p:sld xmlns:a="http://schemas.openxmlformats.org/drawingml/2006/main" xmlns:r="http://schemas.openxmlformats.org/officeDocument/2006/relationships" xmlns:p="http://schemas.openxmlformats.org/presentationml/2006/main">
-  <p:cSld>
-    <p:spTree>
-      <p:nvGrpSpPr>
-        <p:cNvPr id="1" name=""/>
-        <p:cNvGrpSpPr/>
-        <p:nvPr/>
-      </p:nvGrpSpPr>
-      <p:grpSpPr>
-        <a:xfrm>
-          <a:off x="0" y="0"/>
-          <a:ext cx="0" cy="0"/>
-          <a:chOff x="0" y="0"/>
-          <a:chExt cx="0" cy="0"/>
-        </a:xfrm>
-      </p:grpSpPr>
-      <p:sp>
-        <p:nvSpPr>
-          <p:cNvPr id="104450" name="Rectangle 2">
-            <a:extLst>
-              <a:ext uri="{FF2B5EF4-FFF2-40B4-BE49-F238E27FC236}">
-                <a16:creationId xmlns:a16="http://schemas.microsoft.com/office/drawing/2014/main" id="{EB53BFD2-2569-C440-A78C-F70A1D185BE8}"/>
-              </a:ext>
-            </a:extLst>
-          </p:cNvPr>
-          <p:cNvSpPr>
-            <a:spLocks noGrp="1" noChangeArrowheads="1"/>
-          </p:cNvSpPr>
-          <p:nvPr>
-            <p:ph type="title"/>
-          </p:nvPr>
-        </p:nvSpPr>
-        <p:spPr/>
-        <p:txBody>
-          <a:bodyPr/>
-          <a:lstStyle/>
-          <a:p>
-            <a:r>
-              <a:rPr lang="en-US" altLang="en-US"/>
-              <a:t>Types of semaphores</a:t>
-            </a:r>
-          </a:p>
-        </p:txBody>
-      </p:sp>
-      <p:sp>
-        <p:nvSpPr>
-          <p:cNvPr id="104451" name="Rectangle 3">
-            <a:extLst>
-              <a:ext uri="{FF2B5EF4-FFF2-40B4-BE49-F238E27FC236}">
-                <a16:creationId xmlns:a16="http://schemas.microsoft.com/office/drawing/2014/main" id="{36A9E868-CE41-B547-B6C1-87C325B8A1FF}"/>
-              </a:ext>
-            </a:extLst>
-          </p:cNvPr>
-          <p:cNvSpPr>
-            <a:spLocks noGrp="1" noChangeArrowheads="1"/>
-          </p:cNvSpPr>
-          <p:nvPr>
-            <p:ph idx="1"/>
-          </p:nvPr>
-        </p:nvSpPr>
-        <p:spPr/>
-        <p:txBody>
-          <a:bodyPr/>
-          <a:lstStyle/>
-          <a:p>
-            <a:r>
-              <a:rPr lang="en-US" altLang="en-US"/>
-              <a:t>Two different types of semaphores</a:t>
-            </a:r>
-          </a:p>
-          <a:p>
-            <a:pPr lvl="1"/>
-            <a:r>
-              <a:rPr lang="en-US" altLang="en-US"/>
-              <a:t>Counting semaphores</a:t>
-            </a:r>
-          </a:p>
-          <a:p>
-            <a:pPr lvl="1"/>
-            <a:r>
-              <a:rPr lang="en-US" altLang="en-US"/>
-              <a:t>Binary semaphores</a:t>
-            </a:r>
-          </a:p>
-          <a:p>
-            <a:r>
-              <a:rPr lang="en-US" altLang="en-US"/>
-              <a:t>Counting semaphore</a:t>
-            </a:r>
-          </a:p>
-          <a:p>
-            <a:pPr lvl="1"/>
-            <a:r>
-              <a:rPr lang="en-US" altLang="en-US"/>
-              <a:t>Value can range over an unrestricted range</a:t>
-            </a:r>
-          </a:p>
-          <a:p>
-            <a:r>
-              <a:rPr lang="en-US" altLang="en-US"/>
-              <a:t>Binary semaphore</a:t>
-            </a:r>
-          </a:p>
-          <a:p>
-            <a:pPr lvl="1"/>
-            <a:r>
-              <a:rPr lang="en-US" altLang="en-US"/>
-              <a:t>Only two values possible</a:t>
-            </a:r>
-          </a:p>
-          <a:p>
-            <a:pPr lvl="2"/>
-            <a:r>
-              <a:rPr lang="en-US" altLang="en-US"/>
-              <a:t>1 means the semaphore is available</a:t>
-            </a:r>
-          </a:p>
-          <a:p>
-            <a:pPr lvl="2"/>
-            <a:r>
-              <a:rPr lang="en-US" altLang="en-US"/>
-              <a:t>0 means a process has acquired the semaphore</a:t>
-            </a:r>
-          </a:p>
-          <a:p>
-            <a:pPr lvl="1"/>
-            <a:r>
-              <a:rPr lang="en-US" altLang="en-US"/>
-              <a:t>May be simpler to implement</a:t>
-            </a:r>
-          </a:p>
-          <a:p>
-            <a:r>
-              <a:rPr lang="en-US" altLang="en-US"/>
-              <a:t>Possible to implement one type using the other</a:t>
-            </a:r>
-          </a:p>
-        </p:txBody>
-      </p:sp>
-      <p:sp>
-        <p:nvSpPr>
-          <p:cNvPr id="4" name="Footer Placeholder 3">
-            <a:extLst>
-              <a:ext uri="{FF2B5EF4-FFF2-40B4-BE49-F238E27FC236}">
-                <a16:creationId xmlns:a16="http://schemas.microsoft.com/office/drawing/2014/main" id="{D286E859-8EBE-914A-BE43-1BFE745BB03C}"/>
-              </a:ext>
-            </a:extLst>
-          </p:cNvPr>
-          <p:cNvSpPr>
-            <a:spLocks noGrp="1"/>
-          </p:cNvSpPr>
-          <p:nvPr>
-            <p:ph type="ftr" idx="11"/>
-          </p:nvPr>
-        </p:nvSpPr>
-        <p:spPr/>
-        <p:txBody>
-          <a:bodyPr/>
-          <a:lstStyle/>
-          <a:p>
-            <a:pPr marL="0" marR="0" lvl="0" indent="0" algn="ctr" defTabSz="1007943" rtl="0" eaLnBrk="1" fontAlgn="base" latinLnBrk="0" hangingPunct="0">
-              <a:lnSpc>
-                <a:spcPct val="100000"/>
-              </a:lnSpc>
-              <a:spcBef>
-                <a:spcPct val="0"/>
-              </a:spcBef>
-              <a:spcAft>
-                <a:spcPct val="0"/>
-              </a:spcAft>
-              <a:buClrTx/>
-              <a:buSzTx/>
-              <a:buFont typeface="Times New Roman" pitchFamily="16" charset="0"/>
-              <a:buNone/>
-              <a:tabLst>
-                <a:tab pos="0" algn="l"/>
-                <a:tab pos="457200" algn="l"/>
-                <a:tab pos="914400" algn="l"/>
-                <a:tab pos="1371600" algn="l"/>
-                <a:tab pos="1828800" algn="l"/>
-                <a:tab pos="2286000" algn="l"/>
-                <a:tab pos="2743200" algn="l"/>
-                <a:tab pos="3200400" algn="l"/>
-                <a:tab pos="3657600" algn="l"/>
-                <a:tab pos="4114800" algn="l"/>
-                <a:tab pos="4572000" algn="l"/>
-                <a:tab pos="5029200" algn="l"/>
-                <a:tab pos="5486400" algn="l"/>
-                <a:tab pos="5943600" algn="l"/>
-                <a:tab pos="6400800" algn="l"/>
-                <a:tab pos="6858000" algn="l"/>
-                <a:tab pos="7315200" algn="l"/>
-                <a:tab pos="7772400" algn="l"/>
-                <a:tab pos="8229600" algn="l"/>
-                <a:tab pos="8686800" algn="l"/>
-                <a:tab pos="9144000" algn="l"/>
-              </a:tabLst>
-              <a:defRPr/>
-            </a:pPr>
-            <a:r>
-              <a:rPr kumimoji="0" lang="en-US" altLang="en-US" sz="1400" b="0" i="0" u="none" strike="noStrike" kern="1200" cap="none" spc="0" normalizeH="0" baseline="0" noProof="0">
-                <a:ln>
-                  <a:noFill/>
-                </a:ln>
-                <a:solidFill>
-                  <a:srgbClr val="000000"/>
-                </a:solidFill>
-                <a:effectLst/>
-                <a:uLnTx/>
-                <a:uFillTx/>
-                <a:latin typeface="Arial"/>
-                <a:ea typeface="+mn-ea"/>
-                <a:cs typeface="Arial"/>
-              </a:rPr>
-              <a:t>CS/COE 1550 – Operating Systems – Sherif Khattab</a:t>
-            </a:r>
-          </a:p>
-        </p:txBody>
-      </p:sp>
-      <p:sp>
-        <p:nvSpPr>
-          <p:cNvPr id="5" name="Slide Number Placeholder 4">
-            <a:extLst>
-              <a:ext uri="{FF2B5EF4-FFF2-40B4-BE49-F238E27FC236}">
-                <a16:creationId xmlns:a16="http://schemas.microsoft.com/office/drawing/2014/main" id="{BB0DD3E4-3515-714D-878B-FD1CC73773E4}"/>
-              </a:ext>
-            </a:extLst>
-          </p:cNvPr>
-          <p:cNvSpPr>
-            <a:spLocks noGrp="1"/>
-          </p:cNvSpPr>
-          <p:nvPr>
-            <p:ph type="sldNum" idx="12"/>
-          </p:nvPr>
-        </p:nvSpPr>
-        <p:spPr/>
-        <p:txBody>
-          <a:bodyPr/>
-          <a:lstStyle/>
-          <a:p>
-            <a:pPr marL="0" marR="0" lvl="0" indent="0" algn="r" defTabSz="1007943" rtl="0" eaLnBrk="1" fontAlgn="base" latinLnBrk="0" hangingPunct="0">
-              <a:lnSpc>
-                <a:spcPct val="100000"/>
-              </a:lnSpc>
-              <a:spcBef>
-                <a:spcPct val="0"/>
-              </a:spcBef>
-              <a:spcAft>
-                <a:spcPct val="0"/>
-              </a:spcAft>
-              <a:buClrTx/>
-              <a:buSzTx/>
-              <a:buFont typeface="Times New Roman" panose="02020603050405020304" pitchFamily="18" charset="0"/>
-              <a:buNone/>
-              <a:tabLst/>
-              <a:defRPr/>
-            </a:pPr>
-            <a:fld id="{5847A42B-C57F-E347-9E1D-10291908E987}" type="slidenum">
-              <a:rPr kumimoji="0" lang="en-US" altLang="en-US" sz="1400" b="0" i="0" u="none" strike="noStrike" kern="1200" cap="none" spc="0" normalizeH="0" baseline="0" noProof="0">
-                <a:ln>
-                  <a:noFill/>
-                </a:ln>
-                <a:solidFill>
-                  <a:srgbClr val="000000"/>
-                </a:solidFill>
-                <a:effectLst/>
-                <a:uLnTx/>
-                <a:uFillTx/>
-                <a:latin typeface="Arial"/>
-                <a:ea typeface="+mn-ea"/>
-                <a:cs typeface="Arial"/>
-              </a:rPr>
-              <a:pPr marL="0" marR="0" lvl="0" indent="0" algn="r" defTabSz="1007943" rtl="0" eaLnBrk="1" fontAlgn="base" latinLnBrk="0" hangingPunct="0">
-                <a:lnSpc>
-                  <a:spcPct val="100000"/>
-                </a:lnSpc>
-                <a:spcBef>
-                  <a:spcPct val="0"/>
-                </a:spcBef>
-                <a:spcAft>
-                  <a:spcPct val="0"/>
-                </a:spcAft>
-                <a:buClrTx/>
-                <a:buSzTx/>
-                <a:buFont typeface="Times New Roman" panose="02020603050405020304" pitchFamily="18" charset="0"/>
-                <a:buNone/>
-                <a:tabLst/>
-                <a:defRPr/>
-              </a:pPr>
-              <a:t>13</a:t>
-            </a:fld>
-            <a:endParaRPr kumimoji="0" lang="en-US" altLang="en-US" sz="1400" b="0" i="0" u="none" strike="noStrike" kern="1200" cap="none" spc="0" normalizeH="0" baseline="0" noProof="0">
-              <a:ln>
-                <a:noFill/>
-              </a:ln>
-              <a:solidFill>
-                <a:srgbClr val="000000"/>
-              </a:solidFill>
-              <a:effectLst/>
-              <a:uLnTx/>
-              <a:uFillTx/>
-              <a:latin typeface="Arial"/>
-              <a:ea typeface="+mn-ea"/>
-              <a:cs typeface="Arial"/>
-            </a:endParaRPr>
-          </a:p>
-        </p:txBody>
-      </p:sp>
-    </p:spTree>
-    <p:extLst>
-      <p:ext uri="{BB962C8B-B14F-4D97-AF65-F5344CB8AC3E}">
-        <p14:creationId xmlns:p14="http://schemas.microsoft.com/office/powerpoint/2010/main" val="3161117264"/>
-      </p:ext>
-    </p:extLst>
-  </p:cSld>
-  <p:clrMapOvr>
-    <a:masterClrMapping/>
-  </p:clrMapOvr>
-</p:sld>
-</file>
-
-<file path=ppt/slides/slide14.xml><?xml version="1.0" encoding="utf-8"?>
-<p:sld xmlns:a="http://schemas.openxmlformats.org/drawingml/2006/main" xmlns:r="http://schemas.openxmlformats.org/officeDocument/2006/relationships" xmlns:p="http://schemas.openxmlformats.org/presentationml/2006/main">
-  <p:cSld>
-    <p:spTree>
-      <p:nvGrpSpPr>
-        <p:cNvPr id="1" name=""/>
-        <p:cNvGrpSpPr/>
-        <p:nvPr/>
-      </p:nvGrpSpPr>
-      <p:grpSpPr>
-        <a:xfrm>
-          <a:off x="0" y="0"/>
-          <a:ext cx="0" cy="0"/>
-          <a:chOff x="0" y="0"/>
-          <a:chExt cx="0" cy="0"/>
-        </a:xfrm>
-      </p:grpSpPr>
-      <p:sp>
-        <p:nvSpPr>
-          <p:cNvPr id="2" name="Title 1">
-            <a:extLst>
-              <a:ext uri="{FF2B5EF4-FFF2-40B4-BE49-F238E27FC236}">
-                <a16:creationId xmlns:a16="http://schemas.microsoft.com/office/drawing/2014/main" id="{3BD3413F-6868-458B-BDB5-4C663C7953C2}"/>
-              </a:ext>
-            </a:extLst>
-          </p:cNvPr>
-          <p:cNvSpPr>
-            <a:spLocks noGrp="1"/>
-          </p:cNvSpPr>
-          <p:nvPr>
-            <p:ph type="title"/>
-          </p:nvPr>
-        </p:nvSpPr>
-        <p:spPr/>
-        <p:txBody>
-          <a:bodyPr>
-            <a:noAutofit/>
-          </a:bodyPr>
-          <a:lstStyle/>
-          <a:p>
-            <a:r>
-              <a:rPr lang="en-US" sz="2800" dirty="0"/>
-              <a:t>Semaphore Usage Problem: Compromising Mutual Exclusion</a:t>
-            </a:r>
-          </a:p>
-        </p:txBody>
-      </p:sp>
-      <p:sp>
-        <p:nvSpPr>
-          <p:cNvPr id="3" name="Content Placeholder 2">
-            <a:extLst>
-              <a:ext uri="{FF2B5EF4-FFF2-40B4-BE49-F238E27FC236}">
-                <a16:creationId xmlns:a16="http://schemas.microsoft.com/office/drawing/2014/main" id="{80D7DCF8-D0B1-4FAC-AB7E-388730635948}"/>
-              </a:ext>
-            </a:extLst>
-          </p:cNvPr>
-          <p:cNvSpPr>
-            <a:spLocks noGrp="1"/>
-          </p:cNvSpPr>
-          <p:nvPr>
-            <p:ph idx="1"/>
-          </p:nvPr>
-        </p:nvSpPr>
-        <p:spPr/>
-        <p:txBody>
-          <a:bodyPr/>
-          <a:lstStyle/>
-          <a:p>
-            <a:r>
-              <a:rPr lang="en-US" dirty="0"/>
-              <a:t>Any process can up() the semaphore</a:t>
-            </a:r>
-          </a:p>
-          <a:p>
-            <a:endParaRPr lang="en-US" dirty="0"/>
-          </a:p>
-          <a:p>
-            <a:endParaRPr lang="en-US" dirty="0"/>
-          </a:p>
-          <a:p>
-            <a:endParaRPr lang="en-US" dirty="0"/>
-          </a:p>
-          <a:p>
-            <a:endParaRPr lang="en-US" dirty="0"/>
-          </a:p>
-          <a:p>
-            <a:endParaRPr lang="en-US" dirty="0"/>
-          </a:p>
-          <a:p>
-            <a:r>
-              <a:rPr lang="en-US" dirty="0"/>
-              <a:t>Solution: A </a:t>
-            </a:r>
-            <a:r>
-              <a:rPr lang="en-US" b="1" dirty="0"/>
-              <a:t>Mutex</a:t>
-            </a:r>
-            <a:r>
-              <a:rPr lang="en-US" dirty="0"/>
-              <a:t> can be up()’d only by the same process that down()’d it</a:t>
-            </a:r>
-          </a:p>
-        </p:txBody>
-      </p:sp>
-      <p:sp>
-        <p:nvSpPr>
-          <p:cNvPr id="4" name="Footer Placeholder 3">
-            <a:extLst>
-              <a:ext uri="{FF2B5EF4-FFF2-40B4-BE49-F238E27FC236}">
-                <a16:creationId xmlns:a16="http://schemas.microsoft.com/office/drawing/2014/main" id="{C68DACC1-0680-4586-9359-C43F3787F20A}"/>
-              </a:ext>
-            </a:extLst>
-          </p:cNvPr>
-          <p:cNvSpPr>
-            <a:spLocks noGrp="1"/>
-          </p:cNvSpPr>
-          <p:nvPr>
-            <p:ph type="ftr" idx="11"/>
-          </p:nvPr>
-        </p:nvSpPr>
-        <p:spPr/>
-        <p:txBody>
-          <a:bodyPr/>
-          <a:lstStyle/>
-          <a:p>
-            <a:pPr>
-              <a:defRPr/>
-            </a:pPr>
-            <a:r>
-              <a:rPr lang="en-US">
-                <a:latin typeface="+mn-lt"/>
-              </a:rPr>
-              <a:t>CS/COE 1550 – Operating Systems – Sherif Khattab</a:t>
-            </a:r>
-            <a:endParaRPr lang="en-GB" dirty="0"/>
-          </a:p>
-        </p:txBody>
-      </p:sp>
-      <p:sp>
-        <p:nvSpPr>
-          <p:cNvPr id="5" name="Slide Number Placeholder 4">
-            <a:extLst>
-              <a:ext uri="{FF2B5EF4-FFF2-40B4-BE49-F238E27FC236}">
-                <a16:creationId xmlns:a16="http://schemas.microsoft.com/office/drawing/2014/main" id="{56313D3E-746A-4972-81F2-2FEA88DE4F84}"/>
-              </a:ext>
-            </a:extLst>
-          </p:cNvPr>
-          <p:cNvSpPr>
-            <a:spLocks noGrp="1"/>
-          </p:cNvSpPr>
-          <p:nvPr>
-            <p:ph type="sldNum" idx="12"/>
-          </p:nvPr>
-        </p:nvSpPr>
-        <p:spPr/>
-        <p:txBody>
-          <a:bodyPr/>
-          <a:lstStyle/>
-          <a:p>
-            <a:fld id="{65E435D9-63B0-4660-8D04-E83F5E2CA2AE}" type="slidenum">
-              <a:rPr lang="en-GB" altLang="en-US" smtClean="0"/>
-              <a:pPr/>
-              <a:t>14</a:t>
-            </a:fld>
-            <a:endParaRPr lang="en-GB" altLang="en-US" dirty="0"/>
-          </a:p>
-        </p:txBody>
-      </p:sp>
-      <p:pic>
-        <p:nvPicPr>
-          <p:cNvPr id="7" name="Picture 6">
-            <a:extLst>
-              <a:ext uri="{FF2B5EF4-FFF2-40B4-BE49-F238E27FC236}">
-                <a16:creationId xmlns:a16="http://schemas.microsoft.com/office/drawing/2014/main" id="{4201D6AF-33D2-4017-8DBD-878E4F209F08}"/>
-              </a:ext>
-            </a:extLst>
-          </p:cNvPr>
-          <p:cNvPicPr>
-            <a:picLocks noChangeAspect="1"/>
-          </p:cNvPicPr>
-          <p:nvPr/>
-        </p:nvPicPr>
-        <p:blipFill>
-          <a:blip r:embed="rId2"/>
-          <a:stretch>
-            <a:fillRect/>
-          </a:stretch>
-        </p:blipFill>
-        <p:spPr>
-          <a:xfrm>
-            <a:off x="1637968" y="1224502"/>
-            <a:ext cx="5008989" cy="3339994"/>
-          </a:xfrm>
-          <a:prstGeom prst="rect">
-            <a:avLst/>
-          </a:prstGeom>
-        </p:spPr>
-      </p:pic>
-    </p:spTree>
-    <p:extLst>
-      <p:ext uri="{BB962C8B-B14F-4D97-AF65-F5344CB8AC3E}">
-        <p14:creationId xmlns:p14="http://schemas.microsoft.com/office/powerpoint/2010/main" val="2782489002"/>
-      </p:ext>
-    </p:extLst>
-  </p:cSld>
-  <p:clrMapOvr>
-    <a:masterClrMapping/>
-  </p:clrMapOvr>
-</p:sld>
-</file>
-
-<file path=ppt/slides/slide15.xml><?xml version="1.0" encoding="utf-8"?>
-<p:sld xmlns:a="http://schemas.openxmlformats.org/drawingml/2006/main" xmlns:r="http://schemas.openxmlformats.org/officeDocument/2006/relationships" xmlns:p="http://schemas.openxmlformats.org/presentationml/2006/main">
-  <p:cSld>
-    <p:spTree>
-      <p:nvGrpSpPr>
-        <p:cNvPr id="1" name=""/>
-        <p:cNvGrpSpPr/>
-        <p:nvPr/>
-      </p:nvGrpSpPr>
-      <p:grpSpPr>
-        <a:xfrm>
-          <a:off x="0" y="0"/>
-          <a:ext cx="0" cy="0"/>
-          <a:chOff x="0" y="0"/>
-          <a:chExt cx="0" cy="0"/>
-        </a:xfrm>
-      </p:grpSpPr>
-      <p:sp>
-        <p:nvSpPr>
-          <p:cNvPr id="114693" name="Rectangle 5">
-            <a:extLst>
-              <a:ext uri="{FF2B5EF4-FFF2-40B4-BE49-F238E27FC236}">
-                <a16:creationId xmlns:a16="http://schemas.microsoft.com/office/drawing/2014/main" id="{2AAD9DE3-45D5-A249-B337-D99D281826B9}"/>
-              </a:ext>
-            </a:extLst>
-          </p:cNvPr>
-          <p:cNvSpPr>
-            <a:spLocks noGrp="1" noChangeArrowheads="1"/>
-          </p:cNvSpPr>
-          <p:nvPr>
-            <p:ph type="title"/>
-          </p:nvPr>
-        </p:nvSpPr>
-        <p:spPr/>
-        <p:txBody>
-          <a:bodyPr>
-            <a:noAutofit/>
-          </a:bodyPr>
-          <a:lstStyle/>
-          <a:p>
-            <a:r>
-              <a:rPr lang="en-US" sz="3200" dirty="0"/>
-              <a:t>Semaphore Usage Problem: Deadlock and Starvation</a:t>
-            </a:r>
-            <a:endParaRPr lang="en-US" altLang="en-US" sz="3200" dirty="0"/>
-          </a:p>
-        </p:txBody>
-      </p:sp>
-      <p:sp>
-        <p:nvSpPr>
-          <p:cNvPr id="114694" name="Rectangle 6">
-            <a:extLst>
-              <a:ext uri="{FF2B5EF4-FFF2-40B4-BE49-F238E27FC236}">
-                <a16:creationId xmlns:a16="http://schemas.microsoft.com/office/drawing/2014/main" id="{BBDAC104-BD98-9A47-A516-EE144AE2C4FF}"/>
-              </a:ext>
-            </a:extLst>
-          </p:cNvPr>
-          <p:cNvSpPr>
-            <a:spLocks noGrp="1" noChangeArrowheads="1"/>
-          </p:cNvSpPr>
-          <p:nvPr>
-            <p:ph idx="1"/>
-          </p:nvPr>
-        </p:nvSpPr>
-        <p:spPr>
-          <a:xfrm>
-            <a:off x="0" y="775504"/>
-            <a:ext cx="5193364" cy="6506358"/>
-          </a:xfrm>
-        </p:spPr>
-        <p:txBody>
-          <a:bodyPr/>
-          <a:lstStyle/>
-          <a:p>
-            <a:r>
-              <a:rPr lang="en-US" altLang="en-US" sz="1984" dirty="0"/>
-              <a:t>Deadlock: two or more processes are waiting indefinitely for an event that can only be caused by a waiting process</a:t>
-            </a:r>
-          </a:p>
-          <a:p>
-            <a:pPr lvl="1"/>
-            <a:r>
-              <a:rPr lang="en-US" altLang="en-US" sz="1764" dirty="0"/>
-              <a:t>P0 gets A, needs B</a:t>
-            </a:r>
-          </a:p>
-          <a:p>
-            <a:pPr lvl="1"/>
-            <a:r>
-              <a:rPr lang="en-US" altLang="en-US" sz="1764" dirty="0"/>
-              <a:t>P1 gets B, needs A</a:t>
-            </a:r>
-          </a:p>
-          <a:p>
-            <a:pPr lvl="1"/>
-            <a:r>
-              <a:rPr lang="en-US" altLang="en-US" sz="1764" dirty="0"/>
-              <a:t>Each process waiting for the other to signal</a:t>
-            </a:r>
-          </a:p>
-          <a:p>
-            <a:r>
-              <a:rPr lang="en-US" altLang="en-US" sz="1984" dirty="0"/>
-              <a:t>Starvation: indefinite blocking</a:t>
-            </a:r>
-          </a:p>
-          <a:p>
-            <a:pPr lvl="1"/>
-            <a:r>
-              <a:rPr lang="en-US" altLang="en-US" sz="1764" dirty="0"/>
-              <a:t>Process is never removed from the semaphore queue in which its suspended</a:t>
-            </a:r>
-          </a:p>
-          <a:p>
-            <a:pPr lvl="1"/>
-            <a:r>
-              <a:rPr lang="en-US" altLang="en-US" sz="1764" dirty="0"/>
-              <a:t>May be caused by ordering in queues (priority) </a:t>
-            </a:r>
-          </a:p>
-        </p:txBody>
-      </p:sp>
-      <p:sp>
-        <p:nvSpPr>
-          <p:cNvPr id="7" name="Footer Placeholder 4">
-            <a:extLst>
-              <a:ext uri="{FF2B5EF4-FFF2-40B4-BE49-F238E27FC236}">
-                <a16:creationId xmlns:a16="http://schemas.microsoft.com/office/drawing/2014/main" id="{0E336C6B-24E5-C547-995B-7595329F8449}"/>
-              </a:ext>
-            </a:extLst>
-          </p:cNvPr>
-          <p:cNvSpPr>
-            <a:spLocks noGrp="1"/>
-          </p:cNvSpPr>
-          <p:nvPr>
-            <p:ph type="ftr" idx="11"/>
-          </p:nvPr>
-        </p:nvSpPr>
-        <p:spPr/>
-        <p:txBody>
-          <a:bodyPr/>
-          <a:lstStyle/>
-          <a:p>
-            <a:pPr marL="0" marR="0" lvl="0" indent="0" algn="ctr" defTabSz="1007943" rtl="0" eaLnBrk="1" fontAlgn="base" latinLnBrk="0" hangingPunct="0">
-              <a:lnSpc>
-                <a:spcPct val="100000"/>
-              </a:lnSpc>
-              <a:spcBef>
-                <a:spcPct val="0"/>
-              </a:spcBef>
-              <a:spcAft>
-                <a:spcPct val="0"/>
-              </a:spcAft>
-              <a:buClrTx/>
-              <a:buSzTx/>
-              <a:buFont typeface="Times New Roman" pitchFamily="16" charset="0"/>
-              <a:buNone/>
-              <a:tabLst>
-                <a:tab pos="0" algn="l"/>
-                <a:tab pos="457200" algn="l"/>
-                <a:tab pos="914400" algn="l"/>
-                <a:tab pos="1371600" algn="l"/>
-                <a:tab pos="1828800" algn="l"/>
-                <a:tab pos="2286000" algn="l"/>
-                <a:tab pos="2743200" algn="l"/>
-                <a:tab pos="3200400" algn="l"/>
-                <a:tab pos="3657600" algn="l"/>
-                <a:tab pos="4114800" algn="l"/>
-                <a:tab pos="4572000" algn="l"/>
-                <a:tab pos="5029200" algn="l"/>
-                <a:tab pos="5486400" algn="l"/>
-                <a:tab pos="5943600" algn="l"/>
-                <a:tab pos="6400800" algn="l"/>
-                <a:tab pos="6858000" algn="l"/>
-                <a:tab pos="7315200" algn="l"/>
-                <a:tab pos="7772400" algn="l"/>
-                <a:tab pos="8229600" algn="l"/>
-                <a:tab pos="8686800" algn="l"/>
-                <a:tab pos="9144000" algn="l"/>
-              </a:tabLst>
-              <a:defRPr/>
-            </a:pPr>
-            <a:r>
-              <a:rPr kumimoji="0" lang="en-US" altLang="en-US" sz="1400" b="0" i="0" u="none" strike="noStrike" kern="1200" cap="none" spc="0" normalizeH="0" baseline="0" noProof="0">
-                <a:ln>
-                  <a:noFill/>
-                </a:ln>
-                <a:solidFill>
-                  <a:srgbClr val="000000"/>
-                </a:solidFill>
-                <a:effectLst/>
-                <a:uLnTx/>
-                <a:uFillTx/>
-                <a:latin typeface="Arial"/>
-                <a:ea typeface="+mn-ea"/>
-                <a:cs typeface="Arial"/>
-              </a:rPr>
-              <a:t>CS/COE 1550 – Operating Systems – Sherif Khattab</a:t>
-            </a:r>
-          </a:p>
-        </p:txBody>
-      </p:sp>
-      <p:sp>
-        <p:nvSpPr>
-          <p:cNvPr id="8" name="Slide Number Placeholder 5">
-            <a:extLst>
-              <a:ext uri="{FF2B5EF4-FFF2-40B4-BE49-F238E27FC236}">
-                <a16:creationId xmlns:a16="http://schemas.microsoft.com/office/drawing/2014/main" id="{E0264D84-51E2-CF40-866C-B9902608A9A7}"/>
-              </a:ext>
-            </a:extLst>
-          </p:cNvPr>
-          <p:cNvSpPr>
-            <a:spLocks noGrp="1"/>
-          </p:cNvSpPr>
-          <p:nvPr>
-            <p:ph type="sldNum" idx="12"/>
-          </p:nvPr>
-        </p:nvSpPr>
-        <p:spPr/>
-        <p:txBody>
-          <a:bodyPr/>
-          <a:lstStyle/>
-          <a:p>
-            <a:pPr marL="0" marR="0" lvl="0" indent="0" algn="r" defTabSz="1007943" rtl="0" eaLnBrk="1" fontAlgn="base" latinLnBrk="0" hangingPunct="0">
-              <a:lnSpc>
-                <a:spcPct val="100000"/>
-              </a:lnSpc>
-              <a:spcBef>
-                <a:spcPct val="0"/>
-              </a:spcBef>
-              <a:spcAft>
-                <a:spcPct val="0"/>
-              </a:spcAft>
-              <a:buClrTx/>
-              <a:buSzTx/>
-              <a:buFont typeface="Times New Roman" panose="02020603050405020304" pitchFamily="18" charset="0"/>
-              <a:buNone/>
-              <a:tabLst/>
-              <a:defRPr/>
-            </a:pPr>
-            <a:fld id="{E337E8CE-DEE4-9F4D-8381-0482A1B8891D}" type="slidenum">
-              <a:rPr kumimoji="0" lang="en-US" altLang="en-US" sz="1400" b="0" i="0" u="none" strike="noStrike" kern="1200" cap="none" spc="0" normalizeH="0" baseline="0" noProof="0">
-                <a:ln>
-                  <a:noFill/>
-                </a:ln>
-                <a:solidFill>
-                  <a:srgbClr val="000000"/>
-                </a:solidFill>
-                <a:effectLst/>
-                <a:uLnTx/>
-                <a:uFillTx/>
-                <a:latin typeface="Arial"/>
-                <a:ea typeface="+mn-ea"/>
-                <a:cs typeface="Arial"/>
-              </a:rPr>
-              <a:pPr marL="0" marR="0" lvl="0" indent="0" algn="r" defTabSz="1007943" rtl="0" eaLnBrk="1" fontAlgn="base" latinLnBrk="0" hangingPunct="0">
-                <a:lnSpc>
-                  <a:spcPct val="100000"/>
-                </a:lnSpc>
-                <a:spcBef>
-                  <a:spcPct val="0"/>
-                </a:spcBef>
-                <a:spcAft>
-                  <a:spcPct val="0"/>
-                </a:spcAft>
-                <a:buClrTx/>
-                <a:buSzTx/>
-                <a:buFont typeface="Times New Roman" panose="02020603050405020304" pitchFamily="18" charset="0"/>
-                <a:buNone/>
-                <a:tabLst/>
-                <a:defRPr/>
-              </a:pPr>
-              <a:t>15</a:t>
-            </a:fld>
-            <a:endParaRPr kumimoji="0" lang="en-US" altLang="en-US" sz="1400" b="0" i="0" u="none" strike="noStrike" kern="1200" cap="none" spc="0" normalizeH="0" baseline="0" noProof="0">
-              <a:ln>
-                <a:noFill/>
-              </a:ln>
-              <a:solidFill>
-                <a:srgbClr val="000000"/>
-              </a:solidFill>
-              <a:effectLst/>
-              <a:uLnTx/>
-              <a:uFillTx/>
-              <a:latin typeface="Arial"/>
-              <a:ea typeface="+mn-ea"/>
-              <a:cs typeface="Arial"/>
-            </a:endParaRPr>
-          </a:p>
-        </p:txBody>
-      </p:sp>
-      <p:sp>
-        <p:nvSpPr>
-          <p:cNvPr id="114690" name="Text Box 2">
-            <a:extLst>
-              <a:ext uri="{FF2B5EF4-FFF2-40B4-BE49-F238E27FC236}">
-                <a16:creationId xmlns:a16="http://schemas.microsoft.com/office/drawing/2014/main" id="{8A90C91A-62E9-3047-B42B-3324CC92C62C}"/>
-              </a:ext>
-            </a:extLst>
-          </p:cNvPr>
-          <p:cNvSpPr txBox="1">
-            <a:spLocks noChangeArrowheads="1"/>
-          </p:cNvSpPr>
-          <p:nvPr/>
-        </p:nvSpPr>
-        <p:spPr bwMode="auto">
-          <a:xfrm>
-            <a:off x="5544291" y="3071118"/>
-            <a:ext cx="1735925" cy="2505268"/>
-          </a:xfrm>
-          <a:prstGeom prst="rect">
-            <a:avLst/>
-          </a:prstGeom>
-          <a:noFill/>
-          <a:ln w="6350">
-            <a:solidFill>
-              <a:schemeClr val="tx1"/>
-            </a:solidFill>
-            <a:miter lim="800000"/>
-            <a:headEnd/>
-            <a:tailEnd/>
-          </a:ln>
-          <a:effectLst/>
-          <a:extLst>
-            <a:ext uri="{909E8E84-426E-40DD-AFC4-6F175D3DCCD1}">
-              <a14:hiddenFill xmlns:a14="http://schemas.microsoft.com/office/drawing/2010/main">
-                <a:solidFill>
-                  <a:schemeClr val="accent1"/>
-                </a:solidFill>
-              </a14:hiddenFill>
-            </a:ext>
-            <a:ext uri="{AF507438-7753-43E0-B8FC-AC1667EBCBE1}">
-              <a14:hiddenEffects xmlns:a14="http://schemas.microsoft.com/office/drawing/2010/main">
-                <a:effectLst>
-                  <a:outerShdw dist="35921" dir="2700000" algn="ctr" rotWithShape="0">
-                    <a:schemeClr val="bg2"/>
-                  </a:outerShdw>
-                </a:effectLst>
-              </a14:hiddenEffects>
-            </a:ext>
-          </a:extLst>
-        </p:spPr>
-        <p:txBody>
-          <a:bodyPr lIns="95343" tIns="47672" rIns="95343" bIns="47672">
-            <a:spAutoFit/>
-          </a:bodyPr>
-          <a:lstStyle>
-            <a:lvl1pPr defTabSz="865188">
-              <a:defRPr sz="2400">
-                <a:solidFill>
-                  <a:schemeClr val="tx1"/>
-                </a:solidFill>
-                <a:latin typeface="Times" pitchFamily="2" charset="0"/>
-              </a:defRPr>
-            </a:lvl1pPr>
-            <a:lvl2pPr marL="431800" defTabSz="865188">
-              <a:defRPr sz="2400">
-                <a:solidFill>
-                  <a:schemeClr val="tx1"/>
-                </a:solidFill>
-                <a:latin typeface="Times" pitchFamily="2" charset="0"/>
-              </a:defRPr>
-            </a:lvl2pPr>
-            <a:lvl3pPr marL="865188" defTabSz="865188">
-              <a:defRPr sz="2400">
-                <a:solidFill>
-                  <a:schemeClr val="tx1"/>
-                </a:solidFill>
-                <a:latin typeface="Times" pitchFamily="2" charset="0"/>
-              </a:defRPr>
-            </a:lvl3pPr>
-            <a:lvl4pPr marL="1296988" defTabSz="865188">
-              <a:defRPr sz="2400">
-                <a:solidFill>
-                  <a:schemeClr val="tx1"/>
-                </a:solidFill>
-                <a:latin typeface="Times" pitchFamily="2" charset="0"/>
-              </a:defRPr>
-            </a:lvl4pPr>
-            <a:lvl5pPr marL="1730375" defTabSz="865188">
-              <a:defRPr sz="2400">
-                <a:solidFill>
-                  <a:schemeClr val="tx1"/>
-                </a:solidFill>
-                <a:latin typeface="Times" pitchFamily="2" charset="0"/>
-              </a:defRPr>
-            </a:lvl5pPr>
-            <a:lvl6pPr marL="2187575" defTabSz="865188" eaLnBrk="0" fontAlgn="base" hangingPunct="0">
-              <a:spcBef>
-                <a:spcPct val="0"/>
-              </a:spcBef>
-              <a:spcAft>
-                <a:spcPct val="0"/>
-              </a:spcAft>
-              <a:defRPr sz="2400">
-                <a:solidFill>
-                  <a:schemeClr val="tx1"/>
-                </a:solidFill>
-                <a:latin typeface="Times" pitchFamily="2" charset="0"/>
-              </a:defRPr>
-            </a:lvl6pPr>
-            <a:lvl7pPr marL="2644775" defTabSz="865188" eaLnBrk="0" fontAlgn="base" hangingPunct="0">
-              <a:spcBef>
-                <a:spcPct val="0"/>
-              </a:spcBef>
-              <a:spcAft>
-                <a:spcPct val="0"/>
-              </a:spcAft>
-              <a:defRPr sz="2400">
-                <a:solidFill>
-                  <a:schemeClr val="tx1"/>
-                </a:solidFill>
-                <a:latin typeface="Times" pitchFamily="2" charset="0"/>
-              </a:defRPr>
-            </a:lvl7pPr>
-            <a:lvl8pPr marL="3101975" defTabSz="865188" eaLnBrk="0" fontAlgn="base" hangingPunct="0">
-              <a:spcBef>
-                <a:spcPct val="0"/>
-              </a:spcBef>
-              <a:spcAft>
-                <a:spcPct val="0"/>
-              </a:spcAft>
-              <a:defRPr sz="2400">
-                <a:solidFill>
-                  <a:schemeClr val="tx1"/>
-                </a:solidFill>
-                <a:latin typeface="Times" pitchFamily="2" charset="0"/>
-              </a:defRPr>
-            </a:lvl8pPr>
-            <a:lvl9pPr marL="3559175" defTabSz="865188" eaLnBrk="0" fontAlgn="base" hangingPunct="0">
-              <a:spcBef>
-                <a:spcPct val="0"/>
-              </a:spcBef>
-              <a:spcAft>
-                <a:spcPct val="0"/>
-              </a:spcAft>
-              <a:defRPr sz="2400">
-                <a:solidFill>
-                  <a:schemeClr val="tx1"/>
-                </a:solidFill>
-                <a:latin typeface="Times" pitchFamily="2" charset="0"/>
-              </a:defRPr>
-            </a:lvl9pPr>
-          </a:lstStyle>
-          <a:p>
-            <a:pPr marL="0" marR="0" lvl="0" indent="0" algn="l" defTabSz="953697" rtl="0" eaLnBrk="0" fontAlgn="base" latinLnBrk="0" hangingPunct="0">
-              <a:lnSpc>
-                <a:spcPct val="100000"/>
-              </a:lnSpc>
-              <a:spcBef>
-                <a:spcPct val="0"/>
-              </a:spcBef>
-              <a:spcAft>
-                <a:spcPct val="0"/>
-              </a:spcAft>
-              <a:buClrTx/>
-              <a:buSzTx/>
-              <a:buFont typeface="Times New Roman" panose="02020603050405020304" pitchFamily="18" charset="0"/>
-              <a:buNone/>
-              <a:tabLst/>
-              <a:defRPr/>
-            </a:pPr>
-            <a:r>
-              <a:rPr kumimoji="0" lang="en-US" altLang="en-US" sz="2535" b="0" i="0" u="none" strike="noStrike" kern="1200" cap="none" spc="0" normalizeH="0" baseline="0" noProof="0">
-                <a:ln>
-                  <a:noFill/>
-                </a:ln>
-                <a:solidFill>
-                  <a:srgbClr val="000000"/>
-                </a:solidFill>
-                <a:effectLst/>
-                <a:uLnTx/>
-                <a:uFillTx/>
-                <a:latin typeface="Times" pitchFamily="2" charset="0"/>
-                <a:ea typeface="+mn-ea"/>
-                <a:cs typeface="Arial"/>
-              </a:rPr>
-              <a:t>Process P</a:t>
-            </a:r>
-            <a:r>
-              <a:rPr kumimoji="0" lang="en-US" altLang="en-US" sz="2535" b="0" i="0" u="none" strike="noStrike" kern="1200" cap="none" spc="0" normalizeH="0" baseline="-25000" noProof="0">
-                <a:ln>
-                  <a:noFill/>
-                </a:ln>
-                <a:solidFill>
-                  <a:srgbClr val="000000"/>
-                </a:solidFill>
-                <a:effectLst/>
-                <a:uLnTx/>
-                <a:uFillTx/>
-                <a:latin typeface="Times" pitchFamily="2" charset="0"/>
-                <a:ea typeface="+mn-ea"/>
-                <a:cs typeface="Arial"/>
-              </a:rPr>
-              <a:t>0</a:t>
-            </a:r>
-            <a:endParaRPr kumimoji="0" lang="en-US" altLang="en-US" sz="1874" b="0" i="0" u="none" strike="noStrike" kern="1200" cap="none" spc="0" normalizeH="0" baseline="0" noProof="0">
-              <a:ln>
-                <a:noFill/>
-              </a:ln>
-              <a:solidFill>
-                <a:srgbClr val="000000"/>
-              </a:solidFill>
-              <a:effectLst/>
-              <a:uLnTx/>
-              <a:uFillTx/>
-              <a:latin typeface="Courier" pitchFamily="2" charset="0"/>
-              <a:ea typeface="+mn-ea"/>
-              <a:cs typeface="Arial"/>
-            </a:endParaRPr>
-          </a:p>
-          <a:p>
-            <a:pPr marL="0" marR="0" lvl="0" indent="0" algn="l" defTabSz="953697" rtl="0" eaLnBrk="0" fontAlgn="base" latinLnBrk="0" hangingPunct="0">
-              <a:lnSpc>
-                <a:spcPct val="100000"/>
-              </a:lnSpc>
-              <a:spcBef>
-                <a:spcPct val="0"/>
-              </a:spcBef>
-              <a:spcAft>
-                <a:spcPct val="0"/>
-              </a:spcAft>
-              <a:buClrTx/>
-              <a:buSzTx/>
-              <a:buFont typeface="Times New Roman" panose="02020603050405020304" pitchFamily="18" charset="0"/>
-              <a:buNone/>
-              <a:tabLst/>
-              <a:defRPr/>
-            </a:pPr>
-            <a:r>
-              <a:rPr kumimoji="0" lang="en-US" altLang="en-US" sz="1874" b="0" i="0" u="none" strike="noStrike" kern="1200" cap="none" spc="0" normalizeH="0" baseline="0" noProof="0">
-                <a:ln>
-                  <a:noFill/>
-                </a:ln>
-                <a:solidFill>
-                  <a:srgbClr val="000000"/>
-                </a:solidFill>
-                <a:effectLst/>
-                <a:uLnTx/>
-                <a:uFillTx/>
-                <a:latin typeface="Courier" pitchFamily="2" charset="0"/>
-                <a:ea typeface="+mn-ea"/>
-                <a:cs typeface="Arial"/>
-              </a:rPr>
-              <a:t>A.down();</a:t>
-            </a:r>
-          </a:p>
-          <a:p>
-            <a:pPr marL="0" marR="0" lvl="0" indent="0" algn="l" defTabSz="953697" rtl="0" eaLnBrk="0" fontAlgn="base" latinLnBrk="0" hangingPunct="0">
-              <a:lnSpc>
-                <a:spcPct val="100000"/>
-              </a:lnSpc>
-              <a:spcBef>
-                <a:spcPct val="0"/>
-              </a:spcBef>
-              <a:spcAft>
-                <a:spcPct val="0"/>
-              </a:spcAft>
-              <a:buClrTx/>
-              <a:buSzTx/>
-              <a:buFont typeface="Times New Roman" panose="02020603050405020304" pitchFamily="18" charset="0"/>
-              <a:buNone/>
-              <a:tabLst/>
-              <a:defRPr/>
-            </a:pPr>
-            <a:r>
-              <a:rPr kumimoji="0" lang="en-US" altLang="en-US" sz="1874" b="0" i="0" u="none" strike="noStrike" kern="1200" cap="none" spc="0" normalizeH="0" baseline="0" noProof="0">
-                <a:ln>
-                  <a:noFill/>
-                </a:ln>
-                <a:solidFill>
-                  <a:srgbClr val="000000"/>
-                </a:solidFill>
-                <a:effectLst/>
-                <a:uLnTx/>
-                <a:uFillTx/>
-                <a:latin typeface="Courier" pitchFamily="2" charset="0"/>
-                <a:ea typeface="+mn-ea"/>
-                <a:cs typeface="Arial"/>
-              </a:rPr>
-              <a:t>B.down();</a:t>
-            </a:r>
-          </a:p>
-          <a:p>
-            <a:pPr marL="0" marR="0" lvl="0" indent="0" algn="l" defTabSz="953697" rtl="0" eaLnBrk="0" fontAlgn="base" latinLnBrk="0" hangingPunct="0">
-              <a:lnSpc>
-                <a:spcPct val="100000"/>
-              </a:lnSpc>
-              <a:spcBef>
-                <a:spcPct val="0"/>
-              </a:spcBef>
-              <a:spcAft>
-                <a:spcPct val="0"/>
-              </a:spcAft>
-              <a:buClrTx/>
-              <a:buSzTx/>
-              <a:buFont typeface="Times New Roman" panose="02020603050405020304" pitchFamily="18" charset="0"/>
-              <a:buNone/>
-              <a:tabLst/>
-              <a:defRPr/>
-            </a:pPr>
-            <a:r>
-              <a:rPr kumimoji="0" lang="en-US" altLang="en-US" sz="1874" b="0" i="0" u="none" strike="noStrike" kern="1200" cap="none" spc="0" normalizeH="0" baseline="0" noProof="0">
-                <a:ln>
-                  <a:noFill/>
-                </a:ln>
-                <a:solidFill>
-                  <a:srgbClr val="000000"/>
-                </a:solidFill>
-                <a:effectLst/>
-                <a:uLnTx/>
-                <a:uFillTx/>
-                <a:latin typeface="Courier" pitchFamily="2" charset="0"/>
-                <a:ea typeface="+mn-ea"/>
-                <a:cs typeface="Arial"/>
-              </a:rPr>
-              <a:t>   .</a:t>
-            </a:r>
-          </a:p>
-          <a:p>
-            <a:pPr marL="0" marR="0" lvl="0" indent="0" algn="l" defTabSz="953697" rtl="0" eaLnBrk="0" fontAlgn="base" latinLnBrk="0" hangingPunct="0">
-              <a:lnSpc>
-                <a:spcPct val="100000"/>
-              </a:lnSpc>
-              <a:spcBef>
-                <a:spcPct val="0"/>
-              </a:spcBef>
-              <a:spcAft>
-                <a:spcPct val="0"/>
-              </a:spcAft>
-              <a:buClrTx/>
-              <a:buSzTx/>
-              <a:buFont typeface="Times New Roman" panose="02020603050405020304" pitchFamily="18" charset="0"/>
-              <a:buNone/>
-              <a:tabLst/>
-              <a:defRPr/>
-            </a:pPr>
-            <a:r>
-              <a:rPr kumimoji="0" lang="en-US" altLang="en-US" sz="1874" b="0" i="0" u="none" strike="noStrike" kern="1200" cap="none" spc="0" normalizeH="0" baseline="0" noProof="0">
-                <a:ln>
-                  <a:noFill/>
-                </a:ln>
-                <a:solidFill>
-                  <a:srgbClr val="000000"/>
-                </a:solidFill>
-                <a:effectLst/>
-                <a:uLnTx/>
-                <a:uFillTx/>
-                <a:latin typeface="Courier" pitchFamily="2" charset="0"/>
-                <a:ea typeface="+mn-ea"/>
-                <a:cs typeface="Arial"/>
-              </a:rPr>
-              <a:t>   .</a:t>
-            </a:r>
-          </a:p>
-          <a:p>
-            <a:pPr marL="0" marR="0" lvl="0" indent="0" algn="l" defTabSz="953697" rtl="0" eaLnBrk="0" fontAlgn="base" latinLnBrk="0" hangingPunct="0">
-              <a:lnSpc>
-                <a:spcPct val="100000"/>
-              </a:lnSpc>
-              <a:spcBef>
-                <a:spcPct val="0"/>
-              </a:spcBef>
-              <a:spcAft>
-                <a:spcPct val="0"/>
-              </a:spcAft>
-              <a:buClrTx/>
-              <a:buSzTx/>
-              <a:buFont typeface="Times New Roman" panose="02020603050405020304" pitchFamily="18" charset="0"/>
-              <a:buNone/>
-              <a:tabLst/>
-              <a:defRPr/>
-            </a:pPr>
-            <a:r>
-              <a:rPr kumimoji="0" lang="en-US" altLang="en-US" sz="1874" b="0" i="0" u="none" strike="noStrike" kern="1200" cap="none" spc="0" normalizeH="0" baseline="0" noProof="0">
-                <a:ln>
-                  <a:noFill/>
-                </a:ln>
-                <a:solidFill>
-                  <a:srgbClr val="000000"/>
-                </a:solidFill>
-                <a:effectLst/>
-                <a:uLnTx/>
-                <a:uFillTx/>
-                <a:latin typeface="Courier" pitchFamily="2" charset="0"/>
-                <a:ea typeface="+mn-ea"/>
-                <a:cs typeface="Arial"/>
-              </a:rPr>
-              <a:t>   .</a:t>
-            </a:r>
-          </a:p>
-          <a:p>
-            <a:pPr marL="0" marR="0" lvl="0" indent="0" algn="l" defTabSz="953697" rtl="0" eaLnBrk="0" fontAlgn="base" latinLnBrk="0" hangingPunct="0">
-              <a:lnSpc>
-                <a:spcPct val="100000"/>
-              </a:lnSpc>
-              <a:spcBef>
-                <a:spcPct val="0"/>
-              </a:spcBef>
-              <a:spcAft>
-                <a:spcPct val="0"/>
-              </a:spcAft>
-              <a:buClrTx/>
-              <a:buSzTx/>
-              <a:buFont typeface="Times New Roman" panose="02020603050405020304" pitchFamily="18" charset="0"/>
-              <a:buNone/>
-              <a:tabLst/>
-              <a:defRPr/>
-            </a:pPr>
-            <a:r>
-              <a:rPr kumimoji="0" lang="en-US" altLang="en-US" sz="1874" b="0" i="0" u="none" strike="noStrike" kern="1200" cap="none" spc="0" normalizeH="0" baseline="0" noProof="0">
-                <a:ln>
-                  <a:noFill/>
-                </a:ln>
-                <a:solidFill>
-                  <a:srgbClr val="000000"/>
-                </a:solidFill>
-                <a:effectLst/>
-                <a:uLnTx/>
-                <a:uFillTx/>
-                <a:latin typeface="Courier" pitchFamily="2" charset="0"/>
-                <a:ea typeface="+mn-ea"/>
-                <a:cs typeface="Arial"/>
-              </a:rPr>
-              <a:t>B.up();</a:t>
-            </a:r>
-          </a:p>
-          <a:p>
-            <a:pPr marL="0" marR="0" lvl="0" indent="0" algn="l" defTabSz="953697" rtl="0" eaLnBrk="0" fontAlgn="base" latinLnBrk="0" hangingPunct="0">
-              <a:lnSpc>
-                <a:spcPct val="100000"/>
-              </a:lnSpc>
-              <a:spcBef>
-                <a:spcPct val="0"/>
-              </a:spcBef>
-              <a:spcAft>
-                <a:spcPct val="0"/>
-              </a:spcAft>
-              <a:buClrTx/>
-              <a:buSzTx/>
-              <a:buFont typeface="Times New Roman" panose="02020603050405020304" pitchFamily="18" charset="0"/>
-              <a:buNone/>
-              <a:tabLst/>
-              <a:defRPr/>
-            </a:pPr>
-            <a:r>
-              <a:rPr kumimoji="0" lang="en-US" altLang="en-US" sz="1874" b="0" i="0" u="none" strike="noStrike" kern="1200" cap="none" spc="0" normalizeH="0" baseline="0" noProof="0">
-                <a:ln>
-                  <a:noFill/>
-                </a:ln>
-                <a:solidFill>
-                  <a:srgbClr val="000000"/>
-                </a:solidFill>
-                <a:effectLst/>
-                <a:uLnTx/>
-                <a:uFillTx/>
-                <a:latin typeface="Courier" pitchFamily="2" charset="0"/>
-                <a:ea typeface="+mn-ea"/>
-                <a:cs typeface="Arial"/>
-              </a:rPr>
-              <a:t>A.up();</a:t>
-            </a:r>
-          </a:p>
-        </p:txBody>
-      </p:sp>
-      <p:sp>
-        <p:nvSpPr>
-          <p:cNvPr id="114691" name="Text Box 3">
-            <a:extLst>
-              <a:ext uri="{FF2B5EF4-FFF2-40B4-BE49-F238E27FC236}">
-                <a16:creationId xmlns:a16="http://schemas.microsoft.com/office/drawing/2014/main" id="{2DBD1A57-BF08-1644-8297-2A67DFC96098}"/>
-              </a:ext>
-            </a:extLst>
-          </p:cNvPr>
-          <p:cNvSpPr txBox="1">
-            <a:spLocks noChangeArrowheads="1"/>
-          </p:cNvSpPr>
-          <p:nvPr/>
-        </p:nvSpPr>
-        <p:spPr bwMode="auto">
-          <a:xfrm>
-            <a:off x="7439460" y="3071118"/>
-            <a:ext cx="1716676" cy="2505268"/>
-          </a:xfrm>
-          <a:prstGeom prst="rect">
-            <a:avLst/>
-          </a:prstGeom>
-          <a:noFill/>
-          <a:ln w="6350">
-            <a:solidFill>
-              <a:schemeClr val="tx1"/>
-            </a:solidFill>
-            <a:miter lim="800000"/>
-            <a:headEnd/>
-            <a:tailEnd/>
-          </a:ln>
-          <a:effectLst/>
-          <a:extLst>
-            <a:ext uri="{909E8E84-426E-40DD-AFC4-6F175D3DCCD1}">
-              <a14:hiddenFill xmlns:a14="http://schemas.microsoft.com/office/drawing/2010/main">
-                <a:solidFill>
-                  <a:schemeClr val="accent1"/>
-                </a:solidFill>
-              </a14:hiddenFill>
-            </a:ext>
-            <a:ext uri="{AF507438-7753-43E0-B8FC-AC1667EBCBE1}">
-              <a14:hiddenEffects xmlns:a14="http://schemas.microsoft.com/office/drawing/2010/main">
-                <a:effectLst>
-                  <a:outerShdw dist="35921" dir="2700000" algn="ctr" rotWithShape="0">
-                    <a:schemeClr val="bg2"/>
-                  </a:outerShdw>
-                </a:effectLst>
-              </a14:hiddenEffects>
-            </a:ext>
-          </a:extLst>
-        </p:spPr>
-        <p:txBody>
-          <a:bodyPr lIns="95343" tIns="47672" rIns="95343" bIns="47672">
-            <a:spAutoFit/>
-          </a:bodyPr>
-          <a:lstStyle>
-            <a:lvl1pPr defTabSz="865188">
-              <a:defRPr sz="2400">
-                <a:solidFill>
-                  <a:schemeClr val="tx1"/>
-                </a:solidFill>
-                <a:latin typeface="Times" pitchFamily="2" charset="0"/>
-              </a:defRPr>
-            </a:lvl1pPr>
-            <a:lvl2pPr marL="431800" defTabSz="865188">
-              <a:defRPr sz="2400">
-                <a:solidFill>
-                  <a:schemeClr val="tx1"/>
-                </a:solidFill>
-                <a:latin typeface="Times" pitchFamily="2" charset="0"/>
-              </a:defRPr>
-            </a:lvl2pPr>
-            <a:lvl3pPr marL="865188" defTabSz="865188">
-              <a:defRPr sz="2400">
-                <a:solidFill>
-                  <a:schemeClr val="tx1"/>
-                </a:solidFill>
-                <a:latin typeface="Times" pitchFamily="2" charset="0"/>
-              </a:defRPr>
-            </a:lvl3pPr>
-            <a:lvl4pPr marL="1296988" defTabSz="865188">
-              <a:defRPr sz="2400">
-                <a:solidFill>
-                  <a:schemeClr val="tx1"/>
-                </a:solidFill>
-                <a:latin typeface="Times" pitchFamily="2" charset="0"/>
-              </a:defRPr>
-            </a:lvl4pPr>
-            <a:lvl5pPr marL="1730375" defTabSz="865188">
-              <a:defRPr sz="2400">
-                <a:solidFill>
-                  <a:schemeClr val="tx1"/>
-                </a:solidFill>
-                <a:latin typeface="Times" pitchFamily="2" charset="0"/>
-              </a:defRPr>
-            </a:lvl5pPr>
-            <a:lvl6pPr marL="2187575" defTabSz="865188" eaLnBrk="0" fontAlgn="base" hangingPunct="0">
-              <a:spcBef>
-                <a:spcPct val="0"/>
-              </a:spcBef>
-              <a:spcAft>
-                <a:spcPct val="0"/>
-              </a:spcAft>
-              <a:defRPr sz="2400">
-                <a:solidFill>
-                  <a:schemeClr val="tx1"/>
-                </a:solidFill>
-                <a:latin typeface="Times" pitchFamily="2" charset="0"/>
-              </a:defRPr>
-            </a:lvl6pPr>
-            <a:lvl7pPr marL="2644775" defTabSz="865188" eaLnBrk="0" fontAlgn="base" hangingPunct="0">
-              <a:spcBef>
-                <a:spcPct val="0"/>
-              </a:spcBef>
-              <a:spcAft>
-                <a:spcPct val="0"/>
-              </a:spcAft>
-              <a:defRPr sz="2400">
-                <a:solidFill>
-                  <a:schemeClr val="tx1"/>
-                </a:solidFill>
-                <a:latin typeface="Times" pitchFamily="2" charset="0"/>
-              </a:defRPr>
-            </a:lvl7pPr>
-            <a:lvl8pPr marL="3101975" defTabSz="865188" eaLnBrk="0" fontAlgn="base" hangingPunct="0">
-              <a:spcBef>
-                <a:spcPct val="0"/>
-              </a:spcBef>
-              <a:spcAft>
-                <a:spcPct val="0"/>
-              </a:spcAft>
-              <a:defRPr sz="2400">
-                <a:solidFill>
-                  <a:schemeClr val="tx1"/>
-                </a:solidFill>
-                <a:latin typeface="Times" pitchFamily="2" charset="0"/>
-              </a:defRPr>
-            </a:lvl8pPr>
-            <a:lvl9pPr marL="3559175" defTabSz="865188" eaLnBrk="0" fontAlgn="base" hangingPunct="0">
-              <a:spcBef>
-                <a:spcPct val="0"/>
-              </a:spcBef>
-              <a:spcAft>
-                <a:spcPct val="0"/>
-              </a:spcAft>
-              <a:defRPr sz="2400">
-                <a:solidFill>
-                  <a:schemeClr val="tx1"/>
-                </a:solidFill>
-                <a:latin typeface="Times" pitchFamily="2" charset="0"/>
-              </a:defRPr>
-            </a:lvl9pPr>
-          </a:lstStyle>
-          <a:p>
-            <a:pPr marL="0" marR="0" lvl="0" indent="0" algn="l" defTabSz="953697" rtl="0" eaLnBrk="0" fontAlgn="base" latinLnBrk="0" hangingPunct="0">
-              <a:lnSpc>
-                <a:spcPct val="100000"/>
-              </a:lnSpc>
-              <a:spcBef>
-                <a:spcPct val="0"/>
-              </a:spcBef>
-              <a:spcAft>
-                <a:spcPct val="0"/>
-              </a:spcAft>
-              <a:buClrTx/>
-              <a:buSzTx/>
-              <a:buFont typeface="Times New Roman" panose="02020603050405020304" pitchFamily="18" charset="0"/>
-              <a:buNone/>
-              <a:tabLst/>
-              <a:defRPr/>
-            </a:pPr>
-            <a:r>
-              <a:rPr kumimoji="0" lang="en-US" altLang="en-US" sz="2535" b="0" i="0" u="none" strike="noStrike" kern="1200" cap="none" spc="0" normalizeH="0" baseline="0" noProof="0">
-                <a:ln>
-                  <a:noFill/>
-                </a:ln>
-                <a:solidFill>
-                  <a:srgbClr val="000000"/>
-                </a:solidFill>
-                <a:effectLst/>
-                <a:uLnTx/>
-                <a:uFillTx/>
-                <a:latin typeface="Times" pitchFamily="2" charset="0"/>
-                <a:ea typeface="+mn-ea"/>
-                <a:cs typeface="Arial"/>
-              </a:rPr>
-              <a:t>Process P</a:t>
-            </a:r>
-            <a:r>
-              <a:rPr kumimoji="0" lang="en-US" altLang="en-US" sz="2535" b="0" i="0" u="none" strike="noStrike" kern="1200" cap="none" spc="0" normalizeH="0" baseline="-25000" noProof="0">
-                <a:ln>
-                  <a:noFill/>
-                </a:ln>
-                <a:solidFill>
-                  <a:srgbClr val="000000"/>
-                </a:solidFill>
-                <a:effectLst/>
-                <a:uLnTx/>
-                <a:uFillTx/>
-                <a:latin typeface="Times" pitchFamily="2" charset="0"/>
-                <a:ea typeface="+mn-ea"/>
-                <a:cs typeface="Arial"/>
-              </a:rPr>
-              <a:t>1</a:t>
-            </a:r>
-            <a:endParaRPr kumimoji="0" lang="en-US" altLang="en-US" sz="1874" b="0" i="0" u="none" strike="noStrike" kern="1200" cap="none" spc="0" normalizeH="0" baseline="0" noProof="0">
-              <a:ln>
-                <a:noFill/>
-              </a:ln>
-              <a:solidFill>
-                <a:srgbClr val="000000"/>
-              </a:solidFill>
-              <a:effectLst/>
-              <a:uLnTx/>
-              <a:uFillTx/>
-              <a:latin typeface="Courier" pitchFamily="2" charset="0"/>
-              <a:ea typeface="+mn-ea"/>
-              <a:cs typeface="Arial"/>
-            </a:endParaRPr>
-          </a:p>
-          <a:p>
-            <a:pPr marL="0" marR="0" lvl="0" indent="0" algn="l" defTabSz="953697" rtl="0" eaLnBrk="0" fontAlgn="base" latinLnBrk="0" hangingPunct="0">
-              <a:lnSpc>
-                <a:spcPct val="100000"/>
-              </a:lnSpc>
-              <a:spcBef>
-                <a:spcPct val="0"/>
-              </a:spcBef>
-              <a:spcAft>
-                <a:spcPct val="0"/>
-              </a:spcAft>
-              <a:buClrTx/>
-              <a:buSzTx/>
-              <a:buFont typeface="Times New Roman" panose="02020603050405020304" pitchFamily="18" charset="0"/>
-              <a:buNone/>
-              <a:tabLst/>
-              <a:defRPr/>
-            </a:pPr>
-            <a:r>
-              <a:rPr kumimoji="0" lang="en-US" altLang="en-US" sz="1874" b="0" i="0" u="none" strike="noStrike" kern="1200" cap="none" spc="0" normalizeH="0" baseline="0" noProof="0">
-                <a:ln>
-                  <a:noFill/>
-                </a:ln>
-                <a:solidFill>
-                  <a:srgbClr val="000000"/>
-                </a:solidFill>
-                <a:effectLst/>
-                <a:uLnTx/>
-                <a:uFillTx/>
-                <a:latin typeface="Courier" pitchFamily="2" charset="0"/>
-                <a:ea typeface="+mn-ea"/>
-                <a:cs typeface="Arial"/>
-              </a:rPr>
-              <a:t>B.down();</a:t>
-            </a:r>
-          </a:p>
-          <a:p>
-            <a:pPr marL="0" marR="0" lvl="0" indent="0" algn="l" defTabSz="953697" rtl="0" eaLnBrk="0" fontAlgn="base" latinLnBrk="0" hangingPunct="0">
-              <a:lnSpc>
-                <a:spcPct val="100000"/>
-              </a:lnSpc>
-              <a:spcBef>
-                <a:spcPct val="0"/>
-              </a:spcBef>
-              <a:spcAft>
-                <a:spcPct val="0"/>
-              </a:spcAft>
-              <a:buClrTx/>
-              <a:buSzTx/>
-              <a:buFont typeface="Times New Roman" panose="02020603050405020304" pitchFamily="18" charset="0"/>
-              <a:buNone/>
-              <a:tabLst/>
-              <a:defRPr/>
-            </a:pPr>
-            <a:r>
-              <a:rPr kumimoji="0" lang="en-US" altLang="en-US" sz="1874" b="0" i="0" u="none" strike="noStrike" kern="1200" cap="none" spc="0" normalizeH="0" baseline="0" noProof="0">
-                <a:ln>
-                  <a:noFill/>
-                </a:ln>
-                <a:solidFill>
-                  <a:srgbClr val="000000"/>
-                </a:solidFill>
-                <a:effectLst/>
-                <a:uLnTx/>
-                <a:uFillTx/>
-                <a:latin typeface="Courier" pitchFamily="2" charset="0"/>
-                <a:ea typeface="+mn-ea"/>
-                <a:cs typeface="Arial"/>
-              </a:rPr>
-              <a:t>A.down();</a:t>
-            </a:r>
-          </a:p>
-          <a:p>
-            <a:pPr marL="0" marR="0" lvl="0" indent="0" algn="l" defTabSz="953697" rtl="0" eaLnBrk="0" fontAlgn="base" latinLnBrk="0" hangingPunct="0">
-              <a:lnSpc>
-                <a:spcPct val="100000"/>
-              </a:lnSpc>
-              <a:spcBef>
-                <a:spcPct val="0"/>
-              </a:spcBef>
-              <a:spcAft>
-                <a:spcPct val="0"/>
-              </a:spcAft>
-              <a:buClrTx/>
-              <a:buSzTx/>
-              <a:buFont typeface="Times New Roman" panose="02020603050405020304" pitchFamily="18" charset="0"/>
-              <a:buNone/>
-              <a:tabLst/>
-              <a:defRPr/>
-            </a:pPr>
-            <a:r>
-              <a:rPr kumimoji="0" lang="en-US" altLang="en-US" sz="1874" b="0" i="0" u="none" strike="noStrike" kern="1200" cap="none" spc="0" normalizeH="0" baseline="0" noProof="0">
-                <a:ln>
-                  <a:noFill/>
-                </a:ln>
-                <a:solidFill>
-                  <a:srgbClr val="000000"/>
-                </a:solidFill>
-                <a:effectLst/>
-                <a:uLnTx/>
-                <a:uFillTx/>
-                <a:latin typeface="Courier" pitchFamily="2" charset="0"/>
-                <a:ea typeface="+mn-ea"/>
-                <a:cs typeface="Arial"/>
-              </a:rPr>
-              <a:t>   .</a:t>
-            </a:r>
-          </a:p>
-          <a:p>
-            <a:pPr marL="0" marR="0" lvl="0" indent="0" algn="l" defTabSz="953697" rtl="0" eaLnBrk="0" fontAlgn="base" latinLnBrk="0" hangingPunct="0">
-              <a:lnSpc>
-                <a:spcPct val="100000"/>
-              </a:lnSpc>
-              <a:spcBef>
-                <a:spcPct val="0"/>
-              </a:spcBef>
-              <a:spcAft>
-                <a:spcPct val="0"/>
-              </a:spcAft>
-              <a:buClrTx/>
-              <a:buSzTx/>
-              <a:buFont typeface="Times New Roman" panose="02020603050405020304" pitchFamily="18" charset="0"/>
-              <a:buNone/>
-              <a:tabLst/>
-              <a:defRPr/>
-            </a:pPr>
-            <a:r>
-              <a:rPr kumimoji="0" lang="en-US" altLang="en-US" sz="1874" b="0" i="0" u="none" strike="noStrike" kern="1200" cap="none" spc="0" normalizeH="0" baseline="0" noProof="0">
-                <a:ln>
-                  <a:noFill/>
-                </a:ln>
-                <a:solidFill>
-                  <a:srgbClr val="000000"/>
-                </a:solidFill>
-                <a:effectLst/>
-                <a:uLnTx/>
-                <a:uFillTx/>
-                <a:latin typeface="Courier" pitchFamily="2" charset="0"/>
-                <a:ea typeface="+mn-ea"/>
-                <a:cs typeface="Arial"/>
-              </a:rPr>
-              <a:t>   .</a:t>
-            </a:r>
-          </a:p>
-          <a:p>
-            <a:pPr marL="0" marR="0" lvl="0" indent="0" algn="l" defTabSz="953697" rtl="0" eaLnBrk="0" fontAlgn="base" latinLnBrk="0" hangingPunct="0">
-              <a:lnSpc>
-                <a:spcPct val="100000"/>
-              </a:lnSpc>
-              <a:spcBef>
-                <a:spcPct val="0"/>
-              </a:spcBef>
-              <a:spcAft>
-                <a:spcPct val="0"/>
-              </a:spcAft>
-              <a:buClrTx/>
-              <a:buSzTx/>
-              <a:buFont typeface="Times New Roman" panose="02020603050405020304" pitchFamily="18" charset="0"/>
-              <a:buNone/>
-              <a:tabLst/>
-              <a:defRPr/>
-            </a:pPr>
-            <a:r>
-              <a:rPr kumimoji="0" lang="en-US" altLang="en-US" sz="1874" b="0" i="0" u="none" strike="noStrike" kern="1200" cap="none" spc="0" normalizeH="0" baseline="0" noProof="0">
-                <a:ln>
-                  <a:noFill/>
-                </a:ln>
-                <a:solidFill>
-                  <a:srgbClr val="000000"/>
-                </a:solidFill>
-                <a:effectLst/>
-                <a:uLnTx/>
-                <a:uFillTx/>
-                <a:latin typeface="Courier" pitchFamily="2" charset="0"/>
-                <a:ea typeface="+mn-ea"/>
-                <a:cs typeface="Arial"/>
-              </a:rPr>
-              <a:t>   .</a:t>
-            </a:r>
-          </a:p>
-          <a:p>
-            <a:pPr marL="0" marR="0" lvl="0" indent="0" algn="l" defTabSz="953697" rtl="0" eaLnBrk="0" fontAlgn="base" latinLnBrk="0" hangingPunct="0">
-              <a:lnSpc>
-                <a:spcPct val="100000"/>
-              </a:lnSpc>
-              <a:spcBef>
-                <a:spcPct val="0"/>
-              </a:spcBef>
-              <a:spcAft>
-                <a:spcPct val="0"/>
-              </a:spcAft>
-              <a:buClrTx/>
-              <a:buSzTx/>
-              <a:buFont typeface="Times New Roman" panose="02020603050405020304" pitchFamily="18" charset="0"/>
-              <a:buNone/>
-              <a:tabLst/>
-              <a:defRPr/>
-            </a:pPr>
-            <a:r>
-              <a:rPr kumimoji="0" lang="en-US" altLang="en-US" sz="1874" b="0" i="0" u="none" strike="noStrike" kern="1200" cap="none" spc="0" normalizeH="0" baseline="0" noProof="0">
-                <a:ln>
-                  <a:noFill/>
-                </a:ln>
-                <a:solidFill>
-                  <a:srgbClr val="000000"/>
-                </a:solidFill>
-                <a:effectLst/>
-                <a:uLnTx/>
-                <a:uFillTx/>
-                <a:latin typeface="Courier" pitchFamily="2" charset="0"/>
-                <a:ea typeface="+mn-ea"/>
-                <a:cs typeface="Arial"/>
-              </a:rPr>
-              <a:t>A.up();</a:t>
-            </a:r>
-          </a:p>
-          <a:p>
-            <a:pPr marL="0" marR="0" lvl="0" indent="0" algn="l" defTabSz="953697" rtl="0" eaLnBrk="0" fontAlgn="base" latinLnBrk="0" hangingPunct="0">
-              <a:lnSpc>
-                <a:spcPct val="100000"/>
-              </a:lnSpc>
-              <a:spcBef>
-                <a:spcPct val="0"/>
-              </a:spcBef>
-              <a:spcAft>
-                <a:spcPct val="0"/>
-              </a:spcAft>
-              <a:buClrTx/>
-              <a:buSzTx/>
-              <a:buFont typeface="Times New Roman" panose="02020603050405020304" pitchFamily="18" charset="0"/>
-              <a:buNone/>
-              <a:tabLst/>
-              <a:defRPr/>
-            </a:pPr>
-            <a:r>
-              <a:rPr kumimoji="0" lang="en-US" altLang="en-US" sz="1874" b="0" i="0" u="none" strike="noStrike" kern="1200" cap="none" spc="0" normalizeH="0" baseline="0" noProof="0">
-                <a:ln>
-                  <a:noFill/>
-                </a:ln>
-                <a:solidFill>
-                  <a:srgbClr val="000000"/>
-                </a:solidFill>
-                <a:effectLst/>
-                <a:uLnTx/>
-                <a:uFillTx/>
-                <a:latin typeface="Courier" pitchFamily="2" charset="0"/>
-                <a:ea typeface="+mn-ea"/>
-                <a:cs typeface="Arial"/>
-              </a:rPr>
-              <a:t>B.up();</a:t>
-            </a:r>
-          </a:p>
-        </p:txBody>
-      </p:sp>
-      <p:sp>
-        <p:nvSpPr>
-          <p:cNvPr id="114692" name="Text Box 4">
-            <a:extLst>
-              <a:ext uri="{FF2B5EF4-FFF2-40B4-BE49-F238E27FC236}">
-                <a16:creationId xmlns:a16="http://schemas.microsoft.com/office/drawing/2014/main" id="{6F71246C-6734-D144-966A-A447A4309C4E}"/>
-              </a:ext>
-            </a:extLst>
-          </p:cNvPr>
-          <p:cNvSpPr txBox="1">
-            <a:spLocks noChangeArrowheads="1"/>
-          </p:cNvSpPr>
-          <p:nvPr/>
-        </p:nvSpPr>
-        <p:spPr bwMode="auto">
-          <a:xfrm>
-            <a:off x="5544290" y="1968665"/>
-            <a:ext cx="3611845" cy="774794"/>
-          </a:xfrm>
-          <a:prstGeom prst="rect">
-            <a:avLst/>
-          </a:prstGeom>
-          <a:noFill/>
-          <a:ln w="6350">
-            <a:solidFill>
-              <a:schemeClr val="tx1"/>
-            </a:solidFill>
-            <a:miter lim="800000"/>
-            <a:headEnd/>
-            <a:tailEnd/>
-          </a:ln>
-          <a:effectLst/>
-          <a:extLst>
-            <a:ext uri="{909E8E84-426E-40DD-AFC4-6F175D3DCCD1}">
-              <a14:hiddenFill xmlns:a14="http://schemas.microsoft.com/office/drawing/2010/main">
-                <a:solidFill>
-                  <a:schemeClr val="accent1"/>
-                </a:solidFill>
-              </a14:hiddenFill>
-            </a:ext>
-            <a:ext uri="{AF507438-7753-43E0-B8FC-AC1667EBCBE1}">
-              <a14:hiddenEffects xmlns:a14="http://schemas.microsoft.com/office/drawing/2010/main">
-                <a:effectLst>
-                  <a:outerShdw dist="35921" dir="2700000" algn="ctr" rotWithShape="0">
-                    <a:schemeClr val="bg2"/>
-                  </a:outerShdw>
-                </a:effectLst>
-              </a14:hiddenEffects>
-            </a:ext>
-          </a:extLst>
-        </p:spPr>
-        <p:txBody>
-          <a:bodyPr lIns="95343" tIns="47672" rIns="95343" bIns="47672">
-            <a:spAutoFit/>
-          </a:bodyPr>
-          <a:lstStyle>
-            <a:lvl1pPr defTabSz="865188">
-              <a:defRPr sz="2400">
-                <a:solidFill>
-                  <a:schemeClr val="tx1"/>
-                </a:solidFill>
-                <a:latin typeface="Times" pitchFamily="2" charset="0"/>
-              </a:defRPr>
-            </a:lvl1pPr>
-            <a:lvl2pPr marL="431800" defTabSz="865188">
-              <a:defRPr sz="2400">
-                <a:solidFill>
-                  <a:schemeClr val="tx1"/>
-                </a:solidFill>
-                <a:latin typeface="Times" pitchFamily="2" charset="0"/>
-              </a:defRPr>
-            </a:lvl2pPr>
-            <a:lvl3pPr marL="865188" defTabSz="865188">
-              <a:defRPr sz="2400">
-                <a:solidFill>
-                  <a:schemeClr val="tx1"/>
-                </a:solidFill>
-                <a:latin typeface="Times" pitchFamily="2" charset="0"/>
-              </a:defRPr>
-            </a:lvl3pPr>
-            <a:lvl4pPr marL="1296988" defTabSz="865188">
-              <a:defRPr sz="2400">
-                <a:solidFill>
-                  <a:schemeClr val="tx1"/>
-                </a:solidFill>
-                <a:latin typeface="Times" pitchFamily="2" charset="0"/>
-              </a:defRPr>
-            </a:lvl4pPr>
-            <a:lvl5pPr marL="1730375" defTabSz="865188">
-              <a:defRPr sz="2400">
-                <a:solidFill>
-                  <a:schemeClr val="tx1"/>
-                </a:solidFill>
-                <a:latin typeface="Times" pitchFamily="2" charset="0"/>
-              </a:defRPr>
-            </a:lvl5pPr>
-            <a:lvl6pPr marL="2187575" defTabSz="865188" eaLnBrk="0" fontAlgn="base" hangingPunct="0">
-              <a:spcBef>
-                <a:spcPct val="0"/>
-              </a:spcBef>
-              <a:spcAft>
-                <a:spcPct val="0"/>
-              </a:spcAft>
-              <a:defRPr sz="2400">
-                <a:solidFill>
-                  <a:schemeClr val="tx1"/>
-                </a:solidFill>
-                <a:latin typeface="Times" pitchFamily="2" charset="0"/>
-              </a:defRPr>
-            </a:lvl6pPr>
-            <a:lvl7pPr marL="2644775" defTabSz="865188" eaLnBrk="0" fontAlgn="base" hangingPunct="0">
-              <a:spcBef>
-                <a:spcPct val="0"/>
-              </a:spcBef>
-              <a:spcAft>
-                <a:spcPct val="0"/>
-              </a:spcAft>
-              <a:defRPr sz="2400">
-                <a:solidFill>
-                  <a:schemeClr val="tx1"/>
-                </a:solidFill>
-                <a:latin typeface="Times" pitchFamily="2" charset="0"/>
-              </a:defRPr>
-            </a:lvl7pPr>
-            <a:lvl8pPr marL="3101975" defTabSz="865188" eaLnBrk="0" fontAlgn="base" hangingPunct="0">
-              <a:spcBef>
-                <a:spcPct val="0"/>
-              </a:spcBef>
-              <a:spcAft>
-                <a:spcPct val="0"/>
-              </a:spcAft>
-              <a:defRPr sz="2400">
-                <a:solidFill>
-                  <a:schemeClr val="tx1"/>
-                </a:solidFill>
-                <a:latin typeface="Times" pitchFamily="2" charset="0"/>
-              </a:defRPr>
-            </a:lvl8pPr>
-            <a:lvl9pPr marL="3559175" defTabSz="865188" eaLnBrk="0" fontAlgn="base" hangingPunct="0">
-              <a:spcBef>
-                <a:spcPct val="0"/>
-              </a:spcBef>
-              <a:spcAft>
-                <a:spcPct val="0"/>
-              </a:spcAft>
-              <a:defRPr sz="2400">
-                <a:solidFill>
-                  <a:schemeClr val="tx1"/>
-                </a:solidFill>
-                <a:latin typeface="Times" pitchFamily="2" charset="0"/>
-              </a:defRPr>
-            </a:lvl9pPr>
-          </a:lstStyle>
-          <a:p>
-            <a:pPr marL="0" marR="0" lvl="0" indent="0" algn="l" defTabSz="953697" rtl="0" eaLnBrk="0" fontAlgn="base" latinLnBrk="0" hangingPunct="0">
-              <a:lnSpc>
-                <a:spcPct val="100000"/>
-              </a:lnSpc>
-              <a:spcBef>
-                <a:spcPct val="0"/>
-              </a:spcBef>
-              <a:spcAft>
-                <a:spcPct val="0"/>
-              </a:spcAft>
-              <a:buClrTx/>
-              <a:buSzTx/>
-              <a:buFont typeface="Times New Roman" panose="02020603050405020304" pitchFamily="18" charset="0"/>
-              <a:buNone/>
-              <a:tabLst/>
-              <a:defRPr/>
-            </a:pPr>
-            <a:r>
-              <a:rPr kumimoji="0" lang="en-US" altLang="en-US" sz="2535" b="0" i="0" u="none" strike="noStrike" kern="1200" cap="none" spc="0" normalizeH="0" baseline="0" noProof="0">
-                <a:ln>
-                  <a:noFill/>
-                </a:ln>
-                <a:solidFill>
-                  <a:srgbClr val="000000"/>
-                </a:solidFill>
-                <a:effectLst/>
-                <a:uLnTx/>
-                <a:uFillTx/>
-                <a:latin typeface="Times" pitchFamily="2" charset="0"/>
-                <a:ea typeface="+mn-ea"/>
-                <a:cs typeface="Arial"/>
-              </a:rPr>
-              <a:t>Shared variables</a:t>
-            </a:r>
-            <a:endParaRPr kumimoji="0" lang="en-US" altLang="en-US" sz="1874" b="0" i="0" u="none" strike="noStrike" kern="1200" cap="none" spc="0" normalizeH="0" baseline="0" noProof="0">
-              <a:ln>
-                <a:noFill/>
-              </a:ln>
-              <a:solidFill>
-                <a:srgbClr val="000000"/>
-              </a:solidFill>
-              <a:effectLst/>
-              <a:uLnTx/>
-              <a:uFillTx/>
-              <a:latin typeface="Courier" pitchFamily="2" charset="0"/>
-              <a:ea typeface="+mn-ea"/>
-              <a:cs typeface="Arial"/>
-            </a:endParaRPr>
-          </a:p>
-          <a:p>
-            <a:pPr marL="0" marR="0" lvl="0" indent="0" algn="l" defTabSz="953697" rtl="0" eaLnBrk="0" fontAlgn="base" latinLnBrk="0" hangingPunct="0">
-              <a:lnSpc>
-                <a:spcPct val="100000"/>
-              </a:lnSpc>
-              <a:spcBef>
-                <a:spcPct val="0"/>
-              </a:spcBef>
-              <a:spcAft>
-                <a:spcPct val="0"/>
-              </a:spcAft>
-              <a:buClrTx/>
-              <a:buSzTx/>
-              <a:buFont typeface="Times New Roman" panose="02020603050405020304" pitchFamily="18" charset="0"/>
-              <a:buNone/>
-              <a:tabLst/>
-              <a:defRPr/>
-            </a:pPr>
-            <a:r>
-              <a:rPr kumimoji="0" lang="en-US" altLang="en-US" sz="1874" b="0" i="0" u="none" strike="noStrike" kern="1200" cap="none" spc="0" normalizeH="0" baseline="0" noProof="0">
-                <a:ln>
-                  <a:noFill/>
-                </a:ln>
-                <a:solidFill>
-                  <a:srgbClr val="000000"/>
-                </a:solidFill>
-                <a:effectLst/>
-                <a:uLnTx/>
-                <a:uFillTx/>
-                <a:latin typeface="Courier" pitchFamily="2" charset="0"/>
-                <a:ea typeface="+mn-ea"/>
-                <a:cs typeface="Arial"/>
-              </a:rPr>
-              <a:t>Semaphore A(1),B(1);</a:t>
-            </a:r>
-          </a:p>
-        </p:txBody>
-      </p:sp>
-    </p:spTree>
-    <p:extLst>
-      <p:ext uri="{BB962C8B-B14F-4D97-AF65-F5344CB8AC3E}">
-        <p14:creationId xmlns:p14="http://schemas.microsoft.com/office/powerpoint/2010/main" val="583513582"/>
-      </p:ext>
-    </p:extLst>
-  </p:cSld>
-  <p:clrMapOvr>
-    <a:masterClrMapping/>
-  </p:clrMapOvr>
-</p:sld>
-</file>
-
-<file path=ppt/slides/slide16.xml><?xml version="1.0" encoding="utf-8"?>
-<p:sld xmlns:a="http://schemas.openxmlformats.org/drawingml/2006/main" xmlns:r="http://schemas.openxmlformats.org/officeDocument/2006/relationships" xmlns:p="http://schemas.openxmlformats.org/presentationml/2006/main">
-  <p:cSld>
-    <p:spTree>
-      <p:nvGrpSpPr>
-        <p:cNvPr id="1" name=""/>
-        <p:cNvGrpSpPr/>
-        <p:nvPr/>
-      </p:nvGrpSpPr>
-      <p:grpSpPr>
-        <a:xfrm>
-          <a:off x="0" y="0"/>
-          <a:ext cx="0" cy="0"/>
-          <a:chOff x="0" y="0"/>
-          <a:chExt cx="0" cy="0"/>
-        </a:xfrm>
-      </p:grpSpPr>
-      <p:sp>
-        <p:nvSpPr>
-          <p:cNvPr id="2" name="Title 1">
-            <a:extLst>
-              <a:ext uri="{FF2B5EF4-FFF2-40B4-BE49-F238E27FC236}">
-                <a16:creationId xmlns:a16="http://schemas.microsoft.com/office/drawing/2014/main" id="{E3658AD3-AF70-4629-BEA7-54DD04929497}"/>
-              </a:ext>
-            </a:extLst>
-          </p:cNvPr>
-          <p:cNvSpPr>
-            <a:spLocks noGrp="1"/>
-          </p:cNvSpPr>
-          <p:nvPr>
-            <p:ph type="title"/>
-          </p:nvPr>
-        </p:nvSpPr>
-        <p:spPr/>
-        <p:txBody>
-          <a:bodyPr>
-            <a:noAutofit/>
-          </a:bodyPr>
-          <a:lstStyle/>
-          <a:p>
-            <a:r>
-              <a:rPr lang="en-US" sz="3600" dirty="0"/>
-              <a:t>Semaphore Usage Problem: Priority Inversion</a:t>
-            </a:r>
-          </a:p>
-        </p:txBody>
-      </p:sp>
-      <p:sp>
-        <p:nvSpPr>
-          <p:cNvPr id="3" name="Content Placeholder 2">
-            <a:extLst>
-              <a:ext uri="{FF2B5EF4-FFF2-40B4-BE49-F238E27FC236}">
-                <a16:creationId xmlns:a16="http://schemas.microsoft.com/office/drawing/2014/main" id="{E25963B9-99F2-488F-8009-23E0F6DFA4AD}"/>
-              </a:ext>
-            </a:extLst>
-          </p:cNvPr>
-          <p:cNvSpPr>
-            <a:spLocks noGrp="1"/>
-          </p:cNvSpPr>
-          <p:nvPr>
-            <p:ph idx="1"/>
-          </p:nvPr>
-        </p:nvSpPr>
-        <p:spPr/>
-        <p:txBody>
-          <a:bodyPr/>
-          <a:lstStyle/>
-          <a:p>
-            <a:r>
-              <a:rPr lang="en-US" dirty="0"/>
-              <a:t>Priority inversion is still possible using semaphores</a:t>
-            </a:r>
-          </a:p>
-          <a:p>
-            <a:pPr lvl="1"/>
-            <a:r>
-              <a:rPr lang="en-US" dirty="0"/>
-              <a:t>Slightly less likely</a:t>
-            </a:r>
-          </a:p>
-          <a:p>
-            <a:pPr lvl="1"/>
-            <a:r>
-              <a:rPr lang="en-US" dirty="0"/>
-              <a:t>Needs at least three processes</a:t>
-            </a:r>
-          </a:p>
-        </p:txBody>
-      </p:sp>
-      <p:sp>
-        <p:nvSpPr>
-          <p:cNvPr id="4" name="Footer Placeholder 3">
-            <a:extLst>
-              <a:ext uri="{FF2B5EF4-FFF2-40B4-BE49-F238E27FC236}">
-                <a16:creationId xmlns:a16="http://schemas.microsoft.com/office/drawing/2014/main" id="{EA4FBA9A-06C2-4541-8533-91EE6CF5CEA6}"/>
-              </a:ext>
-            </a:extLst>
-          </p:cNvPr>
-          <p:cNvSpPr>
-            <a:spLocks noGrp="1"/>
-          </p:cNvSpPr>
-          <p:nvPr>
-            <p:ph type="ftr" idx="11"/>
-          </p:nvPr>
-        </p:nvSpPr>
-        <p:spPr/>
-        <p:txBody>
-          <a:bodyPr/>
-          <a:lstStyle/>
-          <a:p>
-            <a:pPr>
-              <a:defRPr/>
-            </a:pPr>
-            <a:r>
-              <a:rPr lang="en-US">
-                <a:latin typeface="+mn-lt"/>
-              </a:rPr>
-              <a:t>CS/COE 1550 – Operating Systems – Sherif Khattab</a:t>
-            </a:r>
-            <a:endParaRPr lang="en-GB" dirty="0"/>
-          </a:p>
-        </p:txBody>
-      </p:sp>
-      <p:sp>
-        <p:nvSpPr>
-          <p:cNvPr id="5" name="Slide Number Placeholder 4">
-            <a:extLst>
-              <a:ext uri="{FF2B5EF4-FFF2-40B4-BE49-F238E27FC236}">
-                <a16:creationId xmlns:a16="http://schemas.microsoft.com/office/drawing/2014/main" id="{8E1635EE-6786-4B20-9FC4-357E40A19C9D}"/>
-              </a:ext>
-            </a:extLst>
-          </p:cNvPr>
-          <p:cNvSpPr>
-            <a:spLocks noGrp="1"/>
-          </p:cNvSpPr>
-          <p:nvPr>
-            <p:ph type="sldNum" idx="12"/>
-          </p:nvPr>
-        </p:nvSpPr>
-        <p:spPr/>
-        <p:txBody>
-          <a:bodyPr/>
-          <a:lstStyle/>
-          <a:p>
-            <a:fld id="{65E435D9-63B0-4660-8D04-E83F5E2CA2AE}" type="slidenum">
-              <a:rPr lang="en-GB" altLang="en-US" smtClean="0"/>
-              <a:pPr/>
-              <a:t>16</a:t>
-            </a:fld>
-            <a:endParaRPr lang="en-GB" altLang="en-US" dirty="0"/>
-          </a:p>
-        </p:txBody>
-      </p:sp>
-      <p:pic>
-        <p:nvPicPr>
-          <p:cNvPr id="7" name="Picture 6">
-            <a:extLst>
-              <a:ext uri="{FF2B5EF4-FFF2-40B4-BE49-F238E27FC236}">
-                <a16:creationId xmlns:a16="http://schemas.microsoft.com/office/drawing/2014/main" id="{86BCAD15-E5E4-45AF-BB15-419D6488E301}"/>
-              </a:ext>
-            </a:extLst>
-          </p:cNvPr>
-          <p:cNvPicPr>
-            <a:picLocks noChangeAspect="1"/>
-          </p:cNvPicPr>
-          <p:nvPr/>
-        </p:nvPicPr>
-        <p:blipFill>
-          <a:blip r:embed="rId2"/>
-          <a:stretch>
-            <a:fillRect/>
-          </a:stretch>
-        </p:blipFill>
-        <p:spPr>
-          <a:xfrm>
-            <a:off x="1820760" y="2704653"/>
-            <a:ext cx="6116878" cy="4078734"/>
-          </a:xfrm>
-          <a:prstGeom prst="rect">
-            <a:avLst/>
-          </a:prstGeom>
-        </p:spPr>
-      </p:pic>
-    </p:spTree>
-    <p:extLst>
-      <p:ext uri="{BB962C8B-B14F-4D97-AF65-F5344CB8AC3E}">
-        <p14:creationId xmlns:p14="http://schemas.microsoft.com/office/powerpoint/2010/main" val="3742099282"/>
-      </p:ext>
-    </p:extLst>
-  </p:cSld>
-  <p:clrMapOvr>
-    <a:masterClrMapping/>
-  </p:clrMapOvr>
-</p:sld>
-</file>
-
 <file path=ppt/slides/slide2.xml><?xml version="1.0" encoding="utf-8"?>
 <p:sld xmlns:a="http://schemas.openxmlformats.org/drawingml/2006/main" xmlns:r="http://schemas.openxmlformats.org/officeDocument/2006/relationships" xmlns:p="http://schemas.openxmlformats.org/presentationml/2006/main">
   <p:cSld>
@@ -19878,1477 +15044,6 @@
 </p:sld>
 </file>
 
-<file path=ppt/slides/slide8.xml><?xml version="1.0" encoding="utf-8"?>
-<p:sld xmlns:a="http://schemas.openxmlformats.org/drawingml/2006/main" xmlns:r="http://schemas.openxmlformats.org/officeDocument/2006/relationships" xmlns:p="http://schemas.openxmlformats.org/presentationml/2006/main">
-  <p:cSld>
-    <p:spTree>
-      <p:nvGrpSpPr>
-        <p:cNvPr id="1" name=""/>
-        <p:cNvGrpSpPr/>
-        <p:nvPr/>
-      </p:nvGrpSpPr>
-      <p:grpSpPr>
-        <a:xfrm>
-          <a:off x="0" y="0"/>
-          <a:ext cx="0" cy="0"/>
-          <a:chOff x="0" y="0"/>
-          <a:chExt cx="0" cy="0"/>
-        </a:xfrm>
-      </p:grpSpPr>
-      <p:sp>
-        <p:nvSpPr>
-          <p:cNvPr id="100354" name="Rectangle 2">
-            <a:extLst>
-              <a:ext uri="{FF2B5EF4-FFF2-40B4-BE49-F238E27FC236}">
-                <a16:creationId xmlns:a16="http://schemas.microsoft.com/office/drawing/2014/main" id="{E957CE05-A4BD-144F-A0C4-0AAE7BD7009B}"/>
-              </a:ext>
-            </a:extLst>
-          </p:cNvPr>
-          <p:cNvSpPr>
-            <a:spLocks noGrp="1" noChangeArrowheads="1"/>
-          </p:cNvSpPr>
-          <p:nvPr>
-            <p:ph type="title"/>
-          </p:nvPr>
-        </p:nvSpPr>
-        <p:spPr/>
-        <p:txBody>
-          <a:bodyPr vert="horz" wrap="square" lIns="95343" tIns="47672" rIns="95343" bIns="47672" numCol="1" anchor="t" anchorCtr="0" compatLnSpc="1">
-            <a:prstTxWarp prst="textNoShape">
-              <a:avLst/>
-            </a:prstTxWarp>
-          </a:bodyPr>
-          <a:lstStyle/>
-          <a:p>
-            <a:r>
-              <a:rPr lang="en-US" altLang="en-US" dirty="0"/>
-              <a:t>Spinlock Problems</a:t>
-            </a:r>
-          </a:p>
-        </p:txBody>
-      </p:sp>
-      <p:sp>
-        <p:nvSpPr>
-          <p:cNvPr id="100355" name="Rectangle 3">
-            <a:extLst>
-              <a:ext uri="{FF2B5EF4-FFF2-40B4-BE49-F238E27FC236}">
-                <a16:creationId xmlns:a16="http://schemas.microsoft.com/office/drawing/2014/main" id="{0C36604A-A763-A345-B88E-8E6F2BF0C1FE}"/>
-              </a:ext>
-            </a:extLst>
-          </p:cNvPr>
-          <p:cNvSpPr>
-            <a:spLocks noGrp="1" noChangeArrowheads="1"/>
-          </p:cNvSpPr>
-          <p:nvPr>
-            <p:ph idx="1"/>
-          </p:nvPr>
-        </p:nvSpPr>
-        <p:spPr>
-          <a:xfrm>
-            <a:off x="0" y="714375"/>
-            <a:ext cx="4905955" cy="6567487"/>
-          </a:xfrm>
-        </p:spPr>
-        <p:txBody>
-          <a:bodyPr vert="horz" wrap="square" lIns="95343" tIns="47672" rIns="95343" bIns="47672" numCol="1" anchor="t" anchorCtr="0" compatLnSpc="1">
-            <a:prstTxWarp prst="textNoShape">
-              <a:avLst/>
-            </a:prstTxWarp>
-          </a:bodyPr>
-          <a:lstStyle/>
-          <a:p>
-            <a:pPr>
-              <a:lnSpc>
-                <a:spcPct val="90000"/>
-              </a:lnSpc>
-            </a:pPr>
-            <a:r>
-              <a:rPr lang="en-US" altLang="en-US" sz="2646" dirty="0"/>
-              <a:t>Problem: wastes CPU time</a:t>
-            </a:r>
-          </a:p>
-          <a:p>
-            <a:pPr lvl="1">
-              <a:lnSpc>
-                <a:spcPct val="90000"/>
-              </a:lnSpc>
-            </a:pPr>
-            <a:r>
-              <a:rPr lang="en-US" altLang="en-US" sz="2205" dirty="0"/>
-              <a:t>Would be better to allow processes to sleep while they wait to execute their critical sections</a:t>
-            </a:r>
-          </a:p>
-          <a:p>
-            <a:pPr>
-              <a:lnSpc>
-                <a:spcPct val="90000"/>
-              </a:lnSpc>
-            </a:pPr>
-            <a:r>
-              <a:rPr lang="en-US" altLang="en-US" sz="2646" dirty="0"/>
-              <a:t>Problem: </a:t>
-            </a:r>
-            <a:r>
-              <a:rPr lang="en-US" altLang="en-US" sz="2646" i="1" dirty="0"/>
-              <a:t>priority inversion</a:t>
-            </a:r>
-            <a:r>
-              <a:rPr lang="en-US" altLang="en-US" sz="2646" dirty="0"/>
-              <a:t> (higher priority process waits for lower priority process)</a:t>
-            </a:r>
-          </a:p>
-          <a:p>
-            <a:pPr>
-              <a:lnSpc>
-                <a:spcPct val="90000"/>
-              </a:lnSpc>
-            </a:pPr>
-            <a:r>
-              <a:rPr lang="en-US" altLang="en-US" sz="2646" dirty="0"/>
-              <a:t>Problem: compiler and/or hardware instruction reordering</a:t>
-            </a:r>
-          </a:p>
-          <a:p>
-            <a:pPr marL="0" indent="0">
-              <a:lnSpc>
-                <a:spcPct val="90000"/>
-              </a:lnSpc>
-              <a:buNone/>
-            </a:pPr>
-            <a:endParaRPr lang="en-US" altLang="en-US" sz="2205" dirty="0"/>
-          </a:p>
-        </p:txBody>
-      </p:sp>
-      <p:sp>
-        <p:nvSpPr>
-          <p:cNvPr id="4" name="Footer Placeholder 3">
-            <a:extLst>
-              <a:ext uri="{FF2B5EF4-FFF2-40B4-BE49-F238E27FC236}">
-                <a16:creationId xmlns:a16="http://schemas.microsoft.com/office/drawing/2014/main" id="{73DBA84E-7D96-E442-8FC3-A0C3749B1CC1}"/>
-              </a:ext>
-            </a:extLst>
-          </p:cNvPr>
-          <p:cNvSpPr>
-            <a:spLocks noGrp="1"/>
-          </p:cNvSpPr>
-          <p:nvPr>
-            <p:ph type="ftr" idx="11"/>
-          </p:nvPr>
-        </p:nvSpPr>
-        <p:spPr/>
-        <p:txBody>
-          <a:bodyPr/>
-          <a:lstStyle/>
-          <a:p>
-            <a:pPr marL="0" marR="0" lvl="0" indent="0" algn="ctr" defTabSz="1007943" rtl="0" eaLnBrk="1" fontAlgn="base" latinLnBrk="0" hangingPunct="0">
-              <a:lnSpc>
-                <a:spcPct val="100000"/>
-              </a:lnSpc>
-              <a:spcBef>
-                <a:spcPct val="0"/>
-              </a:spcBef>
-              <a:spcAft>
-                <a:spcPct val="0"/>
-              </a:spcAft>
-              <a:buClrTx/>
-              <a:buSzTx/>
-              <a:buFont typeface="Times New Roman" pitchFamily="16" charset="0"/>
-              <a:buNone/>
-              <a:tabLst>
-                <a:tab pos="0" algn="l"/>
-                <a:tab pos="457200" algn="l"/>
-                <a:tab pos="914400" algn="l"/>
-                <a:tab pos="1371600" algn="l"/>
-                <a:tab pos="1828800" algn="l"/>
-                <a:tab pos="2286000" algn="l"/>
-                <a:tab pos="2743200" algn="l"/>
-                <a:tab pos="3200400" algn="l"/>
-                <a:tab pos="3657600" algn="l"/>
-                <a:tab pos="4114800" algn="l"/>
-                <a:tab pos="4572000" algn="l"/>
-                <a:tab pos="5029200" algn="l"/>
-                <a:tab pos="5486400" algn="l"/>
-                <a:tab pos="5943600" algn="l"/>
-                <a:tab pos="6400800" algn="l"/>
-                <a:tab pos="6858000" algn="l"/>
-                <a:tab pos="7315200" algn="l"/>
-                <a:tab pos="7772400" algn="l"/>
-                <a:tab pos="8229600" algn="l"/>
-                <a:tab pos="8686800" algn="l"/>
-                <a:tab pos="9144000" algn="l"/>
-              </a:tabLst>
-              <a:defRPr/>
-            </a:pPr>
-            <a:r>
-              <a:rPr kumimoji="0" lang="en-US" altLang="en-US" sz="1400" b="0" i="0" u="none" strike="noStrike" kern="1200" cap="none" spc="0" normalizeH="0" baseline="0" noProof="0">
-                <a:ln>
-                  <a:noFill/>
-                </a:ln>
-                <a:solidFill>
-                  <a:srgbClr val="000000"/>
-                </a:solidFill>
-                <a:effectLst/>
-                <a:uLnTx/>
-                <a:uFillTx/>
-                <a:latin typeface="Arial"/>
-                <a:ea typeface="+mn-ea"/>
-                <a:cs typeface="Arial"/>
-              </a:rPr>
-              <a:t>CS/COE 1550 – Operating Systems – Sherif Khattab</a:t>
-            </a:r>
-          </a:p>
-        </p:txBody>
-      </p:sp>
-      <p:sp>
-        <p:nvSpPr>
-          <p:cNvPr id="5" name="Slide Number Placeholder 4">
-            <a:extLst>
-              <a:ext uri="{FF2B5EF4-FFF2-40B4-BE49-F238E27FC236}">
-                <a16:creationId xmlns:a16="http://schemas.microsoft.com/office/drawing/2014/main" id="{B9F1484A-3D19-CA4A-81F0-82E85A0AC7BB}"/>
-              </a:ext>
-            </a:extLst>
-          </p:cNvPr>
-          <p:cNvSpPr>
-            <a:spLocks noGrp="1"/>
-          </p:cNvSpPr>
-          <p:nvPr>
-            <p:ph type="sldNum" idx="12"/>
-          </p:nvPr>
-        </p:nvSpPr>
-        <p:spPr/>
-        <p:txBody>
-          <a:bodyPr/>
-          <a:lstStyle/>
-          <a:p>
-            <a:pPr marL="0" marR="0" lvl="0" indent="0" algn="r" defTabSz="1007943" rtl="0" eaLnBrk="1" fontAlgn="base" latinLnBrk="0" hangingPunct="0">
-              <a:lnSpc>
-                <a:spcPct val="100000"/>
-              </a:lnSpc>
-              <a:spcBef>
-                <a:spcPct val="0"/>
-              </a:spcBef>
-              <a:spcAft>
-                <a:spcPct val="0"/>
-              </a:spcAft>
-              <a:buClrTx/>
-              <a:buSzTx/>
-              <a:buFont typeface="Times New Roman" panose="02020603050405020304" pitchFamily="18" charset="0"/>
-              <a:buNone/>
-              <a:tabLst/>
-              <a:defRPr/>
-            </a:pPr>
-            <a:fld id="{49DE1B45-5713-6E42-A4BB-3D73C968C33F}" type="slidenum">
-              <a:rPr kumimoji="0" lang="en-US" altLang="en-US" sz="1400" b="0" i="0" u="none" strike="noStrike" kern="1200" cap="none" spc="0" normalizeH="0" baseline="0" noProof="0">
-                <a:ln>
-                  <a:noFill/>
-                </a:ln>
-                <a:solidFill>
-                  <a:srgbClr val="000000"/>
-                </a:solidFill>
-                <a:effectLst/>
-                <a:uLnTx/>
-                <a:uFillTx/>
-                <a:latin typeface="Arial"/>
-                <a:ea typeface="+mn-ea"/>
-                <a:cs typeface="Arial"/>
-              </a:rPr>
-              <a:pPr marL="0" marR="0" lvl="0" indent="0" algn="r" defTabSz="1007943" rtl="0" eaLnBrk="1" fontAlgn="base" latinLnBrk="0" hangingPunct="0">
-                <a:lnSpc>
-                  <a:spcPct val="100000"/>
-                </a:lnSpc>
-                <a:spcBef>
-                  <a:spcPct val="0"/>
-                </a:spcBef>
-                <a:spcAft>
-                  <a:spcPct val="0"/>
-                </a:spcAft>
-                <a:buClrTx/>
-                <a:buSzTx/>
-                <a:buFont typeface="Times New Roman" panose="02020603050405020304" pitchFamily="18" charset="0"/>
-                <a:buNone/>
-                <a:tabLst/>
-                <a:defRPr/>
-              </a:pPr>
-              <a:t>8</a:t>
-            </a:fld>
-            <a:endParaRPr kumimoji="0" lang="en-US" altLang="en-US" sz="1400" b="0" i="0" u="none" strike="noStrike" kern="1200" cap="none" spc="0" normalizeH="0" baseline="0" noProof="0">
-              <a:ln>
-                <a:noFill/>
-              </a:ln>
-              <a:solidFill>
-                <a:srgbClr val="000000"/>
-              </a:solidFill>
-              <a:effectLst/>
-              <a:uLnTx/>
-              <a:uFillTx/>
-              <a:latin typeface="Arial"/>
-              <a:ea typeface="+mn-ea"/>
-              <a:cs typeface="Arial"/>
-            </a:endParaRPr>
-          </a:p>
-        </p:txBody>
-      </p:sp>
-      <p:pic>
-        <p:nvPicPr>
-          <p:cNvPr id="7" name="Picture 6">
-            <a:extLst>
-              <a:ext uri="{FF2B5EF4-FFF2-40B4-BE49-F238E27FC236}">
-                <a16:creationId xmlns:a16="http://schemas.microsoft.com/office/drawing/2014/main" id="{8289F39E-20D4-48DB-B0D7-920A9B1D2C84}"/>
-              </a:ext>
-            </a:extLst>
-          </p:cNvPr>
-          <p:cNvPicPr>
-            <a:picLocks noChangeAspect="1"/>
-          </p:cNvPicPr>
-          <p:nvPr/>
-        </p:nvPicPr>
-        <p:blipFill>
-          <a:blip r:embed="rId2"/>
-          <a:stretch>
-            <a:fillRect/>
-          </a:stretch>
-        </p:blipFill>
-        <p:spPr>
-          <a:xfrm>
-            <a:off x="5040312" y="1948070"/>
-            <a:ext cx="4090798" cy="2727744"/>
-          </a:xfrm>
-          <a:prstGeom prst="rect">
-            <a:avLst/>
-          </a:prstGeom>
-        </p:spPr>
-      </p:pic>
-      <mc:AlternateContent xmlns:mc="http://schemas.openxmlformats.org/markup-compatibility/2006" xmlns:p14="http://schemas.microsoft.com/office/powerpoint/2010/main">
-        <mc:Choice Requires="p14">
-          <p:contentPart p14:bwMode="auto" r:id="rId3">
-            <p14:nvContentPartPr>
-              <p14:cNvPr id="9" name="Ink 8">
-                <a:extLst>
-                  <a:ext uri="{FF2B5EF4-FFF2-40B4-BE49-F238E27FC236}">
-                    <a16:creationId xmlns:a16="http://schemas.microsoft.com/office/drawing/2014/main" id="{65902BB3-D968-4B54-8B69-A55E7B9FC9C7}"/>
-                  </a:ext>
-                </a:extLst>
-              </p14:cNvPr>
-              <p14:cNvContentPartPr/>
-              <p14:nvPr/>
-            </p14:nvContentPartPr>
-            <p14:xfrm>
-              <a:off x="4160003" y="2988031"/>
-              <a:ext cx="717840" cy="398880"/>
-            </p14:xfrm>
-          </p:contentPart>
-        </mc:Choice>
-        <mc:Fallback xmlns="">
-          <p:pic>
-            <p:nvPicPr>
-              <p:cNvPr id="9" name="Ink 8">
-                <a:extLst>
-                  <a:ext uri="{FF2B5EF4-FFF2-40B4-BE49-F238E27FC236}">
-                    <a16:creationId xmlns:a16="http://schemas.microsoft.com/office/drawing/2014/main" id="{65902BB3-D968-4B54-8B69-A55E7B9FC9C7}"/>
-                  </a:ext>
-                </a:extLst>
-              </p:cNvPr>
-              <p:cNvPicPr/>
-              <p:nvPr/>
-            </p:nvPicPr>
-            <p:blipFill>
-              <a:blip r:embed="rId6"/>
-              <a:stretch>
-                <a:fillRect/>
-              </a:stretch>
-            </p:blipFill>
-            <p:spPr>
-              <a:xfrm>
-                <a:off x="4151003" y="2979031"/>
-                <a:ext cx="735480" cy="416520"/>
-              </a:xfrm>
-              <a:prstGeom prst="rect">
-                <a:avLst/>
-              </a:prstGeom>
-            </p:spPr>
-          </p:pic>
-        </mc:Fallback>
-      </mc:AlternateContent>
-      <mc:AlternateContent xmlns:mc="http://schemas.openxmlformats.org/markup-compatibility/2006" xmlns:p14="http://schemas.microsoft.com/office/powerpoint/2010/main">
-        <mc:Choice Requires="p14">
-          <p:contentPart p14:bwMode="auto" r:id="rId7">
-            <p14:nvContentPartPr>
-              <p14:cNvPr id="10" name="Ink 9">
-                <a:extLst>
-                  <a:ext uri="{FF2B5EF4-FFF2-40B4-BE49-F238E27FC236}">
-                    <a16:creationId xmlns:a16="http://schemas.microsoft.com/office/drawing/2014/main" id="{877346C0-8418-41AB-AD05-4613E1FE78DF}"/>
-                  </a:ext>
-                </a:extLst>
-              </p14:cNvPr>
-              <p14:cNvContentPartPr/>
-              <p14:nvPr/>
-            </p14:nvContentPartPr>
-            <p14:xfrm>
-              <a:off x="4510643" y="4625671"/>
-              <a:ext cx="1197000" cy="392040"/>
-            </p14:xfrm>
-          </p:contentPart>
-        </mc:Choice>
-        <mc:Fallback xmlns="">
-          <p:pic>
-            <p:nvPicPr>
-              <p:cNvPr id="10" name="Ink 9">
-                <a:extLst>
-                  <a:ext uri="{FF2B5EF4-FFF2-40B4-BE49-F238E27FC236}">
-                    <a16:creationId xmlns:a16="http://schemas.microsoft.com/office/drawing/2014/main" id="{877346C0-8418-41AB-AD05-4613E1FE78DF}"/>
-                  </a:ext>
-                </a:extLst>
-              </p:cNvPr>
-              <p:cNvPicPr/>
-              <p:nvPr/>
-            </p:nvPicPr>
-            <p:blipFill>
-              <a:blip r:embed="rId8"/>
-              <a:stretch>
-                <a:fillRect/>
-              </a:stretch>
-            </p:blipFill>
-            <p:spPr>
-              <a:xfrm>
-                <a:off x="4502003" y="4617031"/>
-                <a:ext cx="1214640" cy="409680"/>
-              </a:xfrm>
-              <a:prstGeom prst="rect">
-                <a:avLst/>
-              </a:prstGeom>
-            </p:spPr>
-          </p:pic>
-        </mc:Fallback>
-      </mc:AlternateContent>
-      <p:pic>
-        <p:nvPicPr>
-          <p:cNvPr id="11" name="Picture 10">
-            <a:extLst>
-              <a:ext uri="{FF2B5EF4-FFF2-40B4-BE49-F238E27FC236}">
-                <a16:creationId xmlns:a16="http://schemas.microsoft.com/office/drawing/2014/main" id="{F566B0BC-E242-4A61-8CE5-99090A62E50D}"/>
-              </a:ext>
-            </a:extLst>
-          </p:cNvPr>
-          <p:cNvPicPr>
-            <a:picLocks noChangeAspect="1"/>
-          </p:cNvPicPr>
-          <p:nvPr/>
-        </p:nvPicPr>
-        <p:blipFill>
-          <a:blip r:embed="rId9"/>
-          <a:stretch>
-            <a:fillRect/>
-          </a:stretch>
-        </p:blipFill>
-        <p:spPr>
-          <a:xfrm>
-            <a:off x="5920853" y="4432236"/>
-            <a:ext cx="3434381" cy="2290045"/>
-          </a:xfrm>
-          <a:prstGeom prst="rect">
-            <a:avLst/>
-          </a:prstGeom>
-        </p:spPr>
-      </p:pic>
-    </p:spTree>
-    <p:extLst>
-      <p:ext uri="{BB962C8B-B14F-4D97-AF65-F5344CB8AC3E}">
-        <p14:creationId xmlns:p14="http://schemas.microsoft.com/office/powerpoint/2010/main" val="3210992163"/>
-      </p:ext>
-    </p:extLst>
-  </p:cSld>
-  <p:clrMapOvr>
-    <a:masterClrMapping/>
-  </p:clrMapOvr>
-  <p:timing>
-    <p:tnLst>
-      <p:par>
-        <p:cTn id="1" dur="indefinite" restart="never" nodeType="tmRoot">
-          <p:childTnLst>
-            <p:seq concurrent="1" nextAc="seek">
-              <p:cTn id="2" dur="indefinite" nodeType="mainSeq">
-                <p:childTnLst>
-                  <p:par>
-                    <p:cTn id="3" fill="hold">
-                      <p:stCondLst>
-                        <p:cond delay="indefinite"/>
-                      </p:stCondLst>
-                      <p:childTnLst>
-                        <p:par>
-                          <p:cTn id="4" fill="hold">
-                            <p:stCondLst>
-                              <p:cond delay="0"/>
-                            </p:stCondLst>
-                            <p:childTnLst>
-                              <p:par>
-                                <p:cTn id="5" presetID="1" presetClass="entr" presetSubtype="0" fill="hold" nodeType="clickEffect">
-                                  <p:stCondLst>
-                                    <p:cond delay="0"/>
-                                  </p:stCondLst>
-                                  <p:childTnLst>
-                                    <p:set>
-                                      <p:cBhvr>
-                                        <p:cTn id="6" dur="1" fill="hold">
-                                          <p:stCondLst>
-                                            <p:cond delay="0"/>
-                                          </p:stCondLst>
-                                        </p:cTn>
-                                        <p:tgtEl>
-                                          <p:spTgt spid="100355">
-                                            <p:txEl>
-                                              <p:pRg st="2" end="2"/>
-                                            </p:txEl>
-                                          </p:spTgt>
-                                        </p:tgtEl>
-                                        <p:attrNameLst>
-                                          <p:attrName>style.visibility</p:attrName>
-                                        </p:attrNameLst>
-                                      </p:cBhvr>
-                                      <p:to>
-                                        <p:strVal val="visible"/>
-                                      </p:to>
-                                    </p:set>
-                                  </p:childTnLst>
-                                </p:cTn>
-                              </p:par>
-                            </p:childTnLst>
-                          </p:cTn>
-                        </p:par>
-                      </p:childTnLst>
-                    </p:cTn>
-                  </p:par>
-                  <p:par>
-                    <p:cTn id="7" fill="hold">
-                      <p:stCondLst>
-                        <p:cond delay="indefinite"/>
-                      </p:stCondLst>
-                      <p:childTnLst>
-                        <p:par>
-                          <p:cTn id="8" fill="hold">
-                            <p:stCondLst>
-                              <p:cond delay="0"/>
-                            </p:stCondLst>
-                            <p:childTnLst>
-                              <p:par>
-                                <p:cTn id="9" presetID="1" presetClass="entr" presetSubtype="0" fill="hold" nodeType="clickEffect">
-                                  <p:stCondLst>
-                                    <p:cond delay="0"/>
-                                  </p:stCondLst>
-                                  <p:childTnLst>
-                                    <p:set>
-                                      <p:cBhvr>
-                                        <p:cTn id="10" dur="1" fill="hold">
-                                          <p:stCondLst>
-                                            <p:cond delay="0"/>
-                                          </p:stCondLst>
-                                        </p:cTn>
-                                        <p:tgtEl>
-                                          <p:spTgt spid="7"/>
-                                        </p:tgtEl>
-                                        <p:attrNameLst>
-                                          <p:attrName>style.visibility</p:attrName>
-                                        </p:attrNameLst>
-                                      </p:cBhvr>
-                                      <p:to>
-                                        <p:strVal val="visible"/>
-                                      </p:to>
-                                    </p:set>
-                                  </p:childTnLst>
-                                </p:cTn>
-                              </p:par>
-                              <p:par>
-                                <p:cTn id="11" presetID="1" presetClass="entr" presetSubtype="0" fill="hold" nodeType="withEffect">
-                                  <p:stCondLst>
-                                    <p:cond delay="0"/>
-                                  </p:stCondLst>
-                                  <p:childTnLst>
-                                    <p:set>
-                                      <p:cBhvr>
-                                        <p:cTn id="12" dur="1" fill="hold">
-                                          <p:stCondLst>
-                                            <p:cond delay="0"/>
-                                          </p:stCondLst>
-                                        </p:cTn>
-                                        <p:tgtEl>
-                                          <p:spTgt spid="9"/>
-                                        </p:tgtEl>
-                                        <p:attrNameLst>
-                                          <p:attrName>style.visibility</p:attrName>
-                                        </p:attrNameLst>
-                                      </p:cBhvr>
-                                      <p:to>
-                                        <p:strVal val="visible"/>
-                                      </p:to>
-                                    </p:set>
-                                  </p:childTnLst>
-                                </p:cTn>
-                              </p:par>
-                            </p:childTnLst>
-                          </p:cTn>
-                        </p:par>
-                      </p:childTnLst>
-                    </p:cTn>
-                  </p:par>
-                  <p:par>
-                    <p:cTn id="13" fill="hold">
-                      <p:stCondLst>
-                        <p:cond delay="indefinite"/>
-                      </p:stCondLst>
-                      <p:childTnLst>
-                        <p:par>
-                          <p:cTn id="14" fill="hold">
-                            <p:stCondLst>
-                              <p:cond delay="0"/>
-                            </p:stCondLst>
-                            <p:childTnLst>
-                              <p:par>
-                                <p:cTn id="15" presetID="1" presetClass="entr" presetSubtype="0" fill="hold" nodeType="clickEffect">
-                                  <p:stCondLst>
-                                    <p:cond delay="0"/>
-                                  </p:stCondLst>
-                                  <p:childTnLst>
-                                    <p:set>
-                                      <p:cBhvr>
-                                        <p:cTn id="16" dur="1" fill="hold">
-                                          <p:stCondLst>
-                                            <p:cond delay="0"/>
-                                          </p:stCondLst>
-                                        </p:cTn>
-                                        <p:tgtEl>
-                                          <p:spTgt spid="100355">
-                                            <p:txEl>
-                                              <p:pRg st="3" end="3"/>
-                                            </p:txEl>
-                                          </p:spTgt>
-                                        </p:tgtEl>
-                                        <p:attrNameLst>
-                                          <p:attrName>style.visibility</p:attrName>
-                                        </p:attrNameLst>
-                                      </p:cBhvr>
-                                      <p:to>
-                                        <p:strVal val="visible"/>
-                                      </p:to>
-                                    </p:set>
-                                  </p:childTnLst>
-                                </p:cTn>
-                              </p:par>
-                            </p:childTnLst>
-                          </p:cTn>
-                        </p:par>
-                      </p:childTnLst>
-                    </p:cTn>
-                  </p:par>
-                  <p:par>
-                    <p:cTn id="17" fill="hold">
-                      <p:stCondLst>
-                        <p:cond delay="indefinite"/>
-                      </p:stCondLst>
-                      <p:childTnLst>
-                        <p:par>
-                          <p:cTn id="18" fill="hold">
-                            <p:stCondLst>
-                              <p:cond delay="0"/>
-                            </p:stCondLst>
-                            <p:childTnLst>
-                              <p:par>
-                                <p:cTn id="19" presetID="1" presetClass="entr" presetSubtype="0" fill="hold" nodeType="clickEffect">
-                                  <p:stCondLst>
-                                    <p:cond delay="0"/>
-                                  </p:stCondLst>
-                                  <p:childTnLst>
-                                    <p:set>
-                                      <p:cBhvr>
-                                        <p:cTn id="20" dur="1" fill="hold">
-                                          <p:stCondLst>
-                                            <p:cond delay="0"/>
-                                          </p:stCondLst>
-                                        </p:cTn>
-                                        <p:tgtEl>
-                                          <p:spTgt spid="10"/>
-                                        </p:tgtEl>
-                                        <p:attrNameLst>
-                                          <p:attrName>style.visibility</p:attrName>
-                                        </p:attrNameLst>
-                                      </p:cBhvr>
-                                      <p:to>
-                                        <p:strVal val="visible"/>
-                                      </p:to>
-                                    </p:set>
-                                  </p:childTnLst>
-                                </p:cTn>
-                              </p:par>
-                              <p:par>
-                                <p:cTn id="21" presetID="1" presetClass="entr" presetSubtype="0" fill="hold" nodeType="withEffect">
-                                  <p:stCondLst>
-                                    <p:cond delay="0"/>
-                                  </p:stCondLst>
-                                  <p:childTnLst>
-                                    <p:set>
-                                      <p:cBhvr>
-                                        <p:cTn id="22" dur="1" fill="hold">
-                                          <p:stCondLst>
-                                            <p:cond delay="0"/>
-                                          </p:stCondLst>
-                                        </p:cTn>
-                                        <p:tgtEl>
-                                          <p:spTgt spid="11"/>
-                                        </p:tgtEl>
-                                        <p:attrNameLst>
-                                          <p:attrName>style.visibility</p:attrName>
-                                        </p:attrNameLst>
-                                      </p:cBhvr>
-                                      <p:to>
-                                        <p:strVal val="visible"/>
-                                      </p:to>
-                                    </p:set>
-                                  </p:childTnLst>
-                                </p:cTn>
-                              </p:par>
-                            </p:childTnLst>
-                          </p:cTn>
-                        </p:par>
-                      </p:childTnLst>
-                    </p:cTn>
-                  </p:par>
-                </p:childTnLst>
-              </p:cTn>
-              <p:prevCondLst>
-                <p:cond evt="onPrev" delay="0">
-                  <p:tgtEl>
-                    <p:sldTgt/>
-                  </p:tgtEl>
-                </p:cond>
-              </p:prevCondLst>
-              <p:nextCondLst>
-                <p:cond evt="onNext" delay="0">
-                  <p:tgtEl>
-                    <p:sldTgt/>
-                  </p:tgtEl>
-                </p:cond>
-              </p:nextCondLst>
-            </p:seq>
-          </p:childTnLst>
-        </p:cTn>
-      </p:par>
-    </p:tnLst>
-  </p:timing>
-</p:sld>
-</file>
-
-<file path=ppt/slides/slide9.xml><?xml version="1.0" encoding="utf-8"?>
-<p:sld xmlns:a="http://schemas.openxmlformats.org/drawingml/2006/main" xmlns:r="http://schemas.openxmlformats.org/officeDocument/2006/relationships" xmlns:p="http://schemas.openxmlformats.org/presentationml/2006/main">
-  <p:cSld>
-    <p:spTree>
-      <p:nvGrpSpPr>
-        <p:cNvPr id="1" name=""/>
-        <p:cNvGrpSpPr/>
-        <p:nvPr/>
-      </p:nvGrpSpPr>
-      <p:grpSpPr>
-        <a:xfrm>
-          <a:off x="0" y="0"/>
-          <a:ext cx="0" cy="0"/>
-          <a:chOff x="0" y="0"/>
-          <a:chExt cx="0" cy="0"/>
-        </a:xfrm>
-      </p:grpSpPr>
-      <p:sp>
-        <p:nvSpPr>
-          <p:cNvPr id="2" name="Title 1">
-            <a:extLst>
-              <a:ext uri="{FF2B5EF4-FFF2-40B4-BE49-F238E27FC236}">
-                <a16:creationId xmlns:a16="http://schemas.microsoft.com/office/drawing/2014/main" id="{6E7E1F21-C747-FF48-ADD7-0D992EF4AA35}"/>
-              </a:ext>
-            </a:extLst>
-          </p:cNvPr>
-          <p:cNvSpPr>
-            <a:spLocks noGrp="1"/>
-          </p:cNvSpPr>
-          <p:nvPr>
-            <p:ph type="title"/>
-          </p:nvPr>
-        </p:nvSpPr>
-        <p:spPr/>
-        <p:txBody>
-          <a:bodyPr/>
-          <a:lstStyle/>
-          <a:p>
-            <a:r>
-              <a:rPr lang="en-US" dirty="0"/>
-              <a:t>Semaphores</a:t>
-            </a:r>
-          </a:p>
-        </p:txBody>
-      </p:sp>
-      <p:sp>
-        <p:nvSpPr>
-          <p:cNvPr id="3" name="Content Placeholder 2">
-            <a:extLst>
-              <a:ext uri="{FF2B5EF4-FFF2-40B4-BE49-F238E27FC236}">
-                <a16:creationId xmlns:a16="http://schemas.microsoft.com/office/drawing/2014/main" id="{3B472150-5A72-0B4C-842B-0AE934B608BB}"/>
-              </a:ext>
-            </a:extLst>
-          </p:cNvPr>
-          <p:cNvSpPr>
-            <a:spLocks noGrp="1"/>
-          </p:cNvSpPr>
-          <p:nvPr>
-            <p:ph idx="1"/>
-          </p:nvPr>
-        </p:nvSpPr>
-        <p:spPr/>
-        <p:txBody>
-          <a:bodyPr/>
-          <a:lstStyle/>
-          <a:p>
-            <a:pPr>
-              <a:lnSpc>
-                <a:spcPct val="90000"/>
-              </a:lnSpc>
-            </a:pPr>
-            <a:r>
-              <a:rPr lang="en-US" altLang="en-US" sz="2646" dirty="0"/>
-              <a:t>Solution: use semaphores</a:t>
-            </a:r>
-          </a:p>
-          <a:p>
-            <a:pPr lvl="1">
-              <a:lnSpc>
-                <a:spcPct val="90000"/>
-              </a:lnSpc>
-            </a:pPr>
-            <a:r>
-              <a:rPr lang="en-US" altLang="en-US" sz="2205" dirty="0"/>
-              <a:t>Synchronization mechanism that doesn’t require busy waiting</a:t>
-            </a:r>
-          </a:p>
-          <a:p>
-            <a:pPr>
-              <a:lnSpc>
-                <a:spcPct val="90000"/>
-              </a:lnSpc>
-            </a:pPr>
-            <a:r>
-              <a:rPr lang="en-US" altLang="en-US" sz="2646" dirty="0"/>
-              <a:t>Implementation</a:t>
-            </a:r>
-          </a:p>
-          <a:p>
-            <a:pPr lvl="1">
-              <a:lnSpc>
-                <a:spcPct val="90000"/>
-              </a:lnSpc>
-            </a:pPr>
-            <a:r>
-              <a:rPr lang="en-US" altLang="en-US" sz="2205" dirty="0"/>
-              <a:t>Semaphore S accessed by two atomic operations</a:t>
-            </a:r>
-          </a:p>
-          <a:p>
-            <a:pPr lvl="2">
-              <a:lnSpc>
-                <a:spcPct val="90000"/>
-              </a:lnSpc>
-            </a:pPr>
-            <a:r>
-              <a:rPr lang="en-US" altLang="en-US" sz="1984" dirty="0"/>
-              <a:t>Down(S): while (S&lt;=0) {}; S-= 1;</a:t>
-            </a:r>
-          </a:p>
-          <a:p>
-            <a:pPr lvl="2">
-              <a:lnSpc>
-                <a:spcPct val="90000"/>
-              </a:lnSpc>
-            </a:pPr>
-            <a:r>
-              <a:rPr lang="en-US" altLang="en-US" sz="1984" dirty="0"/>
-              <a:t>Up(S): S+=1;</a:t>
-            </a:r>
-          </a:p>
-          <a:p>
-            <a:pPr lvl="1">
-              <a:lnSpc>
-                <a:spcPct val="90000"/>
-              </a:lnSpc>
-            </a:pPr>
-            <a:r>
-              <a:rPr lang="en-US" altLang="en-US" sz="2205" dirty="0"/>
-              <a:t>Down() is another name for P()</a:t>
-            </a:r>
-          </a:p>
-          <a:p>
-            <a:pPr lvl="1">
-              <a:lnSpc>
-                <a:spcPct val="90000"/>
-              </a:lnSpc>
-            </a:pPr>
-            <a:r>
-              <a:rPr lang="en-US" altLang="en-US" sz="2205" dirty="0"/>
-              <a:t>Up() is another name for V()</a:t>
-            </a:r>
-          </a:p>
-          <a:p>
-            <a:pPr lvl="1">
-              <a:lnSpc>
-                <a:spcPct val="90000"/>
-              </a:lnSpc>
-            </a:pPr>
-            <a:r>
-              <a:rPr lang="en-US" altLang="en-US" sz="2205" dirty="0"/>
-              <a:t>Modify implementation to eliminate busy wait from Down()</a:t>
-            </a:r>
-          </a:p>
-        </p:txBody>
-      </p:sp>
-      <p:sp>
-        <p:nvSpPr>
-          <p:cNvPr id="4" name="Footer Placeholder 3">
-            <a:extLst>
-              <a:ext uri="{FF2B5EF4-FFF2-40B4-BE49-F238E27FC236}">
-                <a16:creationId xmlns:a16="http://schemas.microsoft.com/office/drawing/2014/main" id="{A6DACDEA-BA25-1C45-9FE8-0A1166DBC5D0}"/>
-              </a:ext>
-            </a:extLst>
-          </p:cNvPr>
-          <p:cNvSpPr>
-            <a:spLocks noGrp="1"/>
-          </p:cNvSpPr>
-          <p:nvPr>
-            <p:ph type="ftr" idx="11"/>
-          </p:nvPr>
-        </p:nvSpPr>
-        <p:spPr/>
-        <p:txBody>
-          <a:bodyPr/>
-          <a:lstStyle/>
-          <a:p>
-            <a:pPr>
-              <a:defRPr/>
-            </a:pPr>
-            <a:r>
-              <a:rPr lang="en-US">
-                <a:latin typeface="+mn-lt"/>
-              </a:rPr>
-              <a:t>CS/COE 1550 – Operating Systems – Sherif Khattab</a:t>
-            </a:r>
-            <a:endParaRPr lang="en-GB" dirty="0"/>
-          </a:p>
-        </p:txBody>
-      </p:sp>
-      <p:sp>
-        <p:nvSpPr>
-          <p:cNvPr id="5" name="Slide Number Placeholder 4">
-            <a:extLst>
-              <a:ext uri="{FF2B5EF4-FFF2-40B4-BE49-F238E27FC236}">
-                <a16:creationId xmlns:a16="http://schemas.microsoft.com/office/drawing/2014/main" id="{280C8A18-AE1B-BE41-B5D4-F503DE1A4ECF}"/>
-              </a:ext>
-            </a:extLst>
-          </p:cNvPr>
-          <p:cNvSpPr>
-            <a:spLocks noGrp="1"/>
-          </p:cNvSpPr>
-          <p:nvPr>
-            <p:ph type="sldNum" idx="12"/>
-          </p:nvPr>
-        </p:nvSpPr>
-        <p:spPr/>
-        <p:txBody>
-          <a:bodyPr/>
-          <a:lstStyle/>
-          <a:p>
-            <a:fld id="{65E435D9-63B0-4660-8D04-E83F5E2CA2AE}" type="slidenum">
-              <a:rPr lang="en-GB" altLang="en-US" smtClean="0"/>
-              <a:pPr/>
-              <a:t>9</a:t>
-            </a:fld>
-            <a:endParaRPr lang="en-GB" altLang="en-US" dirty="0"/>
-          </a:p>
-        </p:txBody>
-      </p:sp>
-    </p:spTree>
-    <p:extLst>
-      <p:ext uri="{BB962C8B-B14F-4D97-AF65-F5344CB8AC3E}">
-        <p14:creationId xmlns:p14="http://schemas.microsoft.com/office/powerpoint/2010/main" val="2414223724"/>
-      </p:ext>
-    </p:extLst>
-  </p:cSld>
-  <p:clrMapOvr>
-    <a:masterClrMapping/>
-  </p:clrMapOvr>
-  <p:timing>
-    <p:tnLst>
-      <p:par>
-        <p:cTn id="1" dur="indefinite" restart="never" nodeType="tmRoot">
-          <p:childTnLst>
-            <p:seq concurrent="1" nextAc="seek">
-              <p:cTn id="2" dur="indefinite" nodeType="mainSeq">
-                <p:childTnLst>
-                  <p:par>
-                    <p:cTn id="3" fill="hold">
-                      <p:stCondLst>
-                        <p:cond delay="indefinite"/>
-                      </p:stCondLst>
-                      <p:childTnLst>
-                        <p:par>
-                          <p:cTn id="4" fill="hold">
-                            <p:stCondLst>
-                              <p:cond delay="0"/>
-                            </p:stCondLst>
-                            <p:childTnLst>
-                              <p:par>
-                                <p:cTn id="5" presetID="1" presetClass="entr" presetSubtype="0" fill="hold" nodeType="clickEffect">
-                                  <p:stCondLst>
-                                    <p:cond delay="0"/>
-                                  </p:stCondLst>
-                                  <p:childTnLst>
-                                    <p:set>
-                                      <p:cBhvr>
-                                        <p:cTn id="6" dur="1" fill="hold">
-                                          <p:stCondLst>
-                                            <p:cond delay="0"/>
-                                          </p:stCondLst>
-                                        </p:cTn>
-                                        <p:tgtEl>
-                                          <p:spTgt spid="3">
-                                            <p:txEl>
-                                              <p:pRg st="0" end="0"/>
-                                            </p:txEl>
-                                          </p:spTgt>
-                                        </p:tgtEl>
-                                        <p:attrNameLst>
-                                          <p:attrName>style.visibility</p:attrName>
-                                        </p:attrNameLst>
-                                      </p:cBhvr>
-                                      <p:to>
-                                        <p:strVal val="visible"/>
-                                      </p:to>
-                                    </p:set>
-                                  </p:childTnLst>
-                                </p:cTn>
-                              </p:par>
-                            </p:childTnLst>
-                          </p:cTn>
-                        </p:par>
-                      </p:childTnLst>
-                    </p:cTn>
-                  </p:par>
-                  <p:par>
-                    <p:cTn id="7" fill="hold">
-                      <p:stCondLst>
-                        <p:cond delay="indefinite"/>
-                      </p:stCondLst>
-                      <p:childTnLst>
-                        <p:par>
-                          <p:cTn id="8" fill="hold">
-                            <p:stCondLst>
-                              <p:cond delay="0"/>
-                            </p:stCondLst>
-                            <p:childTnLst>
-                              <p:par>
-                                <p:cTn id="9" presetID="1" presetClass="entr" presetSubtype="0" fill="hold" nodeType="clickEffect">
-                                  <p:stCondLst>
-                                    <p:cond delay="0"/>
-                                  </p:stCondLst>
-                                  <p:childTnLst>
-                                    <p:set>
-                                      <p:cBhvr>
-                                        <p:cTn id="10" dur="1" fill="hold">
-                                          <p:stCondLst>
-                                            <p:cond delay="0"/>
-                                          </p:stCondLst>
-                                        </p:cTn>
-                                        <p:tgtEl>
-                                          <p:spTgt spid="3">
-                                            <p:txEl>
-                                              <p:pRg st="1" end="1"/>
-                                            </p:txEl>
-                                          </p:spTgt>
-                                        </p:tgtEl>
-                                        <p:attrNameLst>
-                                          <p:attrName>style.visibility</p:attrName>
-                                        </p:attrNameLst>
-                                      </p:cBhvr>
-                                      <p:to>
-                                        <p:strVal val="visible"/>
-                                      </p:to>
-                                    </p:set>
-                                  </p:childTnLst>
-                                </p:cTn>
-                              </p:par>
-                            </p:childTnLst>
-                          </p:cTn>
-                        </p:par>
-                      </p:childTnLst>
-                    </p:cTn>
-                  </p:par>
-                  <p:par>
-                    <p:cTn id="11" fill="hold">
-                      <p:stCondLst>
-                        <p:cond delay="indefinite"/>
-                      </p:stCondLst>
-                      <p:childTnLst>
-                        <p:par>
-                          <p:cTn id="12" fill="hold">
-                            <p:stCondLst>
-                              <p:cond delay="0"/>
-                            </p:stCondLst>
-                            <p:childTnLst>
-                              <p:par>
-                                <p:cTn id="13" presetID="1" presetClass="entr" presetSubtype="0" fill="hold" nodeType="clickEffect">
-                                  <p:stCondLst>
-                                    <p:cond delay="0"/>
-                                  </p:stCondLst>
-                                  <p:childTnLst>
-                                    <p:set>
-                                      <p:cBhvr>
-                                        <p:cTn id="14" dur="1" fill="hold">
-                                          <p:stCondLst>
-                                            <p:cond delay="0"/>
-                                          </p:stCondLst>
-                                        </p:cTn>
-                                        <p:tgtEl>
-                                          <p:spTgt spid="3">
-                                            <p:txEl>
-                                              <p:pRg st="2" end="2"/>
-                                            </p:txEl>
-                                          </p:spTgt>
-                                        </p:tgtEl>
-                                        <p:attrNameLst>
-                                          <p:attrName>style.visibility</p:attrName>
-                                        </p:attrNameLst>
-                                      </p:cBhvr>
-                                      <p:to>
-                                        <p:strVal val="visible"/>
-                                      </p:to>
-                                    </p:set>
-                                  </p:childTnLst>
-                                </p:cTn>
-                              </p:par>
-                            </p:childTnLst>
-                          </p:cTn>
-                        </p:par>
-                      </p:childTnLst>
-                    </p:cTn>
-                  </p:par>
-                  <p:par>
-                    <p:cTn id="15" fill="hold">
-                      <p:stCondLst>
-                        <p:cond delay="indefinite"/>
-                      </p:stCondLst>
-                      <p:childTnLst>
-                        <p:par>
-                          <p:cTn id="16" fill="hold">
-                            <p:stCondLst>
-                              <p:cond delay="0"/>
-                            </p:stCondLst>
-                            <p:childTnLst>
-                              <p:par>
-                                <p:cTn id="17" presetID="1" presetClass="entr" presetSubtype="0" fill="hold" nodeType="clickEffect">
-                                  <p:stCondLst>
-                                    <p:cond delay="0"/>
-                                  </p:stCondLst>
-                                  <p:childTnLst>
-                                    <p:set>
-                                      <p:cBhvr>
-                                        <p:cTn id="18" dur="1" fill="hold">
-                                          <p:stCondLst>
-                                            <p:cond delay="0"/>
-                                          </p:stCondLst>
-                                        </p:cTn>
-                                        <p:tgtEl>
-                                          <p:spTgt spid="3">
-                                            <p:txEl>
-                                              <p:pRg st="3" end="3"/>
-                                            </p:txEl>
-                                          </p:spTgt>
-                                        </p:tgtEl>
-                                        <p:attrNameLst>
-                                          <p:attrName>style.visibility</p:attrName>
-                                        </p:attrNameLst>
-                                      </p:cBhvr>
-                                      <p:to>
-                                        <p:strVal val="visible"/>
-                                      </p:to>
-                                    </p:set>
-                                  </p:childTnLst>
-                                </p:cTn>
-                              </p:par>
-                            </p:childTnLst>
-                          </p:cTn>
-                        </p:par>
-                      </p:childTnLst>
-                    </p:cTn>
-                  </p:par>
-                  <p:par>
-                    <p:cTn id="19" fill="hold">
-                      <p:stCondLst>
-                        <p:cond delay="indefinite"/>
-                      </p:stCondLst>
-                      <p:childTnLst>
-                        <p:par>
-                          <p:cTn id="20" fill="hold">
-                            <p:stCondLst>
-                              <p:cond delay="0"/>
-                            </p:stCondLst>
-                            <p:childTnLst>
-                              <p:par>
-                                <p:cTn id="21" presetID="1" presetClass="entr" presetSubtype="0" fill="hold" nodeType="clickEffect">
-                                  <p:stCondLst>
-                                    <p:cond delay="0"/>
-                                  </p:stCondLst>
-                                  <p:childTnLst>
-                                    <p:set>
-                                      <p:cBhvr>
-                                        <p:cTn id="22" dur="1" fill="hold">
-                                          <p:stCondLst>
-                                            <p:cond delay="0"/>
-                                          </p:stCondLst>
-                                        </p:cTn>
-                                        <p:tgtEl>
-                                          <p:spTgt spid="3">
-                                            <p:txEl>
-                                              <p:pRg st="4" end="4"/>
-                                            </p:txEl>
-                                          </p:spTgt>
-                                        </p:tgtEl>
-                                        <p:attrNameLst>
-                                          <p:attrName>style.visibility</p:attrName>
-                                        </p:attrNameLst>
-                                      </p:cBhvr>
-                                      <p:to>
-                                        <p:strVal val="visible"/>
-                                      </p:to>
-                                    </p:set>
-                                  </p:childTnLst>
-                                </p:cTn>
-                              </p:par>
-                            </p:childTnLst>
-                          </p:cTn>
-                        </p:par>
-                      </p:childTnLst>
-                    </p:cTn>
-                  </p:par>
-                  <p:par>
-                    <p:cTn id="23" fill="hold">
-                      <p:stCondLst>
-                        <p:cond delay="indefinite"/>
-                      </p:stCondLst>
-                      <p:childTnLst>
-                        <p:par>
-                          <p:cTn id="24" fill="hold">
-                            <p:stCondLst>
-                              <p:cond delay="0"/>
-                            </p:stCondLst>
-                            <p:childTnLst>
-                              <p:par>
-                                <p:cTn id="25" presetID="1" presetClass="entr" presetSubtype="0" fill="hold" nodeType="clickEffect">
-                                  <p:stCondLst>
-                                    <p:cond delay="0"/>
-                                  </p:stCondLst>
-                                  <p:childTnLst>
-                                    <p:set>
-                                      <p:cBhvr>
-                                        <p:cTn id="26" dur="1" fill="hold">
-                                          <p:stCondLst>
-                                            <p:cond delay="0"/>
-                                          </p:stCondLst>
-                                        </p:cTn>
-                                        <p:tgtEl>
-                                          <p:spTgt spid="3">
-                                            <p:txEl>
-                                              <p:pRg st="5" end="5"/>
-                                            </p:txEl>
-                                          </p:spTgt>
-                                        </p:tgtEl>
-                                        <p:attrNameLst>
-                                          <p:attrName>style.visibility</p:attrName>
-                                        </p:attrNameLst>
-                                      </p:cBhvr>
-                                      <p:to>
-                                        <p:strVal val="visible"/>
-                                      </p:to>
-                                    </p:set>
-                                  </p:childTnLst>
-                                </p:cTn>
-                              </p:par>
-                            </p:childTnLst>
-                          </p:cTn>
-                        </p:par>
-                      </p:childTnLst>
-                    </p:cTn>
-                  </p:par>
-                  <p:par>
-                    <p:cTn id="27" fill="hold">
-                      <p:stCondLst>
-                        <p:cond delay="indefinite"/>
-                      </p:stCondLst>
-                      <p:childTnLst>
-                        <p:par>
-                          <p:cTn id="28" fill="hold">
-                            <p:stCondLst>
-                              <p:cond delay="0"/>
-                            </p:stCondLst>
-                            <p:childTnLst>
-                              <p:par>
-                                <p:cTn id="29" presetID="1" presetClass="entr" presetSubtype="0" fill="hold" nodeType="clickEffect">
-                                  <p:stCondLst>
-                                    <p:cond delay="0"/>
-                                  </p:stCondLst>
-                                  <p:childTnLst>
-                                    <p:set>
-                                      <p:cBhvr>
-                                        <p:cTn id="30" dur="1" fill="hold">
-                                          <p:stCondLst>
-                                            <p:cond delay="0"/>
-                                          </p:stCondLst>
-                                        </p:cTn>
-                                        <p:tgtEl>
-                                          <p:spTgt spid="3">
-                                            <p:txEl>
-                                              <p:pRg st="6" end="6"/>
-                                            </p:txEl>
-                                          </p:spTgt>
-                                        </p:tgtEl>
-                                        <p:attrNameLst>
-                                          <p:attrName>style.visibility</p:attrName>
-                                        </p:attrNameLst>
-                                      </p:cBhvr>
-                                      <p:to>
-                                        <p:strVal val="visible"/>
-                                      </p:to>
-                                    </p:set>
-                                  </p:childTnLst>
-                                </p:cTn>
-                              </p:par>
-                            </p:childTnLst>
-                          </p:cTn>
-                        </p:par>
-                      </p:childTnLst>
-                    </p:cTn>
-                  </p:par>
-                  <p:par>
-                    <p:cTn id="31" fill="hold">
-                      <p:stCondLst>
-                        <p:cond delay="indefinite"/>
-                      </p:stCondLst>
-                      <p:childTnLst>
-                        <p:par>
-                          <p:cTn id="32" fill="hold">
-                            <p:stCondLst>
-                              <p:cond delay="0"/>
-                            </p:stCondLst>
-                            <p:childTnLst>
-                              <p:par>
-                                <p:cTn id="33" presetID="1" presetClass="entr" presetSubtype="0" fill="hold" nodeType="clickEffect">
-                                  <p:stCondLst>
-                                    <p:cond delay="0"/>
-                                  </p:stCondLst>
-                                  <p:childTnLst>
-                                    <p:set>
-                                      <p:cBhvr>
-                                        <p:cTn id="34" dur="1" fill="hold">
-                                          <p:stCondLst>
-                                            <p:cond delay="0"/>
-                                          </p:stCondLst>
-                                        </p:cTn>
-                                        <p:tgtEl>
-                                          <p:spTgt spid="3">
-                                            <p:txEl>
-                                              <p:pRg st="7" end="7"/>
-                                            </p:txEl>
-                                          </p:spTgt>
-                                        </p:tgtEl>
-                                        <p:attrNameLst>
-                                          <p:attrName>style.visibility</p:attrName>
-                                        </p:attrNameLst>
-                                      </p:cBhvr>
-                                      <p:to>
-                                        <p:strVal val="visible"/>
-                                      </p:to>
-                                    </p:set>
-                                  </p:childTnLst>
-                                </p:cTn>
-                              </p:par>
-                            </p:childTnLst>
-                          </p:cTn>
-                        </p:par>
-                      </p:childTnLst>
-                    </p:cTn>
-                  </p:par>
-                  <p:par>
-                    <p:cTn id="35" fill="hold">
-                      <p:stCondLst>
-                        <p:cond delay="indefinite"/>
-                      </p:stCondLst>
-                      <p:childTnLst>
-                        <p:par>
-                          <p:cTn id="36" fill="hold">
-                            <p:stCondLst>
-                              <p:cond delay="0"/>
-                            </p:stCondLst>
-                            <p:childTnLst>
-                              <p:par>
-                                <p:cTn id="37" presetID="1" presetClass="entr" presetSubtype="0" fill="hold" nodeType="clickEffect">
-                                  <p:stCondLst>
-                                    <p:cond delay="0"/>
-                                  </p:stCondLst>
-                                  <p:childTnLst>
-                                    <p:set>
-                                      <p:cBhvr>
-                                        <p:cTn id="38" dur="1" fill="hold">
-                                          <p:stCondLst>
-                                            <p:cond delay="0"/>
-                                          </p:stCondLst>
-                                        </p:cTn>
-                                        <p:tgtEl>
-                                          <p:spTgt spid="3">
-                                            <p:txEl>
-                                              <p:pRg st="8" end="8"/>
-                                            </p:txEl>
-                                          </p:spTgt>
-                                        </p:tgtEl>
-                                        <p:attrNameLst>
-                                          <p:attrName>style.visibility</p:attrName>
-                                        </p:attrNameLst>
-                                      </p:cBhvr>
-                                      <p:to>
-                                        <p:strVal val="visible"/>
-                                      </p:to>
-                                    </p:set>
-                                  </p:childTnLst>
-                                </p:cTn>
-                              </p:par>
-                            </p:childTnLst>
-                          </p:cTn>
-                        </p:par>
-                      </p:childTnLst>
-                    </p:cTn>
-                  </p:par>
-                </p:childTnLst>
-              </p:cTn>
-              <p:prevCondLst>
-                <p:cond evt="onPrev" delay="0">
-                  <p:tgtEl>
-                    <p:sldTgt/>
-                  </p:tgtEl>
-                </p:cond>
-              </p:prevCondLst>
-              <p:nextCondLst>
-                <p:cond evt="onNext" delay="0">
-                  <p:tgtEl>
-                    <p:sldTgt/>
-                  </p:tgtEl>
-                </p:cond>
-              </p:nextCondLst>
-            </p:seq>
-          </p:childTnLst>
-        </p:cTn>
-      </p:par>
-    </p:tnLst>
-  </p:timing>
-</p:sld>
-</file>
-
 <file path=ppt/theme/theme1.xml><?xml version="1.0" encoding="utf-8"?>
 <a:theme xmlns:a="http://schemas.openxmlformats.org/drawingml/2006/main" name="Office Theme">
   <a:themeElements>
